--- a/figs/layerdiagram/virt_layers.pptx
+++ b/figs/layerdiagram/virt_layers.pptx
@@ -5,10 +5,11 @@
     <p:sldMasterId id="2147483648" r:id="rId1"/>
   </p:sldMasterIdLst>
   <p:notesMasterIdLst>
-    <p:notesMasterId r:id="rId3"/>
+    <p:notesMasterId r:id="rId4"/>
   </p:notesMasterIdLst>
   <p:sldIdLst>
     <p:sldId id="273" r:id="rId2"/>
+    <p:sldId id="274" r:id="rId3"/>
   </p:sldIdLst>
   <p:sldSz cx="9144000" cy="6858000" type="screen4x3"/>
   <p:notesSz cx="6858000" cy="9144000"/>
@@ -192,7 +193,7 @@
           <a:p>
             <a:fld id="{07B16EC3-3112-4C57-8C50-056D0133F47E}" type="datetimeFigureOut">
               <a:rPr lang="zh-CN" altLang="en-US" smtClean="0"/>
-              <a:t>5/5/14</a:t>
+              <a:t>9/26/16</a:t>
             </a:fld>
             <a:endParaRPr lang="zh-CN" altLang="en-US"/>
           </a:p>
@@ -544,6 +545,90 @@
 </p:notes>
 </file>
 
+<file path=ppt/notesSlides/notesSlide2.xml><?xml version="1.0" encoding="utf-8"?>
+<p:notes xmlns:a="http://schemas.openxmlformats.org/drawingml/2006/main" xmlns:r="http://schemas.openxmlformats.org/officeDocument/2006/relationships" xmlns:p="http://schemas.openxmlformats.org/presentationml/2006/main">
+  <p:cSld>
+    <p:spTree>
+      <p:nvGrpSpPr>
+        <p:cNvPr id="1" name=""/>
+        <p:cNvGrpSpPr/>
+        <p:nvPr/>
+      </p:nvGrpSpPr>
+      <p:grpSpPr>
+        <a:xfrm>
+          <a:off x="0" y="0"/>
+          <a:ext cx="0" cy="0"/>
+          <a:chOff x="0" y="0"/>
+          <a:chExt cx="0" cy="0"/>
+        </a:xfrm>
+      </p:grpSpPr>
+      <p:sp>
+        <p:nvSpPr>
+          <p:cNvPr id="2" name="Slide Image Placeholder 1"/>
+          <p:cNvSpPr>
+            <a:spLocks noGrp="1" noRot="1" noChangeAspect="1"/>
+          </p:cNvSpPr>
+          <p:nvPr>
+            <p:ph type="sldImg"/>
+          </p:nvPr>
+        </p:nvSpPr>
+        <p:spPr/>
+      </p:sp>
+      <p:sp>
+        <p:nvSpPr>
+          <p:cNvPr id="3" name="Notes Placeholder 2"/>
+          <p:cNvSpPr>
+            <a:spLocks noGrp="1"/>
+          </p:cNvSpPr>
+          <p:nvPr>
+            <p:ph type="body" idx="1"/>
+          </p:nvPr>
+        </p:nvSpPr>
+        <p:spPr/>
+        <p:txBody>
+          <a:bodyPr/>
+          <a:lstStyle/>
+          <a:p>
+            <a:endParaRPr lang="zh-CN" altLang="en-US" dirty="0"/>
+          </a:p>
+        </p:txBody>
+      </p:sp>
+      <p:sp>
+        <p:nvSpPr>
+          <p:cNvPr id="4" name="Slide Number Placeholder 3"/>
+          <p:cNvSpPr>
+            <a:spLocks noGrp="1"/>
+          </p:cNvSpPr>
+          <p:nvPr>
+            <p:ph type="sldNum" sz="quarter" idx="10"/>
+          </p:nvPr>
+        </p:nvSpPr>
+        <p:spPr/>
+        <p:txBody>
+          <a:bodyPr/>
+          <a:lstStyle/>
+          <a:p>
+            <a:fld id="{E1859543-4AD3-40C8-816A-144C85A55A53}" type="slidenum">
+              <a:rPr lang="zh-CN" altLang="en-US" smtClean="0"/>
+              <a:t>2</a:t>
+            </a:fld>
+            <a:endParaRPr lang="zh-CN" altLang="en-US"/>
+          </a:p>
+        </p:txBody>
+      </p:sp>
+    </p:spTree>
+    <p:extLst>
+      <p:ext uri="{BB962C8B-B14F-4D97-AF65-F5344CB8AC3E}">
+        <p14:creationId xmlns:p14="http://schemas.microsoft.com/office/powerpoint/2010/main" val="1631798928"/>
+      </p:ext>
+    </p:extLst>
+  </p:cSld>
+  <p:clrMapOvr>
+    <a:masterClrMapping/>
+  </p:clrMapOvr>
+</p:notes>
+</file>
+
 <file path=ppt/slideLayouts/slideLayout1.xml><?xml version="1.0" encoding="utf-8"?>
 <p:sldLayout xmlns:a="http://schemas.openxmlformats.org/drawingml/2006/main" xmlns:r="http://schemas.openxmlformats.org/officeDocument/2006/relationships" xmlns:p="http://schemas.openxmlformats.org/presentationml/2006/main" type="title" preserve="1">
   <p:cSld name="Title Slide">
@@ -726,7 +811,7 @@
             <a:fld id="{1D8BD707-D9CF-40AE-B4C6-C98DA3205C09}" type="datetimeFigureOut">
               <a:rPr lang="en-US" smtClean="0"/>
               <a:pPr/>
-              <a:t>5/5/14</a:t>
+              <a:t>9/26/16</a:t>
             </a:fld>
             <a:endParaRPr lang="en-US"/>
           </a:p>
@@ -893,7 +978,7 @@
             <a:fld id="{1D8BD707-D9CF-40AE-B4C6-C98DA3205C09}" type="datetimeFigureOut">
               <a:rPr lang="en-US" smtClean="0"/>
               <a:pPr/>
-              <a:t>5/5/14</a:t>
+              <a:t>9/26/16</a:t>
             </a:fld>
             <a:endParaRPr lang="en-US"/>
           </a:p>
@@ -1070,7 +1155,7 @@
             <a:fld id="{1D8BD707-D9CF-40AE-B4C6-C98DA3205C09}" type="datetimeFigureOut">
               <a:rPr lang="en-US" smtClean="0"/>
               <a:pPr/>
-              <a:t>5/5/14</a:t>
+              <a:t>9/26/16</a:t>
             </a:fld>
             <a:endParaRPr lang="en-US"/>
           </a:p>
@@ -1237,7 +1322,7 @@
             <a:fld id="{1D8BD707-D9CF-40AE-B4C6-C98DA3205C09}" type="datetimeFigureOut">
               <a:rPr lang="en-US" smtClean="0"/>
               <a:pPr/>
-              <a:t>5/5/14</a:t>
+              <a:t>9/26/16</a:t>
             </a:fld>
             <a:endParaRPr lang="en-US"/>
           </a:p>
@@ -1480,7 +1565,7 @@
             <a:fld id="{1D8BD707-D9CF-40AE-B4C6-C98DA3205C09}" type="datetimeFigureOut">
               <a:rPr lang="en-US" smtClean="0"/>
               <a:pPr/>
-              <a:t>5/5/14</a:t>
+              <a:t>9/26/16</a:t>
             </a:fld>
             <a:endParaRPr lang="en-US"/>
           </a:p>
@@ -1765,7 +1850,7 @@
             <a:fld id="{1D8BD707-D9CF-40AE-B4C6-C98DA3205C09}" type="datetimeFigureOut">
               <a:rPr lang="en-US" smtClean="0"/>
               <a:pPr/>
-              <a:t>5/5/14</a:t>
+              <a:t>9/26/16</a:t>
             </a:fld>
             <a:endParaRPr lang="en-US"/>
           </a:p>
@@ -2184,7 +2269,7 @@
             <a:fld id="{1D8BD707-D9CF-40AE-B4C6-C98DA3205C09}" type="datetimeFigureOut">
               <a:rPr lang="en-US" smtClean="0"/>
               <a:pPr/>
-              <a:t>5/5/14</a:t>
+              <a:t>9/26/16</a:t>
             </a:fld>
             <a:endParaRPr lang="en-US"/>
           </a:p>
@@ -2299,7 +2384,7 @@
             <a:fld id="{1D8BD707-D9CF-40AE-B4C6-C98DA3205C09}" type="datetimeFigureOut">
               <a:rPr lang="en-US" smtClean="0"/>
               <a:pPr/>
-              <a:t>5/5/14</a:t>
+              <a:t>9/26/16</a:t>
             </a:fld>
             <a:endParaRPr lang="en-US"/>
           </a:p>
@@ -2391,7 +2476,7 @@
             <a:fld id="{1D8BD707-D9CF-40AE-B4C6-C98DA3205C09}" type="datetimeFigureOut">
               <a:rPr lang="en-US" smtClean="0"/>
               <a:pPr/>
-              <a:t>5/5/14</a:t>
+              <a:t>9/26/16</a:t>
             </a:fld>
             <a:endParaRPr lang="en-US"/>
           </a:p>
@@ -2665,7 +2750,7 @@
             <a:fld id="{1D8BD707-D9CF-40AE-B4C6-C98DA3205C09}" type="datetimeFigureOut">
               <a:rPr lang="en-US" smtClean="0"/>
               <a:pPr/>
-              <a:t>5/5/14</a:t>
+              <a:t>9/26/16</a:t>
             </a:fld>
             <a:endParaRPr lang="en-US"/>
           </a:p>
@@ -2915,7 +3000,7 @@
             <a:fld id="{1D8BD707-D9CF-40AE-B4C6-C98DA3205C09}" type="datetimeFigureOut">
               <a:rPr lang="en-US" smtClean="0"/>
               <a:pPr/>
-              <a:t>5/5/14</a:t>
+              <a:t>9/26/16</a:t>
             </a:fld>
             <a:endParaRPr lang="en-US"/>
           </a:p>
@@ -3125,7 +3210,7 @@
             <a:fld id="{1D8BD707-D9CF-40AE-B4C6-C98DA3205C09}" type="datetimeFigureOut">
               <a:rPr lang="en-US" smtClean="0"/>
               <a:pPr/>
-              <a:t>5/5/14</a:t>
+              <a:t>9/26/16</a:t>
             </a:fld>
             <a:endParaRPr lang="en-US"/>
           </a:p>
@@ -4808,7 +4893,14 @@
                 <a:latin typeface="Arial" pitchFamily="34" charset="0"/>
                 <a:cs typeface="Arial" pitchFamily="34" charset="0"/>
               </a:rPr>
-              <a:t> Layer</a:t>
+              <a:t> </a:t>
+            </a:r>
+            <a:r>
+              <a:rPr lang="en-US" altLang="zh-CN" sz="1600" b="1" dirty="0" smtClean="0">
+                <a:latin typeface="Arial" pitchFamily="34" charset="0"/>
+                <a:cs typeface="Arial" pitchFamily="34" charset="0"/>
+              </a:rPr>
+              <a:t>Layer</a:t>
             </a:r>
             <a:endParaRPr lang="zh-CN" altLang="en-US" sz="1600" b="1" dirty="0">
               <a:latin typeface="Arial" pitchFamily="34" charset="0"/>
@@ -12203,6 +12295,6732 @@
     <p:extLst>
       <p:ext uri="{BB962C8B-B14F-4D97-AF65-F5344CB8AC3E}">
         <p14:creationId xmlns:p14="http://schemas.microsoft.com/office/powerpoint/2010/main" val="1533156033"/>
+      </p:ext>
+    </p:extLst>
+  </p:cSld>
+  <p:clrMapOvr>
+    <a:masterClrMapping/>
+  </p:clrMapOvr>
+</p:sld>
+</file>
+
+<file path=ppt/slides/slide2.xml><?xml version="1.0" encoding="utf-8"?>
+<p:sld xmlns:a="http://schemas.openxmlformats.org/drawingml/2006/main" xmlns:r="http://schemas.openxmlformats.org/officeDocument/2006/relationships" xmlns:p="http://schemas.openxmlformats.org/presentationml/2006/main">
+  <p:cSld>
+    <p:spTree>
+      <p:nvGrpSpPr>
+        <p:cNvPr id="1" name=""/>
+        <p:cNvGrpSpPr/>
+        <p:nvPr/>
+      </p:nvGrpSpPr>
+      <p:grpSpPr>
+        <a:xfrm>
+          <a:off x="0" y="0"/>
+          <a:ext cx="0" cy="0"/>
+          <a:chOff x="0" y="0"/>
+          <a:chExt cx="0" cy="0"/>
+        </a:xfrm>
+      </p:grpSpPr>
+      <p:sp>
+        <p:nvSpPr>
+          <p:cNvPr id="206" name="Rounded Rectangle 205"/>
+          <p:cNvSpPr/>
+          <p:nvPr/>
+        </p:nvSpPr>
+        <p:spPr>
+          <a:xfrm>
+            <a:off x="457200" y="6479977"/>
+            <a:ext cx="8763000" cy="609600"/>
+          </a:xfrm>
+          <a:prstGeom prst="roundRect">
+            <a:avLst/>
+          </a:prstGeom>
+          <a:solidFill>
+            <a:srgbClr val="F2F2F2"/>
+          </a:solidFill>
+          <a:ln w="19050" cmpd="sng">
+            <a:solidFill>
+              <a:schemeClr val="tx1"/>
+            </a:solidFill>
+          </a:ln>
+        </p:spPr>
+        <p:style>
+          <a:lnRef idx="2">
+            <a:schemeClr val="accent1">
+              <a:shade val="50000"/>
+            </a:schemeClr>
+          </a:lnRef>
+          <a:fillRef idx="1">
+            <a:schemeClr val="accent1"/>
+          </a:fillRef>
+          <a:effectRef idx="0">
+            <a:schemeClr val="accent1"/>
+          </a:effectRef>
+          <a:fontRef idx="minor">
+            <a:schemeClr val="lt1"/>
+          </a:fontRef>
+        </p:style>
+        <p:txBody>
+          <a:bodyPr rtlCol="0" anchor="ctr"/>
+          <a:lstStyle/>
+          <a:p>
+            <a:pPr algn="ctr"/>
+            <a:endParaRPr lang="zh-CN" altLang="en-US"/>
+          </a:p>
+        </p:txBody>
+      </p:sp>
+      <p:sp>
+        <p:nvSpPr>
+          <p:cNvPr id="677" name="Rounded Rectangle 676"/>
+          <p:cNvSpPr/>
+          <p:nvPr/>
+        </p:nvSpPr>
+        <p:spPr>
+          <a:xfrm>
+            <a:off x="457200" y="1905000"/>
+            <a:ext cx="8763000" cy="609600"/>
+          </a:xfrm>
+          <a:prstGeom prst="roundRect">
+            <a:avLst/>
+          </a:prstGeom>
+          <a:solidFill>
+            <a:srgbClr val="F2F2F2"/>
+          </a:solidFill>
+          <a:ln w="19050" cmpd="sng">
+            <a:solidFill>
+              <a:schemeClr val="tx1"/>
+            </a:solidFill>
+          </a:ln>
+        </p:spPr>
+        <p:style>
+          <a:lnRef idx="2">
+            <a:schemeClr val="accent1">
+              <a:shade val="50000"/>
+            </a:schemeClr>
+          </a:lnRef>
+          <a:fillRef idx="1">
+            <a:schemeClr val="accent1"/>
+          </a:fillRef>
+          <a:effectRef idx="0">
+            <a:schemeClr val="accent1"/>
+          </a:effectRef>
+          <a:fontRef idx="minor">
+            <a:schemeClr val="lt1"/>
+          </a:fontRef>
+        </p:style>
+        <p:txBody>
+          <a:bodyPr rtlCol="0" anchor="ctr"/>
+          <a:lstStyle/>
+          <a:p>
+            <a:pPr algn="ctr"/>
+            <a:endParaRPr lang="zh-CN" altLang="en-US"/>
+          </a:p>
+        </p:txBody>
+      </p:sp>
+      <p:sp>
+        <p:nvSpPr>
+          <p:cNvPr id="573" name="Rounded Rectangle 572"/>
+          <p:cNvSpPr/>
+          <p:nvPr/>
+        </p:nvSpPr>
+        <p:spPr>
+          <a:xfrm>
+            <a:off x="457200" y="2667000"/>
+            <a:ext cx="8763000" cy="609600"/>
+          </a:xfrm>
+          <a:prstGeom prst="roundRect">
+            <a:avLst/>
+          </a:prstGeom>
+          <a:solidFill>
+            <a:srgbClr val="F2F2F2"/>
+          </a:solidFill>
+          <a:ln w="19050" cmpd="sng">
+            <a:solidFill>
+              <a:schemeClr val="tx1"/>
+            </a:solidFill>
+          </a:ln>
+        </p:spPr>
+        <p:style>
+          <a:lnRef idx="2">
+            <a:schemeClr val="accent1">
+              <a:shade val="50000"/>
+            </a:schemeClr>
+          </a:lnRef>
+          <a:fillRef idx="1">
+            <a:schemeClr val="accent1"/>
+          </a:fillRef>
+          <a:effectRef idx="0">
+            <a:schemeClr val="accent1"/>
+          </a:effectRef>
+          <a:fontRef idx="minor">
+            <a:schemeClr val="lt1"/>
+          </a:fontRef>
+        </p:style>
+        <p:txBody>
+          <a:bodyPr rtlCol="0" anchor="ctr"/>
+          <a:lstStyle/>
+          <a:p>
+            <a:pPr algn="ctr"/>
+            <a:endParaRPr lang="zh-CN" altLang="en-US"/>
+          </a:p>
+        </p:txBody>
+      </p:sp>
+      <p:sp>
+        <p:nvSpPr>
+          <p:cNvPr id="496" name="Rounded Rectangle 495"/>
+          <p:cNvSpPr/>
+          <p:nvPr/>
+        </p:nvSpPr>
+        <p:spPr>
+          <a:xfrm>
+            <a:off x="457200" y="3429000"/>
+            <a:ext cx="8763000" cy="609600"/>
+          </a:xfrm>
+          <a:prstGeom prst="roundRect">
+            <a:avLst/>
+          </a:prstGeom>
+          <a:solidFill>
+            <a:srgbClr val="F2F2F2"/>
+          </a:solidFill>
+          <a:ln w="19050" cmpd="sng">
+            <a:solidFill>
+              <a:schemeClr val="tx1"/>
+            </a:solidFill>
+          </a:ln>
+        </p:spPr>
+        <p:style>
+          <a:lnRef idx="2">
+            <a:schemeClr val="accent1">
+              <a:shade val="50000"/>
+            </a:schemeClr>
+          </a:lnRef>
+          <a:fillRef idx="1">
+            <a:schemeClr val="accent1"/>
+          </a:fillRef>
+          <a:effectRef idx="0">
+            <a:schemeClr val="accent1"/>
+          </a:effectRef>
+          <a:fontRef idx="minor">
+            <a:schemeClr val="lt1"/>
+          </a:fontRef>
+        </p:style>
+        <p:txBody>
+          <a:bodyPr rtlCol="0" anchor="ctr"/>
+          <a:lstStyle/>
+          <a:p>
+            <a:pPr algn="ctr"/>
+            <a:endParaRPr lang="zh-CN" altLang="en-US"/>
+          </a:p>
+        </p:txBody>
+      </p:sp>
+      <p:sp>
+        <p:nvSpPr>
+          <p:cNvPr id="398" name="Rounded Rectangle 397"/>
+          <p:cNvSpPr/>
+          <p:nvPr/>
+        </p:nvSpPr>
+        <p:spPr>
+          <a:xfrm>
+            <a:off x="457200" y="4191000"/>
+            <a:ext cx="8763000" cy="609600"/>
+          </a:xfrm>
+          <a:prstGeom prst="roundRect">
+            <a:avLst/>
+          </a:prstGeom>
+          <a:solidFill>
+            <a:srgbClr val="F2F2F2"/>
+          </a:solidFill>
+          <a:ln w="19050" cmpd="sng">
+            <a:solidFill>
+              <a:schemeClr val="tx1"/>
+            </a:solidFill>
+          </a:ln>
+        </p:spPr>
+        <p:style>
+          <a:lnRef idx="2">
+            <a:schemeClr val="accent1">
+              <a:shade val="50000"/>
+            </a:schemeClr>
+          </a:lnRef>
+          <a:fillRef idx="1">
+            <a:schemeClr val="accent1"/>
+          </a:fillRef>
+          <a:effectRef idx="0">
+            <a:schemeClr val="accent1"/>
+          </a:effectRef>
+          <a:fontRef idx="minor">
+            <a:schemeClr val="lt1"/>
+          </a:fontRef>
+        </p:style>
+        <p:txBody>
+          <a:bodyPr rtlCol="0" anchor="ctr"/>
+          <a:lstStyle/>
+          <a:p>
+            <a:pPr algn="ctr"/>
+            <a:endParaRPr lang="zh-CN" altLang="en-US"/>
+          </a:p>
+        </p:txBody>
+      </p:sp>
+      <p:sp>
+        <p:nvSpPr>
+          <p:cNvPr id="146" name="Rounded Rectangle 145"/>
+          <p:cNvSpPr/>
+          <p:nvPr/>
+        </p:nvSpPr>
+        <p:spPr>
+          <a:xfrm>
+            <a:off x="457200" y="4953000"/>
+            <a:ext cx="8763000" cy="609600"/>
+          </a:xfrm>
+          <a:prstGeom prst="roundRect">
+            <a:avLst/>
+          </a:prstGeom>
+          <a:solidFill>
+            <a:srgbClr val="F2F2F2"/>
+          </a:solidFill>
+          <a:ln w="19050" cmpd="sng">
+            <a:solidFill>
+              <a:schemeClr val="tx1"/>
+            </a:solidFill>
+          </a:ln>
+        </p:spPr>
+        <p:style>
+          <a:lnRef idx="2">
+            <a:schemeClr val="accent1">
+              <a:shade val="50000"/>
+            </a:schemeClr>
+          </a:lnRef>
+          <a:fillRef idx="1">
+            <a:schemeClr val="accent1"/>
+          </a:fillRef>
+          <a:effectRef idx="0">
+            <a:schemeClr val="accent1"/>
+          </a:effectRef>
+          <a:fontRef idx="minor">
+            <a:schemeClr val="lt1"/>
+          </a:fontRef>
+        </p:style>
+        <p:txBody>
+          <a:bodyPr rtlCol="0" anchor="ctr"/>
+          <a:lstStyle/>
+          <a:p>
+            <a:pPr algn="ctr"/>
+            <a:endParaRPr lang="zh-CN" altLang="en-US">
+              <a:ln w="12700" cmpd="sng">
+                <a:solidFill>
+                  <a:schemeClr val="tx1"/>
+                </a:solidFill>
+              </a:ln>
+            </a:endParaRPr>
+          </a:p>
+        </p:txBody>
+      </p:sp>
+      <p:sp>
+        <p:nvSpPr>
+          <p:cNvPr id="7" name="TextBox 6"/>
+          <p:cNvSpPr txBox="1"/>
+          <p:nvPr/>
+        </p:nvSpPr>
+        <p:spPr>
+          <a:xfrm>
+            <a:off x="457200" y="5254823"/>
+            <a:ext cx="2667000" cy="307777"/>
+          </a:xfrm>
+          <a:prstGeom prst="rect">
+            <a:avLst/>
+          </a:prstGeom>
+          <a:noFill/>
+        </p:spPr>
+        <p:txBody>
+          <a:bodyPr wrap="square" rtlCol="0">
+            <a:spAutoFit/>
+          </a:bodyPr>
+          <a:lstStyle/>
+          <a:p>
+            <a:r>
+              <a:rPr lang="en-US" altLang="zh-CN" sz="1400" dirty="0">
+                <a:latin typeface="Arial" pitchFamily="34" charset="0"/>
+                <a:cs typeface="Arial" pitchFamily="34" charset="0"/>
+              </a:rPr>
+              <a:t>(</a:t>
+            </a:r>
+            <a:r>
+              <a:rPr lang="en-US" altLang="zh-CN" sz="1400" dirty="0" err="1">
+                <a:latin typeface="Arial" pitchFamily="34" charset="0"/>
+                <a:cs typeface="Arial" pitchFamily="34" charset="0"/>
+              </a:rPr>
+              <a:t>mm.abd</a:t>
+            </a:r>
+            <a:r>
+              <a:rPr lang="en-US" altLang="zh-CN" sz="1400" dirty="0">
+                <a:latin typeface="Arial" pitchFamily="34" charset="0"/>
+                <a:cs typeface="Arial" pitchFamily="34" charset="0"/>
+              </a:rPr>
+              <a:t>, </a:t>
+            </a:r>
+            <a:r>
+              <a:rPr lang="en-US" altLang="zh-CN" sz="1400" dirty="0" err="1">
+                <a:latin typeface="Arial" pitchFamily="34" charset="0"/>
+                <a:cs typeface="Arial" pitchFamily="34" charset="0"/>
+              </a:rPr>
+              <a:t>procp</a:t>
+            </a:r>
+            <a:r>
+              <a:rPr lang="en-US" altLang="zh-CN" sz="1400" dirty="0">
+                <a:latin typeface="Arial" pitchFamily="34" charset="0"/>
+                <a:cs typeface="Arial" pitchFamily="34" charset="0"/>
+              </a:rPr>
+              <a:t>,</a:t>
+            </a:r>
+            <a:r>
+              <a:rPr lang="zh-CN" altLang="en-US" sz="1400" dirty="0">
+                <a:latin typeface="Arial" pitchFamily="34" charset="0"/>
+                <a:cs typeface="Arial" pitchFamily="34" charset="0"/>
+              </a:rPr>
+              <a:t> </a:t>
+            </a:r>
+            <a:r>
+              <a:rPr lang="en-US" altLang="zh-CN" sz="1400" dirty="0" err="1" smtClean="0">
+                <a:latin typeface="Arial" pitchFamily="34" charset="0"/>
+                <a:cs typeface="Arial" pitchFamily="34" charset="0"/>
+              </a:rPr>
+              <a:t>rdq</a:t>
+            </a:r>
+            <a:r>
+              <a:rPr lang="zh-CN" altLang="zh-CN" sz="1400" dirty="0" smtClean="0">
+                <a:latin typeface="Arial" pitchFamily="34" charset="0"/>
+                <a:cs typeface="Arial" pitchFamily="34" charset="0"/>
+              </a:rPr>
+              <a:t>,</a:t>
+            </a:r>
+            <a:r>
+              <a:rPr lang="en-US" altLang="zh-CN" sz="1400" dirty="0" err="1" smtClean="0">
+                <a:latin typeface="Arial" pitchFamily="34" charset="0"/>
+                <a:cs typeface="Arial" pitchFamily="34" charset="0"/>
+              </a:rPr>
+              <a:t>pid</a:t>
+            </a:r>
+            <a:r>
+              <a:rPr lang="en-US" altLang="zh-CN" sz="1400" dirty="0" smtClean="0">
+                <a:latin typeface="Arial" pitchFamily="34" charset="0"/>
+                <a:cs typeface="Arial" pitchFamily="34" charset="0"/>
+              </a:rPr>
+              <a:t>, </a:t>
+            </a:r>
+            <a:r>
+              <a:rPr lang="en-US" altLang="zh-CN" sz="1400" dirty="0" err="1">
+                <a:latin typeface="Arial" pitchFamily="34" charset="0"/>
+                <a:cs typeface="Arial" pitchFamily="34" charset="0"/>
+              </a:rPr>
+              <a:t>e</a:t>
+            </a:r>
+            <a:r>
+              <a:rPr lang="en-US" altLang="zh-CN" sz="1400" dirty="0" err="1" smtClean="0">
+                <a:latin typeface="Arial" pitchFamily="34" charset="0"/>
+                <a:cs typeface="Arial" pitchFamily="34" charset="0"/>
+              </a:rPr>
+              <a:t>pt</a:t>
+            </a:r>
+            <a:r>
+              <a:rPr lang="en-US" altLang="zh-CN" sz="1400" dirty="0">
+                <a:latin typeface="Arial" pitchFamily="34" charset="0"/>
+                <a:cs typeface="Arial" pitchFamily="34" charset="0"/>
+              </a:rPr>
+              <a:t>)   </a:t>
+            </a:r>
+            <a:endParaRPr lang="zh-CN" altLang="en-US" sz="1400" dirty="0">
+              <a:latin typeface="Arial" pitchFamily="34" charset="0"/>
+              <a:cs typeface="Arial" pitchFamily="34" charset="0"/>
+            </a:endParaRPr>
+          </a:p>
+        </p:txBody>
+      </p:sp>
+      <p:cxnSp>
+        <p:nvCxnSpPr>
+          <p:cNvPr id="995" name="Straight Connector 994"/>
+          <p:cNvCxnSpPr/>
+          <p:nvPr/>
+        </p:nvCxnSpPr>
+        <p:spPr>
+          <a:xfrm>
+            <a:off x="-304800" y="-2209800"/>
+            <a:ext cx="9906000" cy="0"/>
+          </a:xfrm>
+          <a:prstGeom prst="line">
+            <a:avLst/>
+          </a:prstGeom>
+          <a:ln w="28575">
+            <a:solidFill>
+              <a:schemeClr val="tx1"/>
+            </a:solidFill>
+            <a:prstDash val="dash"/>
+          </a:ln>
+        </p:spPr>
+        <p:style>
+          <a:lnRef idx="1">
+            <a:schemeClr val="accent1"/>
+          </a:lnRef>
+          <a:fillRef idx="0">
+            <a:schemeClr val="accent1"/>
+          </a:fillRef>
+          <a:effectRef idx="0">
+            <a:schemeClr val="accent1"/>
+          </a:effectRef>
+          <a:fontRef idx="minor">
+            <a:schemeClr val="tx1"/>
+          </a:fontRef>
+        </p:style>
+      </p:cxnSp>
+      <p:sp>
+        <p:nvSpPr>
+          <p:cNvPr id="997" name="Rectangle 996"/>
+          <p:cNvSpPr/>
+          <p:nvPr/>
+        </p:nvSpPr>
+        <p:spPr>
+          <a:xfrm>
+            <a:off x="0" y="-2057400"/>
+            <a:ext cx="9525000" cy="381000"/>
+          </a:xfrm>
+          <a:prstGeom prst="rect">
+            <a:avLst/>
+          </a:prstGeom>
+          <a:solidFill>
+            <a:schemeClr val="bg1">
+              <a:lumMod val="85000"/>
+            </a:schemeClr>
+          </a:solidFill>
+          <a:ln w="19050" cmpd="sng">
+            <a:solidFill>
+              <a:srgbClr val="000000"/>
+            </a:solidFill>
+          </a:ln>
+        </p:spPr>
+        <p:style>
+          <a:lnRef idx="2">
+            <a:schemeClr val="accent1">
+              <a:shade val="50000"/>
+            </a:schemeClr>
+          </a:lnRef>
+          <a:fillRef idx="1">
+            <a:schemeClr val="accent1"/>
+          </a:fillRef>
+          <a:effectRef idx="0">
+            <a:schemeClr val="accent1"/>
+          </a:effectRef>
+          <a:fontRef idx="minor">
+            <a:schemeClr val="lt1"/>
+          </a:fontRef>
+        </p:style>
+        <p:txBody>
+          <a:bodyPr rtlCol="0" anchor="ctr"/>
+          <a:lstStyle/>
+          <a:p>
+            <a:pPr algn="ctr"/>
+            <a:endParaRPr lang="zh-CN" altLang="en-US"/>
+          </a:p>
+        </p:txBody>
+      </p:sp>
+      <p:grpSp>
+        <p:nvGrpSpPr>
+          <p:cNvPr id="1000" name="Group 999"/>
+          <p:cNvGrpSpPr/>
+          <p:nvPr/>
+        </p:nvGrpSpPr>
+        <p:grpSpPr>
+          <a:xfrm>
+            <a:off x="3429000" y="-1981200"/>
+            <a:ext cx="6019800" cy="228600"/>
+            <a:chOff x="3429000" y="152400"/>
+            <a:chExt cx="6019800" cy="228600"/>
+          </a:xfrm>
+        </p:grpSpPr>
+        <p:sp>
+          <p:nvSpPr>
+            <p:cNvPr id="1001" name="Rectangle 1000"/>
+            <p:cNvSpPr/>
+            <p:nvPr/>
+          </p:nvSpPr>
+          <p:spPr>
+            <a:xfrm>
+              <a:off x="8610600" y="152400"/>
+              <a:ext cx="838200" cy="228600"/>
+            </a:xfrm>
+            <a:prstGeom prst="rect">
+              <a:avLst/>
+            </a:prstGeom>
+            <a:noFill/>
+            <a:ln w="12700" cmpd="sng"/>
+          </p:spPr>
+          <p:style>
+            <a:lnRef idx="2">
+              <a:schemeClr val="dk1"/>
+            </a:lnRef>
+            <a:fillRef idx="1">
+              <a:schemeClr val="lt1"/>
+            </a:fillRef>
+            <a:effectRef idx="0">
+              <a:schemeClr val="dk1"/>
+            </a:effectRef>
+            <a:fontRef idx="minor">
+              <a:schemeClr val="dk1"/>
+            </a:fontRef>
+          </p:style>
+          <p:txBody>
+            <a:bodyPr rtlCol="0" anchor="ctr"/>
+            <a:lstStyle/>
+            <a:p>
+              <a:pPr algn="ctr">
+                <a:lnSpc>
+                  <a:spcPct val="70000"/>
+                </a:lnSpc>
+              </a:pPr>
+              <a:r>
+                <a:rPr lang="en-US" sz="1100" dirty="0" smtClean="0"/>
+                <a:t>trap_in/out</a:t>
+              </a:r>
+              <a:endParaRPr lang="en-US" sz="1100" dirty="0"/>
+            </a:p>
+          </p:txBody>
+        </p:sp>
+        <p:sp>
+          <p:nvSpPr>
+            <p:cNvPr id="1002" name="Rectangle 1001"/>
+            <p:cNvSpPr/>
+            <p:nvPr/>
+          </p:nvSpPr>
+          <p:spPr>
+            <a:xfrm>
+              <a:off x="8001000" y="152400"/>
+              <a:ext cx="609600" cy="228600"/>
+            </a:xfrm>
+            <a:prstGeom prst="rect">
+              <a:avLst/>
+            </a:prstGeom>
+            <a:noFill/>
+            <a:ln w="12700" cmpd="sng"/>
+          </p:spPr>
+          <p:style>
+            <a:lnRef idx="2">
+              <a:schemeClr val="dk1"/>
+            </a:lnRef>
+            <a:fillRef idx="1">
+              <a:schemeClr val="lt1"/>
+            </a:fillRef>
+            <a:effectRef idx="0">
+              <a:schemeClr val="dk1"/>
+            </a:effectRef>
+            <a:fontRef idx="minor">
+              <a:schemeClr val="dk1"/>
+            </a:fontRef>
+          </p:style>
+          <p:txBody>
+            <a:bodyPr rtlCol="0" anchor="ctr"/>
+            <a:lstStyle/>
+            <a:p>
+              <a:pPr algn="ctr">
+                <a:lnSpc>
+                  <a:spcPct val="70000"/>
+                </a:lnSpc>
+              </a:pPr>
+              <a:r>
+                <a:rPr lang="en-US" sz="1100" dirty="0" smtClean="0"/>
+                <a:t>set_PT</a:t>
+              </a:r>
+              <a:endParaRPr lang="en-US" sz="1100" dirty="0"/>
+            </a:p>
+          </p:txBody>
+        </p:sp>
+        <p:sp>
+          <p:nvSpPr>
+            <p:cNvPr id="1003" name="Rectangle 1002"/>
+            <p:cNvSpPr/>
+            <p:nvPr/>
+          </p:nvSpPr>
+          <p:spPr>
+            <a:xfrm>
+              <a:off x="6858000" y="152400"/>
+              <a:ext cx="533400" cy="228600"/>
+            </a:xfrm>
+            <a:prstGeom prst="rect">
+              <a:avLst/>
+            </a:prstGeom>
+            <a:noFill/>
+            <a:ln w="12700" cmpd="sng"/>
+          </p:spPr>
+          <p:style>
+            <a:lnRef idx="2">
+              <a:schemeClr val="dk1"/>
+            </a:lnRef>
+            <a:fillRef idx="1">
+              <a:schemeClr val="lt1"/>
+            </a:fillRef>
+            <a:effectRef idx="0">
+              <a:schemeClr val="dk1"/>
+            </a:effectRef>
+            <a:fontRef idx="minor">
+              <a:schemeClr val="dk1"/>
+            </a:fontRef>
+          </p:style>
+          <p:txBody>
+            <a:bodyPr rtlCol="0" anchor="ctr"/>
+            <a:lstStyle/>
+            <a:p>
+              <a:pPr algn="ctr">
+                <a:lnSpc>
+                  <a:spcPct val="70000"/>
+                </a:lnSpc>
+              </a:pPr>
+              <a:r>
+                <a:rPr lang="en-US" sz="1100" dirty="0" smtClean="0"/>
+                <a:t>pfree</a:t>
+              </a:r>
+              <a:endParaRPr lang="en-US" sz="1100" dirty="0"/>
+            </a:p>
+          </p:txBody>
+        </p:sp>
+        <p:sp>
+          <p:nvSpPr>
+            <p:cNvPr id="1004" name="Rectangle 1003"/>
+            <p:cNvSpPr/>
+            <p:nvPr/>
+          </p:nvSpPr>
+          <p:spPr>
+            <a:xfrm>
+              <a:off x="7391400" y="152400"/>
+              <a:ext cx="609600" cy="228600"/>
+            </a:xfrm>
+            <a:prstGeom prst="rect">
+              <a:avLst/>
+            </a:prstGeom>
+            <a:noFill/>
+            <a:ln w="12700" cmpd="sng"/>
+          </p:spPr>
+          <p:style>
+            <a:lnRef idx="2">
+              <a:schemeClr val="dk1"/>
+            </a:lnRef>
+            <a:fillRef idx="1">
+              <a:schemeClr val="lt1"/>
+            </a:fillRef>
+            <a:effectRef idx="0">
+              <a:schemeClr val="dk1"/>
+            </a:effectRef>
+            <a:fontRef idx="minor">
+              <a:schemeClr val="dk1"/>
+            </a:fontRef>
+          </p:style>
+          <p:txBody>
+            <a:bodyPr rtlCol="0" anchor="ctr"/>
+            <a:lstStyle/>
+            <a:p>
+              <a:pPr algn="ctr">
+                <a:lnSpc>
+                  <a:spcPct val="70000"/>
+                </a:lnSpc>
+              </a:pPr>
+              <a:r>
+                <a:rPr lang="en-US" sz="1100" dirty="0" smtClean="0"/>
+                <a:t>palloc</a:t>
+              </a:r>
+              <a:endParaRPr lang="en-US" sz="1100" dirty="0"/>
+            </a:p>
+          </p:txBody>
+        </p:sp>
+        <p:sp>
+          <p:nvSpPr>
+            <p:cNvPr id="1005" name="Rectangle 1004"/>
+            <p:cNvSpPr/>
+            <p:nvPr/>
+          </p:nvSpPr>
+          <p:spPr>
+            <a:xfrm>
+              <a:off x="6096000" y="152400"/>
+              <a:ext cx="762000" cy="228600"/>
+            </a:xfrm>
+            <a:prstGeom prst="rect">
+              <a:avLst/>
+            </a:prstGeom>
+            <a:noFill/>
+            <a:ln w="12700" cmpd="sng"/>
+          </p:spPr>
+          <p:style>
+            <a:lnRef idx="2">
+              <a:schemeClr val="dk1"/>
+            </a:lnRef>
+            <a:fillRef idx="1">
+              <a:schemeClr val="lt1"/>
+            </a:fillRef>
+            <a:effectRef idx="0">
+              <a:schemeClr val="dk1"/>
+            </a:effectRef>
+            <a:fontRef idx="minor">
+              <a:schemeClr val="dk1"/>
+            </a:fontRef>
+          </p:style>
+          <p:txBody>
+            <a:bodyPr rtlCol="0" anchor="ctr"/>
+            <a:lstStyle/>
+            <a:p>
+              <a:pPr algn="ctr">
+                <a:lnSpc>
+                  <a:spcPct val="70000"/>
+                </a:lnSpc>
+              </a:pPr>
+              <a:r>
+                <a:rPr lang="en-US" sz="1100" dirty="0" smtClean="0"/>
+                <a:t>pt_in/out</a:t>
+              </a:r>
+              <a:endParaRPr lang="en-US" sz="1100" dirty="0"/>
+            </a:p>
+          </p:txBody>
+        </p:sp>
+        <p:sp>
+          <p:nvSpPr>
+            <p:cNvPr id="1006" name="Rectangle 1005"/>
+            <p:cNvSpPr/>
+            <p:nvPr/>
+          </p:nvSpPr>
+          <p:spPr>
+            <a:xfrm>
+              <a:off x="5105400" y="152400"/>
+              <a:ext cx="990600" cy="228600"/>
+            </a:xfrm>
+            <a:prstGeom prst="rect">
+              <a:avLst/>
+            </a:prstGeom>
+            <a:noFill/>
+            <a:ln w="12700" cmpd="sng"/>
+          </p:spPr>
+          <p:style>
+            <a:lnRef idx="2">
+              <a:schemeClr val="dk1"/>
+            </a:lnRef>
+            <a:fillRef idx="1">
+              <a:schemeClr val="lt1"/>
+            </a:fillRef>
+            <a:effectRef idx="0">
+              <a:schemeClr val="dk1"/>
+            </a:effectRef>
+            <a:fontRef idx="minor">
+              <a:schemeClr val="dk1"/>
+            </a:fontRef>
+          </p:style>
+          <p:txBody>
+            <a:bodyPr rtlCol="0" anchor="ctr"/>
+            <a:lstStyle/>
+            <a:p>
+              <a:pPr algn="ctr">
+                <a:lnSpc>
+                  <a:spcPct val="70000"/>
+                </a:lnSpc>
+              </a:pPr>
+              <a:r>
+                <a:rPr lang="en-US" sz="1100" dirty="0" smtClean="0"/>
+                <a:t>PT_resv/read</a:t>
+              </a:r>
+              <a:endParaRPr lang="en-US" sz="1100" dirty="0"/>
+            </a:p>
+          </p:txBody>
+        </p:sp>
+        <p:sp>
+          <p:nvSpPr>
+            <p:cNvPr id="1007" name="Rectangle 1006"/>
+            <p:cNvSpPr/>
+            <p:nvPr/>
+          </p:nvSpPr>
+          <p:spPr>
+            <a:xfrm>
+              <a:off x="3429000" y="152400"/>
+              <a:ext cx="762000" cy="228600"/>
+            </a:xfrm>
+            <a:prstGeom prst="rect">
+              <a:avLst/>
+            </a:prstGeom>
+            <a:solidFill>
+              <a:schemeClr val="accent3"/>
+            </a:solidFill>
+            <a:ln w="12700" cmpd="sng"/>
+          </p:spPr>
+          <p:style>
+            <a:lnRef idx="2">
+              <a:schemeClr val="dk1"/>
+            </a:lnRef>
+            <a:fillRef idx="1">
+              <a:schemeClr val="lt1"/>
+            </a:fillRef>
+            <a:effectRef idx="0">
+              <a:schemeClr val="dk1"/>
+            </a:effectRef>
+            <a:fontRef idx="minor">
+              <a:schemeClr val="dk1"/>
+            </a:fontRef>
+          </p:style>
+          <p:txBody>
+            <a:bodyPr rtlCol="0" anchor="ctr"/>
+            <a:lstStyle/>
+            <a:p>
+              <a:pPr algn="ctr">
+                <a:lnSpc>
+                  <a:spcPct val="70000"/>
+                </a:lnSpc>
+              </a:pPr>
+              <a:r>
+                <a:rPr lang="en-US" sz="1100" dirty="0" smtClean="0"/>
+                <a:t>pmap_init</a:t>
+              </a:r>
+              <a:endParaRPr lang="en-US" sz="1100" dirty="0"/>
+            </a:p>
+          </p:txBody>
+        </p:sp>
+        <p:sp>
+          <p:nvSpPr>
+            <p:cNvPr id="1008" name="Rectangle 1007"/>
+            <p:cNvSpPr/>
+            <p:nvPr/>
+          </p:nvSpPr>
+          <p:spPr>
+            <a:xfrm>
+              <a:off x="4191000" y="152400"/>
+              <a:ext cx="914400" cy="228600"/>
+            </a:xfrm>
+            <a:prstGeom prst="rect">
+              <a:avLst/>
+            </a:prstGeom>
+            <a:noFill/>
+            <a:ln w="12700" cmpd="sng"/>
+          </p:spPr>
+          <p:style>
+            <a:lnRef idx="2">
+              <a:schemeClr val="dk1"/>
+            </a:lnRef>
+            <a:fillRef idx="1">
+              <a:schemeClr val="lt1"/>
+            </a:fillRef>
+            <a:effectRef idx="0">
+              <a:schemeClr val="dk1"/>
+            </a:effectRef>
+            <a:fontRef idx="minor">
+              <a:schemeClr val="dk1"/>
+            </a:fontRef>
+          </p:style>
+          <p:txBody>
+            <a:bodyPr rtlCol="0" anchor="ctr"/>
+            <a:lstStyle/>
+            <a:p>
+              <a:pPr algn="ctr">
+                <a:lnSpc>
+                  <a:spcPct val="70000"/>
+                </a:lnSpc>
+              </a:pPr>
+              <a:r>
+                <a:rPr lang="en-US" sz="1100" dirty="0" smtClean="0"/>
+                <a:t>pt_new/free</a:t>
+              </a:r>
+              <a:endParaRPr lang="en-US" sz="1100" dirty="0"/>
+            </a:p>
+          </p:txBody>
+        </p:sp>
+      </p:grpSp>
+      <p:sp>
+        <p:nvSpPr>
+          <p:cNvPr id="5" name="TextBox 4"/>
+          <p:cNvSpPr txBox="1"/>
+          <p:nvPr/>
+        </p:nvSpPr>
+        <p:spPr>
+          <a:xfrm>
+            <a:off x="533400" y="4953000"/>
+            <a:ext cx="1752600" cy="338554"/>
+          </a:xfrm>
+          <a:prstGeom prst="rect">
+            <a:avLst/>
+          </a:prstGeom>
+          <a:noFill/>
+        </p:spPr>
+        <p:txBody>
+          <a:bodyPr wrap="square" rtlCol="0">
+            <a:spAutoFit/>
+          </a:bodyPr>
+          <a:lstStyle/>
+          <a:p>
+            <a:r>
+              <a:rPr lang="en-US" altLang="zh-CN" sz="1600" b="1" dirty="0" err="1" smtClean="0">
+                <a:latin typeface="Arial" pitchFamily="34" charset="0"/>
+                <a:cs typeface="Arial" pitchFamily="34" charset="0"/>
+              </a:rPr>
+              <a:t>VEPTOp</a:t>
+            </a:r>
+            <a:r>
+              <a:rPr lang="zh-CN" altLang="en-US" sz="1600" b="1" dirty="0" smtClean="0">
+                <a:latin typeface="Arial" pitchFamily="34" charset="0"/>
+                <a:cs typeface="Arial" pitchFamily="34" charset="0"/>
+              </a:rPr>
+              <a:t> </a:t>
+            </a:r>
+            <a:r>
+              <a:rPr lang="en-US" altLang="zh-CN" sz="1600" b="1" dirty="0" smtClean="0">
+                <a:latin typeface="Arial" pitchFamily="34" charset="0"/>
+                <a:cs typeface="Arial" pitchFamily="34" charset="0"/>
+              </a:rPr>
+              <a:t>Layer</a:t>
+            </a:r>
+            <a:endParaRPr lang="zh-CN" altLang="en-US" sz="1600" b="1" dirty="0">
+              <a:latin typeface="Arial" pitchFamily="34" charset="0"/>
+              <a:cs typeface="Arial" pitchFamily="34" charset="0"/>
+            </a:endParaRPr>
+          </a:p>
+        </p:txBody>
+      </p:sp>
+      <p:sp>
+        <p:nvSpPr>
+          <p:cNvPr id="35" name="TextBox 34"/>
+          <p:cNvSpPr txBox="1"/>
+          <p:nvPr/>
+        </p:nvSpPr>
+        <p:spPr>
+          <a:xfrm>
+            <a:off x="533400" y="4191000"/>
+            <a:ext cx="2209800" cy="338554"/>
+          </a:xfrm>
+          <a:prstGeom prst="rect">
+            <a:avLst/>
+          </a:prstGeom>
+          <a:noFill/>
+        </p:spPr>
+        <p:txBody>
+          <a:bodyPr wrap="square" rtlCol="0">
+            <a:spAutoFit/>
+          </a:bodyPr>
+          <a:lstStyle/>
+          <a:p>
+            <a:r>
+              <a:rPr lang="en-US" altLang="zh-CN" sz="1600" b="1" dirty="0" smtClean="0">
+                <a:latin typeface="Arial" pitchFamily="34" charset="0"/>
+                <a:cs typeface="Arial" pitchFamily="34" charset="0"/>
+              </a:rPr>
+              <a:t>VEPT</a:t>
+            </a:r>
+            <a:r>
+              <a:rPr lang="zh-CN" altLang="en-US" sz="1600" b="1" dirty="0" smtClean="0">
+                <a:latin typeface="Arial" pitchFamily="34" charset="0"/>
+                <a:cs typeface="Arial" pitchFamily="34" charset="0"/>
+              </a:rPr>
+              <a:t> </a:t>
+            </a:r>
+            <a:r>
+              <a:rPr lang="en-US" altLang="zh-CN" sz="1600" b="1" dirty="0" smtClean="0">
+                <a:latin typeface="Arial" pitchFamily="34" charset="0"/>
+                <a:cs typeface="Arial" pitchFamily="34" charset="0"/>
+              </a:rPr>
+              <a:t>Layer</a:t>
+            </a:r>
+            <a:endParaRPr lang="zh-CN" altLang="en-US" sz="1600" b="1" dirty="0">
+              <a:latin typeface="Arial" pitchFamily="34" charset="0"/>
+              <a:cs typeface="Arial" pitchFamily="34" charset="0"/>
+            </a:endParaRPr>
+          </a:p>
+        </p:txBody>
+      </p:sp>
+      <p:sp>
+        <p:nvSpPr>
+          <p:cNvPr id="493" name="TextBox 492"/>
+          <p:cNvSpPr txBox="1"/>
+          <p:nvPr/>
+        </p:nvSpPr>
+        <p:spPr>
+          <a:xfrm>
+            <a:off x="533400" y="3471446"/>
+            <a:ext cx="2209800" cy="338554"/>
+          </a:xfrm>
+          <a:prstGeom prst="rect">
+            <a:avLst/>
+          </a:prstGeom>
+          <a:noFill/>
+        </p:spPr>
+        <p:txBody>
+          <a:bodyPr wrap="square" rtlCol="0">
+            <a:spAutoFit/>
+          </a:bodyPr>
+          <a:lstStyle/>
+          <a:p>
+            <a:r>
+              <a:rPr lang="en-US" altLang="zh-CN" sz="1600" b="1" dirty="0" err="1" smtClean="0">
+                <a:latin typeface="Arial" pitchFamily="34" charset="0"/>
+                <a:cs typeface="Arial" pitchFamily="34" charset="0"/>
+              </a:rPr>
+              <a:t>VVMCSIntro</a:t>
+            </a:r>
+            <a:r>
+              <a:rPr lang="en-US" altLang="zh-CN" sz="1600" b="1" dirty="0" smtClean="0">
+                <a:latin typeface="Arial" pitchFamily="34" charset="0"/>
+                <a:cs typeface="Arial" pitchFamily="34" charset="0"/>
+              </a:rPr>
+              <a:t> </a:t>
+            </a:r>
+            <a:r>
+              <a:rPr lang="en-US" altLang="zh-CN" sz="1600" b="1" dirty="0" smtClean="0">
+                <a:latin typeface="Arial" pitchFamily="34" charset="0"/>
+                <a:cs typeface="Arial" pitchFamily="34" charset="0"/>
+              </a:rPr>
+              <a:t>Layer</a:t>
+            </a:r>
+            <a:endParaRPr lang="zh-CN" altLang="en-US" sz="1600" b="1" dirty="0">
+              <a:latin typeface="Arial" pitchFamily="34" charset="0"/>
+              <a:cs typeface="Arial" pitchFamily="34" charset="0"/>
+            </a:endParaRPr>
+          </a:p>
+        </p:txBody>
+      </p:sp>
+      <p:sp>
+        <p:nvSpPr>
+          <p:cNvPr id="570" name="TextBox 569"/>
+          <p:cNvSpPr txBox="1"/>
+          <p:nvPr/>
+        </p:nvSpPr>
+        <p:spPr>
+          <a:xfrm>
+            <a:off x="533400" y="2667000"/>
+            <a:ext cx="1905000" cy="338554"/>
+          </a:xfrm>
+          <a:prstGeom prst="rect">
+            <a:avLst/>
+          </a:prstGeom>
+          <a:noFill/>
+        </p:spPr>
+        <p:txBody>
+          <a:bodyPr wrap="square" rtlCol="0">
+            <a:spAutoFit/>
+          </a:bodyPr>
+          <a:lstStyle/>
+          <a:p>
+            <a:r>
+              <a:rPr lang="en-US" altLang="zh-CN" sz="1600" b="1" dirty="0" smtClean="0">
+                <a:latin typeface="Arial" pitchFamily="34" charset="0"/>
+                <a:cs typeface="Arial" pitchFamily="34" charset="0"/>
+              </a:rPr>
+              <a:t>VVMCS </a:t>
+            </a:r>
+            <a:r>
+              <a:rPr lang="en-US" altLang="zh-CN" sz="1600" b="1" dirty="0" smtClean="0">
+                <a:latin typeface="Arial" pitchFamily="34" charset="0"/>
+                <a:cs typeface="Arial" pitchFamily="34" charset="0"/>
+              </a:rPr>
+              <a:t>Layer</a:t>
+            </a:r>
+            <a:endParaRPr lang="zh-CN" altLang="en-US" sz="1600" b="1" dirty="0">
+              <a:latin typeface="Arial" pitchFamily="34" charset="0"/>
+              <a:cs typeface="Arial" pitchFamily="34" charset="0"/>
+            </a:endParaRPr>
+          </a:p>
+        </p:txBody>
+      </p:sp>
+      <p:sp>
+        <p:nvSpPr>
+          <p:cNvPr id="671" name="TextBox 670"/>
+          <p:cNvSpPr txBox="1"/>
+          <p:nvPr/>
+        </p:nvSpPr>
+        <p:spPr>
+          <a:xfrm>
+            <a:off x="533400" y="1905000"/>
+            <a:ext cx="1828800" cy="338554"/>
+          </a:xfrm>
+          <a:prstGeom prst="rect">
+            <a:avLst/>
+          </a:prstGeom>
+          <a:noFill/>
+        </p:spPr>
+        <p:txBody>
+          <a:bodyPr wrap="square" rtlCol="0">
+            <a:spAutoFit/>
+          </a:bodyPr>
+          <a:lstStyle/>
+          <a:p>
+            <a:r>
+              <a:rPr lang="en-US" altLang="zh-CN" sz="1600" b="1" dirty="0" err="1" smtClean="0">
+                <a:latin typeface="Arial" pitchFamily="34" charset="0"/>
+                <a:cs typeface="Arial" pitchFamily="34" charset="0"/>
+              </a:rPr>
+              <a:t>VVMXIntro</a:t>
+            </a:r>
+            <a:r>
+              <a:rPr lang="zh-CN" altLang="en-US" sz="1600" b="1" dirty="0" smtClean="0">
+                <a:latin typeface="Arial" pitchFamily="34" charset="0"/>
+                <a:cs typeface="Arial" pitchFamily="34" charset="0"/>
+              </a:rPr>
+              <a:t> </a:t>
+            </a:r>
+            <a:r>
+              <a:rPr lang="en-US" altLang="zh-CN" sz="1600" b="1" dirty="0" smtClean="0">
+                <a:latin typeface="Arial" pitchFamily="34" charset="0"/>
+                <a:cs typeface="Arial" pitchFamily="34" charset="0"/>
+              </a:rPr>
+              <a:t>Layer</a:t>
+            </a:r>
+            <a:endParaRPr lang="zh-CN" altLang="en-US" sz="1600" b="1" dirty="0">
+              <a:latin typeface="Arial" pitchFamily="34" charset="0"/>
+              <a:cs typeface="Arial" pitchFamily="34" charset="0"/>
+            </a:endParaRPr>
+          </a:p>
+        </p:txBody>
+      </p:sp>
+      <p:sp>
+        <p:nvSpPr>
+          <p:cNvPr id="241" name="Rounded Rectangle 240"/>
+          <p:cNvSpPr/>
+          <p:nvPr/>
+        </p:nvSpPr>
+        <p:spPr>
+          <a:xfrm>
+            <a:off x="457200" y="5715000"/>
+            <a:ext cx="8763000" cy="609600"/>
+          </a:xfrm>
+          <a:prstGeom prst="roundRect">
+            <a:avLst/>
+          </a:prstGeom>
+          <a:solidFill>
+            <a:schemeClr val="bg1">
+              <a:lumMod val="95000"/>
+            </a:schemeClr>
+          </a:solidFill>
+          <a:ln w="19050" cmpd="sng">
+            <a:solidFill>
+              <a:schemeClr val="tx1"/>
+            </a:solidFill>
+          </a:ln>
+        </p:spPr>
+        <p:style>
+          <a:lnRef idx="2">
+            <a:schemeClr val="accent1">
+              <a:shade val="50000"/>
+            </a:schemeClr>
+          </a:lnRef>
+          <a:fillRef idx="1">
+            <a:schemeClr val="accent1"/>
+          </a:fillRef>
+          <a:effectRef idx="0">
+            <a:schemeClr val="accent1"/>
+          </a:effectRef>
+          <a:fontRef idx="minor">
+            <a:schemeClr val="lt1"/>
+          </a:fontRef>
+        </p:style>
+        <p:txBody>
+          <a:bodyPr rtlCol="0" anchor="ctr"/>
+          <a:lstStyle/>
+          <a:p>
+            <a:pPr algn="ctr"/>
+            <a:endParaRPr lang="zh-CN" altLang="en-US"/>
+          </a:p>
+        </p:txBody>
+      </p:sp>
+      <p:sp>
+        <p:nvSpPr>
+          <p:cNvPr id="242" name="TextBox 241"/>
+          <p:cNvSpPr txBox="1"/>
+          <p:nvPr/>
+        </p:nvSpPr>
+        <p:spPr>
+          <a:xfrm>
+            <a:off x="558800" y="5715000"/>
+            <a:ext cx="1879600" cy="338554"/>
+          </a:xfrm>
+          <a:prstGeom prst="rect">
+            <a:avLst/>
+          </a:prstGeom>
+          <a:noFill/>
+        </p:spPr>
+        <p:txBody>
+          <a:bodyPr wrap="square" rtlCol="0">
+            <a:spAutoFit/>
+          </a:bodyPr>
+          <a:lstStyle/>
+          <a:p>
+            <a:r>
+              <a:rPr lang="en-US" altLang="zh-CN" sz="1600" b="1" dirty="0" err="1" smtClean="0">
+                <a:latin typeface="Arial" pitchFamily="34" charset="0"/>
+                <a:cs typeface="Arial" pitchFamily="34" charset="0"/>
+              </a:rPr>
+              <a:t>VEPTIntro</a:t>
+            </a:r>
+            <a:r>
+              <a:rPr lang="en-US" altLang="zh-CN" sz="1600" b="1" dirty="0" smtClean="0">
+                <a:latin typeface="Arial" pitchFamily="34" charset="0"/>
+                <a:cs typeface="Arial" pitchFamily="34" charset="0"/>
+              </a:rPr>
+              <a:t> </a:t>
+            </a:r>
+            <a:r>
+              <a:rPr lang="en-US" altLang="zh-CN" sz="1600" b="1" dirty="0" smtClean="0">
+                <a:latin typeface="Arial" pitchFamily="34" charset="0"/>
+                <a:cs typeface="Arial" pitchFamily="34" charset="0"/>
+              </a:rPr>
+              <a:t>Layer</a:t>
+            </a:r>
+            <a:endParaRPr lang="zh-CN" altLang="en-US" sz="1600" b="1" dirty="0">
+              <a:latin typeface="Arial" pitchFamily="34" charset="0"/>
+              <a:cs typeface="Arial" pitchFamily="34" charset="0"/>
+            </a:endParaRPr>
+          </a:p>
+        </p:txBody>
+      </p:sp>
+      <p:sp>
+        <p:nvSpPr>
+          <p:cNvPr id="243" name="TextBox 242"/>
+          <p:cNvSpPr txBox="1"/>
+          <p:nvPr/>
+        </p:nvSpPr>
+        <p:spPr>
+          <a:xfrm>
+            <a:off x="482600" y="6016823"/>
+            <a:ext cx="2971800" cy="307777"/>
+          </a:xfrm>
+          <a:prstGeom prst="rect">
+            <a:avLst/>
+          </a:prstGeom>
+          <a:noFill/>
+        </p:spPr>
+        <p:txBody>
+          <a:bodyPr wrap="square" rtlCol="0">
+            <a:spAutoFit/>
+          </a:bodyPr>
+          <a:lstStyle/>
+          <a:p>
+            <a:r>
+              <a:rPr lang="en-US" altLang="zh-CN" sz="1400" dirty="0" smtClean="0">
+                <a:latin typeface="Arial" pitchFamily="34" charset="0"/>
+                <a:cs typeface="Arial" pitchFamily="34" charset="0"/>
+              </a:rPr>
+              <a:t>(</a:t>
+            </a:r>
+            <a:r>
+              <a:rPr lang="en-US" altLang="zh-CN" sz="1400" dirty="0" err="1" smtClean="0">
+                <a:latin typeface="Arial" pitchFamily="34" charset="0"/>
+                <a:cs typeface="Arial" pitchFamily="34" charset="0"/>
+              </a:rPr>
+              <a:t>mm.abd</a:t>
+            </a:r>
+            <a:r>
+              <a:rPr lang="en-US" altLang="zh-CN" sz="1400" dirty="0" smtClean="0">
+                <a:latin typeface="Arial" pitchFamily="34" charset="0"/>
+                <a:cs typeface="Arial" pitchFamily="34" charset="0"/>
+              </a:rPr>
+              <a:t>, </a:t>
+            </a:r>
+            <a:r>
+              <a:rPr lang="en-US" altLang="zh-CN" sz="1400" dirty="0" err="1">
+                <a:latin typeface="Arial" pitchFamily="34" charset="0"/>
+                <a:cs typeface="Arial" pitchFamily="34" charset="0"/>
+              </a:rPr>
+              <a:t>procp</a:t>
+            </a:r>
+            <a:r>
+              <a:rPr lang="en-US" altLang="zh-CN" sz="1400" dirty="0">
+                <a:latin typeface="Arial" pitchFamily="34" charset="0"/>
+                <a:cs typeface="Arial" pitchFamily="34" charset="0"/>
+              </a:rPr>
+              <a:t>,</a:t>
+            </a:r>
+            <a:r>
+              <a:rPr lang="zh-CN" altLang="en-US" sz="1400" dirty="0">
+                <a:latin typeface="Arial" pitchFamily="34" charset="0"/>
+                <a:cs typeface="Arial" pitchFamily="34" charset="0"/>
+              </a:rPr>
+              <a:t> </a:t>
+            </a:r>
+            <a:r>
+              <a:rPr lang="en-US" altLang="zh-CN" sz="1400" dirty="0" err="1">
+                <a:latin typeface="Arial" pitchFamily="34" charset="0"/>
+                <a:cs typeface="Arial" pitchFamily="34" charset="0"/>
+              </a:rPr>
+              <a:t>rdq</a:t>
+            </a:r>
+            <a:r>
+              <a:rPr lang="en-US" altLang="zh-CN" sz="1400" dirty="0">
+                <a:latin typeface="Arial" pitchFamily="34" charset="0"/>
+                <a:cs typeface="Arial" pitchFamily="34" charset="0"/>
+              </a:rPr>
+              <a:t>, </a:t>
+            </a:r>
+            <a:r>
+              <a:rPr lang="en-US" altLang="zh-CN" sz="1400" dirty="0" err="1" smtClean="0">
+                <a:latin typeface="Arial" pitchFamily="34" charset="0"/>
+                <a:cs typeface="Arial" pitchFamily="34" charset="0"/>
+              </a:rPr>
+              <a:t>pid</a:t>
+            </a:r>
+            <a:r>
+              <a:rPr lang="en-US" altLang="zh-CN" sz="1400" dirty="0" smtClean="0">
+                <a:latin typeface="Arial" pitchFamily="34" charset="0"/>
+                <a:cs typeface="Arial" pitchFamily="34" charset="0"/>
+              </a:rPr>
+              <a:t>, </a:t>
+            </a:r>
+            <a:r>
+              <a:rPr lang="en-US" altLang="zh-CN" sz="1400" dirty="0" err="1">
+                <a:latin typeface="Arial" pitchFamily="34" charset="0"/>
+                <a:cs typeface="Arial" pitchFamily="34" charset="0"/>
+              </a:rPr>
+              <a:t>e</a:t>
+            </a:r>
+            <a:r>
+              <a:rPr lang="en-US" altLang="zh-CN" sz="1400" dirty="0" err="1" smtClean="0">
+                <a:latin typeface="Arial" pitchFamily="34" charset="0"/>
+                <a:cs typeface="Arial" pitchFamily="34" charset="0"/>
+              </a:rPr>
+              <a:t>pt</a:t>
+            </a:r>
+            <a:r>
+              <a:rPr lang="en-US" altLang="zh-CN" sz="1400" dirty="0" smtClean="0">
+                <a:latin typeface="Arial" pitchFamily="34" charset="0"/>
+                <a:cs typeface="Arial" pitchFamily="34" charset="0"/>
+              </a:rPr>
+              <a:t>)   </a:t>
+            </a:r>
+            <a:endParaRPr lang="zh-CN" altLang="en-US" sz="1400" dirty="0">
+              <a:latin typeface="Arial" pitchFamily="34" charset="0"/>
+              <a:cs typeface="Arial" pitchFamily="34" charset="0"/>
+            </a:endParaRPr>
+          </a:p>
+        </p:txBody>
+      </p:sp>
+      <p:sp>
+        <p:nvSpPr>
+          <p:cNvPr id="298" name="TextBox 297"/>
+          <p:cNvSpPr txBox="1"/>
+          <p:nvPr/>
+        </p:nvSpPr>
+        <p:spPr>
+          <a:xfrm>
+            <a:off x="457200" y="4495800"/>
+            <a:ext cx="3048000" cy="307777"/>
+          </a:xfrm>
+          <a:prstGeom prst="rect">
+            <a:avLst/>
+          </a:prstGeom>
+          <a:noFill/>
+        </p:spPr>
+        <p:txBody>
+          <a:bodyPr wrap="square" rtlCol="0">
+            <a:spAutoFit/>
+          </a:bodyPr>
+          <a:lstStyle/>
+          <a:p>
+            <a:r>
+              <a:rPr lang="en-US" altLang="zh-CN" sz="1400" dirty="0" smtClean="0">
+                <a:latin typeface="Arial" pitchFamily="34" charset="0"/>
+                <a:cs typeface="Arial" pitchFamily="34" charset="0"/>
+              </a:rPr>
+              <a:t>(</a:t>
+            </a:r>
+            <a:r>
+              <a:rPr lang="en-US" altLang="zh-CN" sz="1400" dirty="0" err="1">
+                <a:latin typeface="Arial" pitchFamily="34" charset="0"/>
+                <a:cs typeface="Arial" pitchFamily="34" charset="0"/>
+              </a:rPr>
+              <a:t>mm.abs</a:t>
+            </a:r>
+            <a:r>
+              <a:rPr lang="en-US" altLang="zh-CN" sz="1400" dirty="0">
+                <a:latin typeface="Arial" pitchFamily="34" charset="0"/>
+                <a:cs typeface="Arial" pitchFamily="34" charset="0"/>
+              </a:rPr>
+              <a:t>, </a:t>
+            </a:r>
+            <a:r>
+              <a:rPr lang="en-US" altLang="zh-CN" sz="1400" dirty="0" err="1">
+                <a:latin typeface="Arial" pitchFamily="34" charset="0"/>
+                <a:cs typeface="Arial" pitchFamily="34" charset="0"/>
+              </a:rPr>
+              <a:t>procp</a:t>
+            </a:r>
+            <a:r>
+              <a:rPr lang="en-US" altLang="zh-CN" sz="1400" dirty="0">
+                <a:latin typeface="Arial" pitchFamily="34" charset="0"/>
+                <a:cs typeface="Arial" pitchFamily="34" charset="0"/>
+              </a:rPr>
+              <a:t>,</a:t>
+            </a:r>
+            <a:r>
+              <a:rPr lang="zh-CN" altLang="en-US" sz="1400" dirty="0">
+                <a:latin typeface="Arial" pitchFamily="34" charset="0"/>
+                <a:cs typeface="Arial" pitchFamily="34" charset="0"/>
+              </a:rPr>
+              <a:t> </a:t>
+            </a:r>
+            <a:r>
+              <a:rPr lang="en-US" altLang="zh-CN" sz="1400" dirty="0" err="1" smtClean="0">
+                <a:latin typeface="Arial" pitchFamily="34" charset="0"/>
+                <a:cs typeface="Arial" pitchFamily="34" charset="0"/>
+              </a:rPr>
+              <a:t>rdq</a:t>
+            </a:r>
+            <a:r>
+              <a:rPr lang="en-US" altLang="zh-CN" sz="1400" dirty="0" smtClean="0">
+                <a:latin typeface="Arial" pitchFamily="34" charset="0"/>
+                <a:cs typeface="Arial" pitchFamily="34" charset="0"/>
+              </a:rPr>
+              <a:t>,</a:t>
+            </a:r>
+            <a:r>
+              <a:rPr lang="zh-CN" altLang="en-US" sz="1400" dirty="0" smtClean="0">
+                <a:latin typeface="Arial" pitchFamily="34" charset="0"/>
+                <a:cs typeface="Arial" pitchFamily="34" charset="0"/>
+              </a:rPr>
+              <a:t> </a:t>
+            </a:r>
+            <a:r>
+              <a:rPr lang="en-US" altLang="zh-CN" sz="1400" dirty="0" err="1" smtClean="0">
+                <a:latin typeface="Arial" pitchFamily="34" charset="0"/>
+                <a:cs typeface="Arial" pitchFamily="34" charset="0"/>
+              </a:rPr>
+              <a:t>pid</a:t>
+            </a:r>
+            <a:r>
+              <a:rPr lang="en-US" altLang="zh-CN" sz="1400" dirty="0" smtClean="0">
+                <a:latin typeface="Arial" pitchFamily="34" charset="0"/>
+                <a:cs typeface="Arial" pitchFamily="34" charset="0"/>
+              </a:rPr>
+              <a:t>, </a:t>
+            </a:r>
+            <a:r>
+              <a:rPr lang="en-US" altLang="zh-CN" sz="1400" dirty="0" err="1">
+                <a:latin typeface="Arial" pitchFamily="34" charset="0"/>
+                <a:cs typeface="Arial" pitchFamily="34" charset="0"/>
+              </a:rPr>
+              <a:t>e</a:t>
+            </a:r>
+            <a:r>
+              <a:rPr lang="en-US" altLang="zh-CN" sz="1400" dirty="0" err="1" smtClean="0">
+                <a:latin typeface="Arial" pitchFamily="34" charset="0"/>
+                <a:cs typeface="Arial" pitchFamily="34" charset="0"/>
+              </a:rPr>
+              <a:t>pt</a:t>
+            </a:r>
+            <a:r>
+              <a:rPr lang="en-US" altLang="zh-CN" sz="1400" dirty="0" smtClean="0">
+                <a:latin typeface="Arial" pitchFamily="34" charset="0"/>
+                <a:cs typeface="Arial" pitchFamily="34" charset="0"/>
+              </a:rPr>
+              <a:t>)   </a:t>
+            </a:r>
+            <a:endParaRPr lang="zh-CN" altLang="en-US" sz="1400" dirty="0">
+              <a:latin typeface="Arial" pitchFamily="34" charset="0"/>
+              <a:cs typeface="Arial" pitchFamily="34" charset="0"/>
+            </a:endParaRPr>
+          </a:p>
+        </p:txBody>
+      </p:sp>
+      <p:sp>
+        <p:nvSpPr>
+          <p:cNvPr id="351" name="TextBox 350"/>
+          <p:cNvSpPr txBox="1"/>
+          <p:nvPr/>
+        </p:nvSpPr>
+        <p:spPr>
+          <a:xfrm>
+            <a:off x="457200" y="3730823"/>
+            <a:ext cx="3657600" cy="307777"/>
+          </a:xfrm>
+          <a:prstGeom prst="rect">
+            <a:avLst/>
+          </a:prstGeom>
+          <a:noFill/>
+        </p:spPr>
+        <p:txBody>
+          <a:bodyPr wrap="square" rtlCol="0">
+            <a:spAutoFit/>
+          </a:bodyPr>
+          <a:lstStyle/>
+          <a:p>
+            <a:r>
+              <a:rPr lang="en-US" altLang="zh-CN" sz="1400" dirty="0">
+                <a:latin typeface="Arial" pitchFamily="34" charset="0"/>
+                <a:cs typeface="Arial" pitchFamily="34" charset="0"/>
+              </a:rPr>
+              <a:t>(</a:t>
+            </a:r>
+            <a:r>
+              <a:rPr lang="en-US" altLang="zh-CN" sz="1400" dirty="0" err="1" smtClean="0">
+                <a:latin typeface="Arial" pitchFamily="34" charset="0"/>
+                <a:cs typeface="Arial" pitchFamily="34" charset="0"/>
+              </a:rPr>
+              <a:t>mm.abs</a:t>
+            </a:r>
+            <a:r>
+              <a:rPr lang="en-US" altLang="zh-CN" sz="1400" dirty="0">
+                <a:latin typeface="Arial" pitchFamily="34" charset="0"/>
+                <a:cs typeface="Arial" pitchFamily="34" charset="0"/>
+              </a:rPr>
+              <a:t>, </a:t>
+            </a:r>
+            <a:r>
+              <a:rPr lang="en-US" altLang="zh-CN" sz="1400" dirty="0" err="1">
+                <a:latin typeface="Arial" pitchFamily="34" charset="0"/>
+                <a:cs typeface="Arial" pitchFamily="34" charset="0"/>
+              </a:rPr>
+              <a:t>procp</a:t>
+            </a:r>
+            <a:r>
+              <a:rPr lang="en-US" altLang="zh-CN" sz="1400" dirty="0">
+                <a:latin typeface="Arial" pitchFamily="34" charset="0"/>
+                <a:cs typeface="Arial" pitchFamily="34" charset="0"/>
+              </a:rPr>
+              <a:t>,</a:t>
+            </a:r>
+            <a:r>
+              <a:rPr lang="zh-CN" altLang="en-US" sz="1400" dirty="0">
+                <a:latin typeface="Arial" pitchFamily="34" charset="0"/>
+                <a:cs typeface="Arial" pitchFamily="34" charset="0"/>
+              </a:rPr>
+              <a:t> </a:t>
+            </a:r>
+            <a:r>
+              <a:rPr lang="en-US" altLang="zh-CN" sz="1400" dirty="0" err="1" smtClean="0">
+                <a:latin typeface="Arial" pitchFamily="34" charset="0"/>
+                <a:cs typeface="Arial" pitchFamily="34" charset="0"/>
+              </a:rPr>
+              <a:t>rdq</a:t>
+            </a:r>
+            <a:r>
+              <a:rPr lang="en-US" altLang="zh-CN" sz="1400" dirty="0" smtClean="0">
+                <a:latin typeface="Arial" pitchFamily="34" charset="0"/>
+                <a:cs typeface="Arial" pitchFamily="34" charset="0"/>
+              </a:rPr>
+              <a:t>,</a:t>
+            </a:r>
+            <a:r>
+              <a:rPr lang="zh-CN" altLang="en-US" sz="1400" dirty="0" smtClean="0">
+                <a:latin typeface="Arial" pitchFamily="34" charset="0"/>
+                <a:cs typeface="Arial" pitchFamily="34" charset="0"/>
+              </a:rPr>
+              <a:t> </a:t>
+            </a:r>
+            <a:r>
+              <a:rPr lang="en-US" altLang="zh-CN" sz="1400" dirty="0" err="1" smtClean="0">
+                <a:latin typeface="Arial" pitchFamily="34" charset="0"/>
+                <a:cs typeface="Arial" pitchFamily="34" charset="0"/>
+              </a:rPr>
+              <a:t>pid</a:t>
+            </a:r>
+            <a:r>
+              <a:rPr lang="en-US" altLang="zh-CN" sz="1400" dirty="0" smtClean="0">
+                <a:latin typeface="Arial" pitchFamily="34" charset="0"/>
+                <a:cs typeface="Arial" pitchFamily="34" charset="0"/>
+              </a:rPr>
+              <a:t>, </a:t>
+            </a:r>
+            <a:r>
+              <a:rPr lang="en-US" altLang="zh-CN" sz="1400" dirty="0" err="1">
+                <a:latin typeface="Arial" pitchFamily="34" charset="0"/>
+                <a:cs typeface="Arial" pitchFamily="34" charset="0"/>
+              </a:rPr>
+              <a:t>e</a:t>
+            </a:r>
+            <a:r>
+              <a:rPr lang="en-US" altLang="zh-CN" sz="1400" dirty="0" err="1" smtClean="0">
+                <a:latin typeface="Arial" pitchFamily="34" charset="0"/>
+                <a:cs typeface="Arial" pitchFamily="34" charset="0"/>
+              </a:rPr>
+              <a:t>pt</a:t>
+            </a:r>
+            <a:r>
+              <a:rPr lang="en-US" altLang="zh-CN" sz="1400" dirty="0">
+                <a:latin typeface="Arial" pitchFamily="34" charset="0"/>
+                <a:cs typeface="Arial" pitchFamily="34" charset="0"/>
+              </a:rPr>
+              <a:t>,</a:t>
+            </a:r>
+            <a:r>
+              <a:rPr lang="zh-CN" altLang="en-US" sz="1400" dirty="0">
+                <a:latin typeface="Arial" pitchFamily="34" charset="0"/>
+                <a:cs typeface="Arial" pitchFamily="34" charset="0"/>
+              </a:rPr>
+              <a:t> </a:t>
+            </a:r>
+            <a:r>
+              <a:rPr lang="en-US" altLang="zh-CN" sz="1400" dirty="0" err="1" smtClean="0">
+                <a:latin typeface="Arial" pitchFamily="34" charset="0"/>
+                <a:cs typeface="Arial" pitchFamily="34" charset="0"/>
+              </a:rPr>
+              <a:t>vmcs</a:t>
+            </a:r>
+            <a:r>
+              <a:rPr lang="en-US" altLang="zh-CN" sz="1400" dirty="0" smtClean="0">
+                <a:latin typeface="Arial" pitchFamily="34" charset="0"/>
+                <a:cs typeface="Arial" pitchFamily="34" charset="0"/>
+              </a:rPr>
+              <a:t>)   </a:t>
+            </a:r>
+            <a:endParaRPr lang="zh-CN" altLang="en-US" sz="1400" dirty="0">
+              <a:latin typeface="Arial" pitchFamily="34" charset="0"/>
+              <a:cs typeface="Arial" pitchFamily="34" charset="0"/>
+            </a:endParaRPr>
+          </a:p>
+        </p:txBody>
+      </p:sp>
+      <p:grpSp>
+        <p:nvGrpSpPr>
+          <p:cNvPr id="347" name="Group 346"/>
+          <p:cNvGrpSpPr/>
+          <p:nvPr/>
+        </p:nvGrpSpPr>
+        <p:grpSpPr>
+          <a:xfrm>
+            <a:off x="3429000" y="6019800"/>
+            <a:ext cx="3886200" cy="304800"/>
+            <a:chOff x="3517304" y="5867400"/>
+            <a:chExt cx="3886200" cy="228600"/>
+          </a:xfrm>
+        </p:grpSpPr>
+        <p:sp>
+          <p:nvSpPr>
+            <p:cNvPr id="348" name="Rectangle 347"/>
+            <p:cNvSpPr/>
+            <p:nvPr/>
+          </p:nvSpPr>
+          <p:spPr>
+            <a:xfrm>
+              <a:off x="6412904" y="5867400"/>
+              <a:ext cx="990600" cy="228600"/>
+            </a:xfrm>
+            <a:prstGeom prst="rect">
+              <a:avLst/>
+            </a:prstGeom>
+            <a:solidFill>
+              <a:srgbClr val="CCC1DA"/>
+            </a:solidFill>
+            <a:ln w="12700" cmpd="sng"/>
+          </p:spPr>
+          <p:style>
+            <a:lnRef idx="2">
+              <a:schemeClr val="dk1"/>
+            </a:lnRef>
+            <a:fillRef idx="1">
+              <a:schemeClr val="lt1"/>
+            </a:fillRef>
+            <a:effectRef idx="0">
+              <a:schemeClr val="dk1"/>
+            </a:effectRef>
+            <a:fontRef idx="minor">
+              <a:schemeClr val="dk1"/>
+            </a:fontRef>
+          </p:style>
+          <p:txBody>
+            <a:bodyPr rtlCol="0" anchor="ctr"/>
+            <a:lstStyle/>
+            <a:p>
+              <a:pPr algn="ctr">
+                <a:lnSpc>
+                  <a:spcPct val="70000"/>
+                </a:lnSpc>
+              </a:pPr>
+              <a:r>
+                <a:rPr lang="en-US" sz="1400" dirty="0" smtClean="0"/>
+                <a:t>mm/</a:t>
+              </a:r>
+              <a:r>
+                <a:rPr lang="en-US" sz="1400" dirty="0" err="1" smtClean="0"/>
+                <a:t>proc</a:t>
+              </a:r>
+              <a:r>
+                <a:rPr lang="zh-CN" altLang="zh-CN" sz="1400" dirty="0" smtClean="0"/>
+                <a:t>.</a:t>
+              </a:r>
+              <a:r>
+                <a:rPr lang="en-US" altLang="zh-CN" sz="1400" dirty="0" smtClean="0"/>
+                <a:t>prim</a:t>
+              </a:r>
+              <a:endParaRPr lang="en-US" sz="1400" dirty="0"/>
+            </a:p>
+          </p:txBody>
+        </p:sp>
+        <p:sp>
+          <p:nvSpPr>
+            <p:cNvPr id="349" name="Rectangle 348"/>
+            <p:cNvSpPr/>
+            <p:nvPr/>
+          </p:nvSpPr>
+          <p:spPr>
+            <a:xfrm>
+              <a:off x="3517304" y="5867400"/>
+              <a:ext cx="762000" cy="228600"/>
+            </a:xfrm>
+            <a:prstGeom prst="rect">
+              <a:avLst/>
+            </a:prstGeom>
+            <a:solidFill>
+              <a:srgbClr val="D7E4BD"/>
+            </a:solidFill>
+            <a:ln w="12700" cmpd="sng"/>
+          </p:spPr>
+          <p:style>
+            <a:lnRef idx="2">
+              <a:schemeClr val="dk1"/>
+            </a:lnRef>
+            <a:fillRef idx="1">
+              <a:schemeClr val="lt1"/>
+            </a:fillRef>
+            <a:effectRef idx="0">
+              <a:schemeClr val="dk1"/>
+            </a:effectRef>
+            <a:fontRef idx="minor">
+              <a:schemeClr val="dk1"/>
+            </a:fontRef>
+          </p:style>
+          <p:txBody>
+            <a:bodyPr rtlCol="0" anchor="ctr"/>
+            <a:lstStyle/>
+            <a:p>
+              <a:pPr algn="ctr">
+                <a:lnSpc>
+                  <a:spcPct val="70000"/>
+                </a:lnSpc>
+              </a:pPr>
+              <a:r>
+                <a:rPr lang="en-US" sz="1400" dirty="0" err="1" smtClean="0"/>
+                <a:t>procinit</a:t>
+              </a:r>
+              <a:endParaRPr lang="en-US" sz="1400" dirty="0"/>
+            </a:p>
+          </p:txBody>
+        </p:sp>
+      </p:grpSp>
+      <p:sp>
+        <p:nvSpPr>
+          <p:cNvPr id="354" name="Rectangle 353"/>
+          <p:cNvSpPr/>
+          <p:nvPr/>
+        </p:nvSpPr>
+        <p:spPr>
+          <a:xfrm>
+            <a:off x="5334000" y="6019800"/>
+            <a:ext cx="990600" cy="304800"/>
+          </a:xfrm>
+          <a:prstGeom prst="rect">
+            <a:avLst/>
+          </a:prstGeom>
+          <a:solidFill>
+            <a:srgbClr val="FFFFFF"/>
+          </a:solidFill>
+          <a:ln w="12700" cmpd="sng"/>
+        </p:spPr>
+        <p:style>
+          <a:lnRef idx="2">
+            <a:schemeClr val="dk1"/>
+          </a:lnRef>
+          <a:fillRef idx="1">
+            <a:schemeClr val="lt1"/>
+          </a:fillRef>
+          <a:effectRef idx="0">
+            <a:schemeClr val="dk1"/>
+          </a:effectRef>
+          <a:fontRef idx="minor">
+            <a:schemeClr val="dk1"/>
+          </a:fontRef>
+        </p:style>
+        <p:txBody>
+          <a:bodyPr rtlCol="0" anchor="ctr"/>
+          <a:lstStyle/>
+          <a:p>
+            <a:pPr algn="ctr">
+              <a:lnSpc>
+                <a:spcPct val="70000"/>
+              </a:lnSpc>
+            </a:pPr>
+            <a:r>
+              <a:rPr lang="en-US" sz="1400" dirty="0" err="1" smtClean="0"/>
+              <a:t>set</a:t>
+            </a:r>
+            <a:r>
+              <a:rPr lang="en-US" altLang="zh-CN" sz="1400" dirty="0" err="1" smtClean="0"/>
+              <a:t>_EPTE</a:t>
+            </a:r>
+            <a:endParaRPr lang="en-US" sz="1400" dirty="0"/>
+          </a:p>
+        </p:txBody>
+      </p:sp>
+      <p:sp>
+        <p:nvSpPr>
+          <p:cNvPr id="355" name="Rectangle 354"/>
+          <p:cNvSpPr/>
+          <p:nvPr/>
+        </p:nvSpPr>
+        <p:spPr>
+          <a:xfrm>
+            <a:off x="4191000" y="6019800"/>
+            <a:ext cx="1143000" cy="304800"/>
+          </a:xfrm>
+          <a:prstGeom prst="rect">
+            <a:avLst/>
+          </a:prstGeom>
+          <a:solidFill>
+            <a:srgbClr val="FFFFFF"/>
+          </a:solidFill>
+          <a:ln w="12700" cmpd="sng"/>
+        </p:spPr>
+        <p:style>
+          <a:lnRef idx="2">
+            <a:schemeClr val="dk1"/>
+          </a:lnRef>
+          <a:fillRef idx="1">
+            <a:schemeClr val="lt1"/>
+          </a:fillRef>
+          <a:effectRef idx="0">
+            <a:schemeClr val="dk1"/>
+          </a:effectRef>
+          <a:fontRef idx="minor">
+            <a:schemeClr val="dk1"/>
+          </a:fontRef>
+        </p:style>
+        <p:txBody>
+          <a:bodyPr rtlCol="0" anchor="ctr"/>
+          <a:lstStyle/>
+          <a:p>
+            <a:pPr algn="ctr">
+              <a:lnSpc>
+                <a:spcPct val="70000"/>
+              </a:lnSpc>
+            </a:pPr>
+            <a:r>
+              <a:rPr lang="en-US" sz="1400" dirty="0" err="1" smtClean="0"/>
+              <a:t>set</a:t>
+            </a:r>
+            <a:r>
+              <a:rPr lang="en-US" altLang="zh-CN" sz="1400" dirty="0" err="1" smtClean="0"/>
+              <a:t>_EPDE</a:t>
+            </a:r>
+            <a:endParaRPr lang="en-US" sz="1400" dirty="0"/>
+          </a:p>
+        </p:txBody>
+      </p:sp>
+      <p:grpSp>
+        <p:nvGrpSpPr>
+          <p:cNvPr id="365" name="Group 364"/>
+          <p:cNvGrpSpPr/>
+          <p:nvPr/>
+        </p:nvGrpSpPr>
+        <p:grpSpPr>
+          <a:xfrm>
+            <a:off x="4953000" y="4495800"/>
+            <a:ext cx="4191000" cy="304800"/>
+            <a:chOff x="3898304" y="5867400"/>
+            <a:chExt cx="4191000" cy="228600"/>
+          </a:xfrm>
+        </p:grpSpPr>
+        <p:sp>
+          <p:nvSpPr>
+            <p:cNvPr id="366" name="Rectangle 365"/>
+            <p:cNvSpPr/>
+            <p:nvPr/>
+          </p:nvSpPr>
+          <p:spPr>
+            <a:xfrm>
+              <a:off x="7098704" y="5867400"/>
+              <a:ext cx="990600" cy="228600"/>
+            </a:xfrm>
+            <a:prstGeom prst="rect">
+              <a:avLst/>
+            </a:prstGeom>
+            <a:solidFill>
+              <a:srgbClr val="CCC1DA"/>
+            </a:solidFill>
+            <a:ln w="12700" cmpd="sng"/>
+          </p:spPr>
+          <p:style>
+            <a:lnRef idx="2">
+              <a:schemeClr val="dk1"/>
+            </a:lnRef>
+            <a:fillRef idx="1">
+              <a:schemeClr val="lt1"/>
+            </a:fillRef>
+            <a:effectRef idx="0">
+              <a:schemeClr val="dk1"/>
+            </a:effectRef>
+            <a:fontRef idx="minor">
+              <a:schemeClr val="dk1"/>
+            </a:fontRef>
+          </p:style>
+          <p:txBody>
+            <a:bodyPr rtlCol="0" anchor="ctr"/>
+            <a:lstStyle/>
+            <a:p>
+              <a:pPr algn="ctr">
+                <a:lnSpc>
+                  <a:spcPct val="70000"/>
+                </a:lnSpc>
+              </a:pPr>
+              <a:r>
+                <a:rPr lang="en-US" sz="1400" dirty="0" smtClean="0"/>
+                <a:t>mm/</a:t>
+              </a:r>
+              <a:r>
+                <a:rPr lang="en-US" sz="1400" dirty="0" err="1" smtClean="0"/>
+                <a:t>proc</a:t>
+              </a:r>
+              <a:r>
+                <a:rPr lang="zh-CN" altLang="zh-CN" sz="1400" dirty="0" smtClean="0"/>
+                <a:t>.</a:t>
+              </a:r>
+              <a:r>
+                <a:rPr lang="en-US" altLang="zh-CN" sz="1400" dirty="0" smtClean="0"/>
+                <a:t>prim</a:t>
+              </a:r>
+              <a:endParaRPr lang="en-US" sz="1400" dirty="0"/>
+            </a:p>
+          </p:txBody>
+        </p:sp>
+        <p:sp>
+          <p:nvSpPr>
+            <p:cNvPr id="367" name="Rectangle 366"/>
+            <p:cNvSpPr/>
+            <p:nvPr/>
+          </p:nvSpPr>
+          <p:spPr>
+            <a:xfrm>
+              <a:off x="3898304" y="5867400"/>
+              <a:ext cx="762000" cy="228600"/>
+            </a:xfrm>
+            <a:prstGeom prst="rect">
+              <a:avLst/>
+            </a:prstGeom>
+            <a:solidFill>
+              <a:srgbClr val="D7E4BD"/>
+            </a:solidFill>
+            <a:ln w="12700" cmpd="sng"/>
+          </p:spPr>
+          <p:style>
+            <a:lnRef idx="2">
+              <a:schemeClr val="dk1"/>
+            </a:lnRef>
+            <a:fillRef idx="1">
+              <a:schemeClr val="lt1"/>
+            </a:fillRef>
+            <a:effectRef idx="0">
+              <a:schemeClr val="dk1"/>
+            </a:effectRef>
+            <a:fontRef idx="minor">
+              <a:schemeClr val="dk1"/>
+            </a:fontRef>
+          </p:style>
+          <p:txBody>
+            <a:bodyPr rtlCol="0" anchor="ctr"/>
+            <a:lstStyle/>
+            <a:p>
+              <a:pPr algn="ctr">
+                <a:lnSpc>
+                  <a:spcPct val="70000"/>
+                </a:lnSpc>
+              </a:pPr>
+              <a:r>
+                <a:rPr lang="en-US" sz="1400" dirty="0" err="1"/>
+                <a:t>e</a:t>
+              </a:r>
+              <a:r>
+                <a:rPr lang="en-US" sz="1400" dirty="0" err="1" smtClean="0"/>
+                <a:t>ptinit</a:t>
+              </a:r>
+              <a:endParaRPr lang="en-US" sz="1400" dirty="0"/>
+            </a:p>
+          </p:txBody>
+        </p:sp>
+      </p:grpSp>
+      <p:sp>
+        <p:nvSpPr>
+          <p:cNvPr id="376" name="Rectangle 375"/>
+          <p:cNvSpPr/>
+          <p:nvPr/>
+        </p:nvSpPr>
+        <p:spPr>
+          <a:xfrm>
+            <a:off x="4419600" y="5715000"/>
+            <a:ext cx="381000" cy="152400"/>
+          </a:xfrm>
+          <a:prstGeom prst="rect">
+            <a:avLst/>
+          </a:prstGeom>
+          <a:solidFill>
+            <a:schemeClr val="accent5">
+              <a:lumMod val="40000"/>
+              <a:lumOff val="60000"/>
+            </a:schemeClr>
+          </a:solidFill>
+          <a:ln w="12700" cmpd="sng"/>
+        </p:spPr>
+        <p:style>
+          <a:lnRef idx="2">
+            <a:schemeClr val="dk1"/>
+          </a:lnRef>
+          <a:fillRef idx="1">
+            <a:schemeClr val="lt1"/>
+          </a:fillRef>
+          <a:effectRef idx="0">
+            <a:schemeClr val="dk1"/>
+          </a:effectRef>
+          <a:fontRef idx="minor">
+            <a:schemeClr val="dk1"/>
+          </a:fontRef>
+        </p:style>
+        <p:txBody>
+          <a:bodyPr rtlCol="0" anchor="ctr"/>
+          <a:lstStyle/>
+          <a:p>
+            <a:pPr algn="ctr">
+              <a:lnSpc>
+                <a:spcPct val="70000"/>
+              </a:lnSpc>
+            </a:pPr>
+            <a:endParaRPr lang="en-US" sz="1100" dirty="0"/>
+          </a:p>
+        </p:txBody>
+      </p:sp>
+      <p:cxnSp>
+        <p:nvCxnSpPr>
+          <p:cNvPr id="378" name="Straight Arrow Connector 377"/>
+          <p:cNvCxnSpPr>
+            <a:stCxn id="376" idx="2"/>
+            <a:endCxn id="354" idx="0"/>
+          </p:cNvCxnSpPr>
+          <p:nvPr/>
+        </p:nvCxnSpPr>
+        <p:spPr>
+          <a:xfrm>
+            <a:off x="4610100" y="5867400"/>
+            <a:ext cx="1219200" cy="152400"/>
+          </a:xfrm>
+          <a:prstGeom prst="straightConnector1">
+            <a:avLst/>
+          </a:prstGeom>
+          <a:ln w="12700">
+            <a:headEnd type="none"/>
+            <a:tailEnd type="triangle"/>
+          </a:ln>
+        </p:spPr>
+        <p:style>
+          <a:lnRef idx="1">
+            <a:schemeClr val="dk1"/>
+          </a:lnRef>
+          <a:fillRef idx="0">
+            <a:schemeClr val="dk1"/>
+          </a:fillRef>
+          <a:effectRef idx="0">
+            <a:schemeClr val="dk1"/>
+          </a:effectRef>
+          <a:fontRef idx="minor">
+            <a:schemeClr val="tx1"/>
+          </a:fontRef>
+        </p:style>
+      </p:cxnSp>
+      <p:cxnSp>
+        <p:nvCxnSpPr>
+          <p:cNvPr id="380" name="Straight Arrow Connector 379"/>
+          <p:cNvCxnSpPr>
+            <a:stCxn id="376" idx="2"/>
+            <a:endCxn id="355" idx="0"/>
+          </p:cNvCxnSpPr>
+          <p:nvPr/>
+        </p:nvCxnSpPr>
+        <p:spPr>
+          <a:xfrm>
+            <a:off x="4610100" y="5867400"/>
+            <a:ext cx="152400" cy="152400"/>
+          </a:xfrm>
+          <a:prstGeom prst="straightConnector1">
+            <a:avLst/>
+          </a:prstGeom>
+          <a:ln w="12700">
+            <a:headEnd type="none"/>
+            <a:tailEnd type="triangle"/>
+          </a:ln>
+        </p:spPr>
+        <p:style>
+          <a:lnRef idx="1">
+            <a:schemeClr val="dk1"/>
+          </a:lnRef>
+          <a:fillRef idx="0">
+            <a:schemeClr val="dk1"/>
+          </a:fillRef>
+          <a:effectRef idx="0">
+            <a:schemeClr val="dk1"/>
+          </a:effectRef>
+          <a:fontRef idx="minor">
+            <a:schemeClr val="tx1"/>
+          </a:fontRef>
+        </p:style>
+      </p:cxnSp>
+      <p:cxnSp>
+        <p:nvCxnSpPr>
+          <p:cNvPr id="381" name="Straight Arrow Connector 380"/>
+          <p:cNvCxnSpPr>
+            <a:stCxn id="376" idx="2"/>
+            <a:endCxn id="349" idx="0"/>
+          </p:cNvCxnSpPr>
+          <p:nvPr/>
+        </p:nvCxnSpPr>
+        <p:spPr>
+          <a:xfrm flipH="1">
+            <a:off x="3810000" y="5867400"/>
+            <a:ext cx="800100" cy="152400"/>
+          </a:xfrm>
+          <a:prstGeom prst="straightConnector1">
+            <a:avLst/>
+          </a:prstGeom>
+          <a:ln w="12700">
+            <a:headEnd type="none"/>
+            <a:tailEnd type="triangle"/>
+          </a:ln>
+        </p:spPr>
+        <p:style>
+          <a:lnRef idx="1">
+            <a:schemeClr val="dk1"/>
+          </a:lnRef>
+          <a:fillRef idx="0">
+            <a:schemeClr val="dk1"/>
+          </a:fillRef>
+          <a:effectRef idx="0">
+            <a:schemeClr val="dk1"/>
+          </a:effectRef>
+          <a:fontRef idx="minor">
+            <a:schemeClr val="tx1"/>
+          </a:fontRef>
+        </p:style>
+      </p:cxnSp>
+      <p:grpSp>
+        <p:nvGrpSpPr>
+          <p:cNvPr id="385" name="Group 384"/>
+          <p:cNvGrpSpPr/>
+          <p:nvPr/>
+        </p:nvGrpSpPr>
+        <p:grpSpPr>
+          <a:xfrm>
+            <a:off x="4267200" y="5257800"/>
+            <a:ext cx="4876800" cy="304800"/>
+            <a:chOff x="4355504" y="5867400"/>
+            <a:chExt cx="4876800" cy="228600"/>
+          </a:xfrm>
+        </p:grpSpPr>
+        <p:sp>
+          <p:nvSpPr>
+            <p:cNvPr id="389" name="Rectangle 388"/>
+            <p:cNvSpPr/>
+            <p:nvPr/>
+          </p:nvSpPr>
+          <p:spPr>
+            <a:xfrm>
+              <a:off x="8241704" y="5867400"/>
+              <a:ext cx="990600" cy="228600"/>
+            </a:xfrm>
+            <a:prstGeom prst="rect">
+              <a:avLst/>
+            </a:prstGeom>
+            <a:solidFill>
+              <a:srgbClr val="CCC1DA"/>
+            </a:solidFill>
+            <a:ln w="12700" cmpd="sng"/>
+          </p:spPr>
+          <p:style>
+            <a:lnRef idx="2">
+              <a:schemeClr val="dk1"/>
+            </a:lnRef>
+            <a:fillRef idx="1">
+              <a:schemeClr val="lt1"/>
+            </a:fillRef>
+            <a:effectRef idx="0">
+              <a:schemeClr val="dk1"/>
+            </a:effectRef>
+            <a:fontRef idx="minor">
+              <a:schemeClr val="dk1"/>
+            </a:fontRef>
+          </p:style>
+          <p:txBody>
+            <a:bodyPr rtlCol="0" anchor="ctr"/>
+            <a:lstStyle/>
+            <a:p>
+              <a:pPr algn="ctr">
+                <a:lnSpc>
+                  <a:spcPct val="70000"/>
+                </a:lnSpc>
+              </a:pPr>
+              <a:r>
+                <a:rPr lang="en-US" sz="1400" dirty="0" smtClean="0"/>
+                <a:t>mm/</a:t>
+              </a:r>
+              <a:r>
+                <a:rPr lang="en-US" altLang="zh-CN" sz="1400" dirty="0" err="1" smtClean="0"/>
+                <a:t>proc</a:t>
+              </a:r>
+              <a:r>
+                <a:rPr lang="zh-CN" altLang="zh-CN" sz="1400" dirty="0" smtClean="0"/>
+                <a:t>.</a:t>
+              </a:r>
+              <a:r>
+                <a:rPr lang="en-US" altLang="zh-CN" sz="1400" dirty="0" smtClean="0"/>
+                <a:t>prim</a:t>
+              </a:r>
+              <a:endParaRPr lang="en-US" sz="1400" dirty="0"/>
+            </a:p>
+          </p:txBody>
+        </p:sp>
+        <p:sp>
+          <p:nvSpPr>
+            <p:cNvPr id="390" name="Rectangle 389"/>
+            <p:cNvSpPr/>
+            <p:nvPr/>
+          </p:nvSpPr>
+          <p:spPr>
+            <a:xfrm>
+              <a:off x="4355504" y="5867400"/>
+              <a:ext cx="762000" cy="228600"/>
+            </a:xfrm>
+            <a:prstGeom prst="rect">
+              <a:avLst/>
+            </a:prstGeom>
+            <a:solidFill>
+              <a:srgbClr val="D7E4BD"/>
+            </a:solidFill>
+            <a:ln w="12700" cmpd="sng"/>
+          </p:spPr>
+          <p:style>
+            <a:lnRef idx="2">
+              <a:schemeClr val="dk1"/>
+            </a:lnRef>
+            <a:fillRef idx="1">
+              <a:schemeClr val="lt1"/>
+            </a:fillRef>
+            <a:effectRef idx="0">
+              <a:schemeClr val="dk1"/>
+            </a:effectRef>
+            <a:fontRef idx="minor">
+              <a:schemeClr val="dk1"/>
+            </a:fontRef>
+          </p:style>
+          <p:txBody>
+            <a:bodyPr rtlCol="0" anchor="ctr"/>
+            <a:lstStyle/>
+            <a:p>
+              <a:pPr algn="ctr">
+                <a:lnSpc>
+                  <a:spcPct val="70000"/>
+                </a:lnSpc>
+              </a:pPr>
+              <a:r>
+                <a:rPr lang="en-US" sz="1400" dirty="0" err="1"/>
+                <a:t>e</a:t>
+              </a:r>
+              <a:r>
+                <a:rPr lang="en-US" sz="1400" dirty="0" err="1" smtClean="0"/>
+                <a:t>ptinit</a:t>
+              </a:r>
+              <a:endParaRPr lang="en-US" sz="1400" dirty="0"/>
+            </a:p>
+          </p:txBody>
+        </p:sp>
+      </p:grpSp>
+      <p:sp>
+        <p:nvSpPr>
+          <p:cNvPr id="392" name="Rectangle 391"/>
+          <p:cNvSpPr/>
+          <p:nvPr/>
+        </p:nvSpPr>
+        <p:spPr>
+          <a:xfrm>
+            <a:off x="6629400" y="4495800"/>
+            <a:ext cx="1524000" cy="304800"/>
+          </a:xfrm>
+          <a:prstGeom prst="rect">
+            <a:avLst/>
+          </a:prstGeom>
+          <a:solidFill>
+            <a:srgbClr val="FFFFFF"/>
+          </a:solidFill>
+          <a:ln w="12700" cmpd="sng"/>
+        </p:spPr>
+        <p:style>
+          <a:lnRef idx="2">
+            <a:schemeClr val="dk1"/>
+          </a:lnRef>
+          <a:fillRef idx="1">
+            <a:schemeClr val="lt1"/>
+          </a:fillRef>
+          <a:effectRef idx="0">
+            <a:schemeClr val="dk1"/>
+          </a:effectRef>
+          <a:fontRef idx="minor">
+            <a:schemeClr val="dk1"/>
+          </a:fontRef>
+        </p:style>
+        <p:txBody>
+          <a:bodyPr rtlCol="0" anchor="ctr"/>
+          <a:lstStyle/>
+          <a:p>
+            <a:pPr algn="ctr">
+              <a:lnSpc>
+                <a:spcPct val="70000"/>
+              </a:lnSpc>
+            </a:pPr>
+            <a:r>
+              <a:rPr lang="en-US" sz="1400" dirty="0" err="1"/>
+              <a:t>EPT</a:t>
+            </a:r>
+            <a:r>
+              <a:rPr lang="en-US" altLang="zh-CN" sz="1400" dirty="0" err="1"/>
+              <a:t>_insrt</a:t>
+            </a:r>
+            <a:endParaRPr lang="en-US" sz="1400" dirty="0"/>
+          </a:p>
+        </p:txBody>
+      </p:sp>
+      <p:cxnSp>
+        <p:nvCxnSpPr>
+          <p:cNvPr id="383" name="Straight Arrow Connector 382"/>
+          <p:cNvCxnSpPr>
+            <a:stCxn id="389" idx="2"/>
+            <a:endCxn id="348" idx="0"/>
+          </p:cNvCxnSpPr>
+          <p:nvPr/>
+        </p:nvCxnSpPr>
+        <p:spPr>
+          <a:xfrm flipH="1">
+            <a:off x="6819900" y="5562600"/>
+            <a:ext cx="1828800" cy="457200"/>
+          </a:xfrm>
+          <a:prstGeom prst="straightConnector1">
+            <a:avLst/>
+          </a:prstGeom>
+          <a:ln w="12700">
+            <a:solidFill>
+              <a:schemeClr val="tx1"/>
+            </a:solidFill>
+            <a:headEnd type="oval"/>
+            <a:tailEnd type="none"/>
+          </a:ln>
+        </p:spPr>
+        <p:style>
+          <a:lnRef idx="1">
+            <a:schemeClr val="accent1"/>
+          </a:lnRef>
+          <a:fillRef idx="0">
+            <a:schemeClr val="accent1"/>
+          </a:fillRef>
+          <a:effectRef idx="0">
+            <a:schemeClr val="accent1"/>
+          </a:effectRef>
+          <a:fontRef idx="minor">
+            <a:schemeClr val="tx1"/>
+          </a:fontRef>
+        </p:style>
+      </p:cxnSp>
+      <p:cxnSp>
+        <p:nvCxnSpPr>
+          <p:cNvPr id="377" name="Straight Arrow Connector 376"/>
+          <p:cNvCxnSpPr>
+            <a:stCxn id="390" idx="2"/>
+            <a:endCxn id="376" idx="0"/>
+          </p:cNvCxnSpPr>
+          <p:nvPr/>
+        </p:nvCxnSpPr>
+        <p:spPr>
+          <a:xfrm flipH="1">
+            <a:off x="4610100" y="5562600"/>
+            <a:ext cx="38100" cy="152400"/>
+          </a:xfrm>
+          <a:prstGeom prst="straightConnector1">
+            <a:avLst/>
+          </a:prstGeom>
+          <a:ln w="12700">
+            <a:solidFill>
+              <a:schemeClr val="tx1"/>
+            </a:solidFill>
+            <a:headEnd type="oval"/>
+            <a:tailEnd type="none"/>
+          </a:ln>
+        </p:spPr>
+        <p:style>
+          <a:lnRef idx="1">
+            <a:schemeClr val="accent1"/>
+          </a:lnRef>
+          <a:fillRef idx="0">
+            <a:schemeClr val="accent1"/>
+          </a:fillRef>
+          <a:effectRef idx="0">
+            <a:schemeClr val="accent1"/>
+          </a:effectRef>
+          <a:fontRef idx="minor">
+            <a:schemeClr val="tx1"/>
+          </a:fontRef>
+        </p:style>
+      </p:cxnSp>
+      <p:cxnSp>
+        <p:nvCxnSpPr>
+          <p:cNvPr id="423" name="Straight Arrow Connector 422"/>
+          <p:cNvCxnSpPr>
+            <a:stCxn id="392" idx="2"/>
+            <a:endCxn id="395" idx="0"/>
+          </p:cNvCxnSpPr>
+          <p:nvPr/>
+        </p:nvCxnSpPr>
+        <p:spPr>
+          <a:xfrm flipH="1">
+            <a:off x="6515100" y="4800600"/>
+            <a:ext cx="876300" cy="152400"/>
+          </a:xfrm>
+          <a:prstGeom prst="straightConnector1">
+            <a:avLst/>
+          </a:prstGeom>
+          <a:ln w="12700">
+            <a:solidFill>
+              <a:schemeClr val="tx1"/>
+            </a:solidFill>
+            <a:headEnd type="oval"/>
+            <a:tailEnd type="none"/>
+          </a:ln>
+        </p:spPr>
+        <p:style>
+          <a:lnRef idx="1">
+            <a:schemeClr val="accent1"/>
+          </a:lnRef>
+          <a:fillRef idx="0">
+            <a:schemeClr val="accent1"/>
+          </a:fillRef>
+          <a:effectRef idx="0">
+            <a:schemeClr val="accent1"/>
+          </a:effectRef>
+          <a:fontRef idx="minor">
+            <a:schemeClr val="tx1"/>
+          </a:fontRef>
+        </p:style>
+      </p:cxnSp>
+      <p:sp>
+        <p:nvSpPr>
+          <p:cNvPr id="395" name="Rectangle 394"/>
+          <p:cNvSpPr/>
+          <p:nvPr/>
+        </p:nvSpPr>
+        <p:spPr>
+          <a:xfrm>
+            <a:off x="6324600" y="4953000"/>
+            <a:ext cx="381000" cy="152400"/>
+          </a:xfrm>
+          <a:prstGeom prst="rect">
+            <a:avLst/>
+          </a:prstGeom>
+          <a:solidFill>
+            <a:schemeClr val="accent5">
+              <a:lumMod val="40000"/>
+              <a:lumOff val="60000"/>
+            </a:schemeClr>
+          </a:solidFill>
+          <a:ln w="12700" cmpd="sng"/>
+        </p:spPr>
+        <p:style>
+          <a:lnRef idx="2">
+            <a:schemeClr val="dk1"/>
+          </a:lnRef>
+          <a:fillRef idx="1">
+            <a:schemeClr val="lt1"/>
+          </a:fillRef>
+          <a:effectRef idx="0">
+            <a:schemeClr val="dk1"/>
+          </a:effectRef>
+          <a:fontRef idx="minor">
+            <a:schemeClr val="dk1"/>
+          </a:fontRef>
+        </p:style>
+        <p:txBody>
+          <a:bodyPr rtlCol="0" anchor="ctr"/>
+          <a:lstStyle/>
+          <a:p>
+            <a:pPr algn="ctr">
+              <a:lnSpc>
+                <a:spcPct val="70000"/>
+              </a:lnSpc>
+            </a:pPr>
+            <a:endParaRPr lang="en-US" sz="1100" dirty="0"/>
+          </a:p>
+        </p:txBody>
+      </p:sp>
+      <p:cxnSp>
+        <p:nvCxnSpPr>
+          <p:cNvPr id="417" name="Straight Arrow Connector 416"/>
+          <p:cNvCxnSpPr>
+            <a:stCxn id="366" idx="2"/>
+            <a:endCxn id="389" idx="0"/>
+          </p:cNvCxnSpPr>
+          <p:nvPr/>
+        </p:nvCxnSpPr>
+        <p:spPr>
+          <a:xfrm>
+            <a:off x="8648700" y="4800600"/>
+            <a:ext cx="0" cy="457200"/>
+          </a:xfrm>
+          <a:prstGeom prst="straightConnector1">
+            <a:avLst/>
+          </a:prstGeom>
+          <a:ln w="12700">
+            <a:solidFill>
+              <a:schemeClr val="tx1"/>
+            </a:solidFill>
+            <a:headEnd type="oval"/>
+            <a:tailEnd type="none"/>
+          </a:ln>
+        </p:spPr>
+        <p:style>
+          <a:lnRef idx="1">
+            <a:schemeClr val="accent1"/>
+          </a:lnRef>
+          <a:fillRef idx="0">
+            <a:schemeClr val="accent1"/>
+          </a:fillRef>
+          <a:effectRef idx="0">
+            <a:schemeClr val="accent1"/>
+          </a:effectRef>
+          <a:fontRef idx="minor">
+            <a:schemeClr val="tx1"/>
+          </a:fontRef>
+        </p:style>
+      </p:cxnSp>
+      <p:cxnSp>
+        <p:nvCxnSpPr>
+          <p:cNvPr id="421" name="Straight Arrow Connector 420"/>
+          <p:cNvCxnSpPr>
+            <a:stCxn id="367" idx="2"/>
+            <a:endCxn id="390" idx="0"/>
+          </p:cNvCxnSpPr>
+          <p:nvPr/>
+        </p:nvCxnSpPr>
+        <p:spPr>
+          <a:xfrm flipH="1">
+            <a:off x="4648200" y="4800600"/>
+            <a:ext cx="685800" cy="457200"/>
+          </a:xfrm>
+          <a:prstGeom prst="straightConnector1">
+            <a:avLst/>
+          </a:prstGeom>
+          <a:ln w="12700">
+            <a:solidFill>
+              <a:schemeClr val="tx1"/>
+            </a:solidFill>
+            <a:headEnd type="oval"/>
+            <a:tailEnd type="none"/>
+          </a:ln>
+        </p:spPr>
+        <p:style>
+          <a:lnRef idx="1">
+            <a:schemeClr val="accent1"/>
+          </a:lnRef>
+          <a:fillRef idx="0">
+            <a:schemeClr val="accent1"/>
+          </a:fillRef>
+          <a:effectRef idx="0">
+            <a:schemeClr val="accent1"/>
+          </a:effectRef>
+          <a:fontRef idx="minor">
+            <a:schemeClr val="tx1"/>
+          </a:fontRef>
+        </p:style>
+      </p:cxnSp>
+      <p:grpSp>
+        <p:nvGrpSpPr>
+          <p:cNvPr id="428" name="Group 427"/>
+          <p:cNvGrpSpPr/>
+          <p:nvPr/>
+        </p:nvGrpSpPr>
+        <p:grpSpPr>
+          <a:xfrm>
+            <a:off x="4191000" y="3733800"/>
+            <a:ext cx="4953000" cy="304800"/>
+            <a:chOff x="3136304" y="5867400"/>
+            <a:chExt cx="4953000" cy="228600"/>
+          </a:xfrm>
+        </p:grpSpPr>
+        <p:sp>
+          <p:nvSpPr>
+            <p:cNvPr id="429" name="Rectangle 428"/>
+            <p:cNvSpPr/>
+            <p:nvPr/>
+          </p:nvSpPr>
+          <p:spPr>
+            <a:xfrm>
+              <a:off x="7098704" y="5867400"/>
+              <a:ext cx="990600" cy="228600"/>
+            </a:xfrm>
+            <a:prstGeom prst="rect">
+              <a:avLst/>
+            </a:prstGeom>
+            <a:solidFill>
+              <a:srgbClr val="CCC1DA"/>
+            </a:solidFill>
+            <a:ln w="12700" cmpd="sng"/>
+          </p:spPr>
+          <p:style>
+            <a:lnRef idx="2">
+              <a:schemeClr val="dk1"/>
+            </a:lnRef>
+            <a:fillRef idx="1">
+              <a:schemeClr val="lt1"/>
+            </a:fillRef>
+            <a:effectRef idx="0">
+              <a:schemeClr val="dk1"/>
+            </a:effectRef>
+            <a:fontRef idx="minor">
+              <a:schemeClr val="dk1"/>
+            </a:fontRef>
+          </p:style>
+          <p:txBody>
+            <a:bodyPr rtlCol="0" anchor="ctr"/>
+            <a:lstStyle/>
+            <a:p>
+              <a:pPr algn="ctr">
+                <a:lnSpc>
+                  <a:spcPct val="70000"/>
+                </a:lnSpc>
+              </a:pPr>
+              <a:r>
+                <a:rPr lang="en-US" sz="1400" dirty="0" smtClean="0"/>
+                <a:t>mm/</a:t>
+              </a:r>
+              <a:r>
+                <a:rPr lang="en-US" sz="1400" dirty="0" err="1" smtClean="0"/>
+                <a:t>proc</a:t>
+              </a:r>
+              <a:r>
+                <a:rPr lang="zh-CN" altLang="zh-CN" sz="1400" dirty="0" smtClean="0"/>
+                <a:t>.</a:t>
+              </a:r>
+              <a:r>
+                <a:rPr lang="en-US" altLang="zh-CN" sz="1400" dirty="0" smtClean="0"/>
+                <a:t>prim</a:t>
+              </a:r>
+              <a:endParaRPr lang="en-US" sz="1400" dirty="0"/>
+            </a:p>
+          </p:txBody>
+        </p:sp>
+        <p:sp>
+          <p:nvSpPr>
+            <p:cNvPr id="430" name="Rectangle 429"/>
+            <p:cNvSpPr/>
+            <p:nvPr/>
+          </p:nvSpPr>
+          <p:spPr>
+            <a:xfrm>
+              <a:off x="3136304" y="5867400"/>
+              <a:ext cx="685800" cy="228600"/>
+            </a:xfrm>
+            <a:prstGeom prst="rect">
+              <a:avLst/>
+            </a:prstGeom>
+            <a:solidFill>
+              <a:srgbClr val="D7E4BD"/>
+            </a:solidFill>
+            <a:ln w="12700" cmpd="sng"/>
+          </p:spPr>
+          <p:style>
+            <a:lnRef idx="2">
+              <a:schemeClr val="dk1"/>
+            </a:lnRef>
+            <a:fillRef idx="1">
+              <a:schemeClr val="lt1"/>
+            </a:fillRef>
+            <a:effectRef idx="0">
+              <a:schemeClr val="dk1"/>
+            </a:effectRef>
+            <a:fontRef idx="minor">
+              <a:schemeClr val="dk1"/>
+            </a:fontRef>
+          </p:style>
+          <p:txBody>
+            <a:bodyPr rtlCol="0" anchor="ctr"/>
+            <a:lstStyle/>
+            <a:p>
+              <a:pPr algn="ctr">
+                <a:lnSpc>
+                  <a:spcPct val="70000"/>
+                </a:lnSpc>
+              </a:pPr>
+              <a:r>
+                <a:rPr lang="en-US" sz="1400" dirty="0" err="1"/>
+                <a:t>e</a:t>
+              </a:r>
+              <a:r>
+                <a:rPr lang="en-US" sz="1400" dirty="0" err="1" smtClean="0"/>
+                <a:t>ptinit</a:t>
+              </a:r>
+              <a:endParaRPr lang="en-US" sz="1400" dirty="0"/>
+            </a:p>
+          </p:txBody>
+        </p:sp>
+      </p:grpSp>
+      <p:sp>
+        <p:nvSpPr>
+          <p:cNvPr id="431" name="Rectangle 430"/>
+          <p:cNvSpPr/>
+          <p:nvPr/>
+        </p:nvSpPr>
+        <p:spPr>
+          <a:xfrm>
+            <a:off x="7086600" y="3733800"/>
+            <a:ext cx="1066800" cy="304800"/>
+          </a:xfrm>
+          <a:prstGeom prst="rect">
+            <a:avLst/>
+          </a:prstGeom>
+          <a:solidFill>
+            <a:srgbClr val="FFFFFF"/>
+          </a:solidFill>
+          <a:ln w="12700" cmpd="sng"/>
+        </p:spPr>
+        <p:style>
+          <a:lnRef idx="2">
+            <a:schemeClr val="dk1"/>
+          </a:lnRef>
+          <a:fillRef idx="1">
+            <a:schemeClr val="lt1"/>
+          </a:fillRef>
+          <a:effectRef idx="0">
+            <a:schemeClr val="dk1"/>
+          </a:effectRef>
+          <a:fontRef idx="minor">
+            <a:schemeClr val="dk1"/>
+          </a:fontRef>
+        </p:style>
+        <p:txBody>
+          <a:bodyPr rtlCol="0" anchor="ctr"/>
+          <a:lstStyle/>
+          <a:p>
+            <a:pPr algn="ctr">
+              <a:lnSpc>
+                <a:spcPct val="70000"/>
+              </a:lnSpc>
+            </a:pPr>
+            <a:r>
+              <a:rPr lang="en-US" sz="1400" dirty="0" err="1"/>
+              <a:t>E</a:t>
+            </a:r>
+            <a:r>
+              <a:rPr lang="en-US" sz="1400" dirty="0" err="1" smtClean="0"/>
+              <a:t>PT</a:t>
+            </a:r>
+            <a:r>
+              <a:rPr lang="en-US" altLang="zh-CN" sz="1400" dirty="0" err="1" smtClean="0"/>
+              <a:t>_insrt</a:t>
+            </a:r>
+            <a:endParaRPr lang="en-US" sz="1400" dirty="0"/>
+          </a:p>
+        </p:txBody>
+      </p:sp>
+      <p:sp>
+        <p:nvSpPr>
+          <p:cNvPr id="433" name="Rectangle 432"/>
+          <p:cNvSpPr/>
+          <p:nvPr/>
+        </p:nvSpPr>
+        <p:spPr>
+          <a:xfrm>
+            <a:off x="4876800" y="3733800"/>
+            <a:ext cx="1447800" cy="304800"/>
+          </a:xfrm>
+          <a:prstGeom prst="rect">
+            <a:avLst/>
+          </a:prstGeom>
+          <a:solidFill>
+            <a:srgbClr val="FFFFFF"/>
+          </a:solidFill>
+          <a:ln w="12700" cmpd="sng"/>
+        </p:spPr>
+        <p:style>
+          <a:lnRef idx="2">
+            <a:schemeClr val="dk1"/>
+          </a:lnRef>
+          <a:fillRef idx="1">
+            <a:schemeClr val="lt1"/>
+          </a:fillRef>
+          <a:effectRef idx="0">
+            <a:schemeClr val="dk1"/>
+          </a:effectRef>
+          <a:fontRef idx="minor">
+            <a:schemeClr val="dk1"/>
+          </a:fontRef>
+        </p:style>
+        <p:txBody>
+          <a:bodyPr rtlCol="0" anchor="ctr"/>
+          <a:lstStyle/>
+          <a:p>
+            <a:pPr algn="ctr">
+              <a:lnSpc>
+                <a:spcPct val="70000"/>
+              </a:lnSpc>
+            </a:pPr>
+            <a:r>
+              <a:rPr lang="en-US" sz="1400" dirty="0" err="1" smtClean="0"/>
+              <a:t>vmcs</a:t>
+            </a:r>
+            <a:r>
+              <a:rPr lang="en-US" altLang="zh-CN" sz="1400" dirty="0" err="1" smtClean="0"/>
+              <a:t>_read</a:t>
+            </a:r>
+            <a:r>
+              <a:rPr lang="en-US" altLang="zh-CN" sz="1400" dirty="0" smtClean="0"/>
+              <a:t>/write</a:t>
+            </a:r>
+            <a:endParaRPr lang="en-US" sz="1400" dirty="0"/>
+          </a:p>
+        </p:txBody>
+      </p:sp>
+      <p:cxnSp>
+        <p:nvCxnSpPr>
+          <p:cNvPr id="434" name="Straight Arrow Connector 433"/>
+          <p:cNvCxnSpPr>
+            <a:stCxn id="429" idx="2"/>
+            <a:endCxn id="366" idx="0"/>
+          </p:cNvCxnSpPr>
+          <p:nvPr/>
+        </p:nvCxnSpPr>
+        <p:spPr>
+          <a:xfrm>
+            <a:off x="8648700" y="4038600"/>
+            <a:ext cx="0" cy="457200"/>
+          </a:xfrm>
+          <a:prstGeom prst="straightConnector1">
+            <a:avLst/>
+          </a:prstGeom>
+          <a:ln w="12700">
+            <a:solidFill>
+              <a:schemeClr val="tx1"/>
+            </a:solidFill>
+            <a:headEnd type="oval"/>
+            <a:tailEnd type="none"/>
+          </a:ln>
+        </p:spPr>
+        <p:style>
+          <a:lnRef idx="1">
+            <a:schemeClr val="accent1"/>
+          </a:lnRef>
+          <a:fillRef idx="0">
+            <a:schemeClr val="accent1"/>
+          </a:fillRef>
+          <a:effectRef idx="0">
+            <a:schemeClr val="accent1"/>
+          </a:effectRef>
+          <a:fontRef idx="minor">
+            <a:schemeClr val="tx1"/>
+          </a:fontRef>
+        </p:style>
+      </p:cxnSp>
+      <p:cxnSp>
+        <p:nvCxnSpPr>
+          <p:cNvPr id="436" name="Straight Arrow Connector 435"/>
+          <p:cNvCxnSpPr>
+            <a:stCxn id="431" idx="2"/>
+          </p:cNvCxnSpPr>
+          <p:nvPr/>
+        </p:nvCxnSpPr>
+        <p:spPr>
+          <a:xfrm>
+            <a:off x="7620000" y="4038600"/>
+            <a:ext cx="76200" cy="457200"/>
+          </a:xfrm>
+          <a:prstGeom prst="straightConnector1">
+            <a:avLst/>
+          </a:prstGeom>
+          <a:ln w="12700">
+            <a:solidFill>
+              <a:schemeClr val="tx1"/>
+            </a:solidFill>
+            <a:headEnd type="oval"/>
+            <a:tailEnd type="none"/>
+          </a:ln>
+        </p:spPr>
+        <p:style>
+          <a:lnRef idx="1">
+            <a:schemeClr val="accent1"/>
+          </a:lnRef>
+          <a:fillRef idx="0">
+            <a:schemeClr val="accent1"/>
+          </a:fillRef>
+          <a:effectRef idx="0">
+            <a:schemeClr val="accent1"/>
+          </a:effectRef>
+          <a:fontRef idx="minor">
+            <a:schemeClr val="tx1"/>
+          </a:fontRef>
+        </p:style>
+      </p:cxnSp>
+      <p:sp>
+        <p:nvSpPr>
+          <p:cNvPr id="438" name="Rectangle 437"/>
+          <p:cNvSpPr/>
+          <p:nvPr/>
+        </p:nvSpPr>
+        <p:spPr>
+          <a:xfrm>
+            <a:off x="5486400" y="4191000"/>
+            <a:ext cx="381000" cy="152400"/>
+          </a:xfrm>
+          <a:prstGeom prst="rect">
+            <a:avLst/>
+          </a:prstGeom>
+          <a:solidFill>
+            <a:schemeClr val="accent5">
+              <a:lumMod val="40000"/>
+              <a:lumOff val="60000"/>
+            </a:schemeClr>
+          </a:solidFill>
+          <a:ln w="12700" cmpd="sng"/>
+        </p:spPr>
+        <p:style>
+          <a:lnRef idx="2">
+            <a:schemeClr val="dk1"/>
+          </a:lnRef>
+          <a:fillRef idx="1">
+            <a:schemeClr val="lt1"/>
+          </a:fillRef>
+          <a:effectRef idx="0">
+            <a:schemeClr val="dk1"/>
+          </a:effectRef>
+          <a:fontRef idx="minor">
+            <a:schemeClr val="dk1"/>
+          </a:fontRef>
+        </p:style>
+        <p:txBody>
+          <a:bodyPr rtlCol="0" anchor="ctr"/>
+          <a:lstStyle/>
+          <a:p>
+            <a:pPr algn="ctr">
+              <a:lnSpc>
+                <a:spcPct val="70000"/>
+              </a:lnSpc>
+            </a:pPr>
+            <a:endParaRPr lang="en-US" sz="1100" dirty="0"/>
+          </a:p>
+        </p:txBody>
+      </p:sp>
+      <p:cxnSp>
+        <p:nvCxnSpPr>
+          <p:cNvPr id="441" name="Straight Arrow Connector 440"/>
+          <p:cNvCxnSpPr>
+            <a:stCxn id="433" idx="2"/>
+            <a:endCxn id="438" idx="0"/>
+          </p:cNvCxnSpPr>
+          <p:nvPr/>
+        </p:nvCxnSpPr>
+        <p:spPr>
+          <a:xfrm>
+            <a:off x="5600700" y="4038600"/>
+            <a:ext cx="76200" cy="152400"/>
+          </a:xfrm>
+          <a:prstGeom prst="straightConnector1">
+            <a:avLst/>
+          </a:prstGeom>
+          <a:ln w="12700">
+            <a:solidFill>
+              <a:schemeClr val="tx1"/>
+            </a:solidFill>
+            <a:headEnd type="oval"/>
+            <a:tailEnd type="none"/>
+          </a:ln>
+        </p:spPr>
+        <p:style>
+          <a:lnRef idx="1">
+            <a:schemeClr val="accent1"/>
+          </a:lnRef>
+          <a:fillRef idx="0">
+            <a:schemeClr val="accent1"/>
+          </a:fillRef>
+          <a:effectRef idx="0">
+            <a:schemeClr val="accent1"/>
+          </a:effectRef>
+          <a:fontRef idx="minor">
+            <a:schemeClr val="tx1"/>
+          </a:fontRef>
+        </p:style>
+      </p:cxnSp>
+      <p:cxnSp>
+        <p:nvCxnSpPr>
+          <p:cNvPr id="442" name="Straight Arrow Connector 441"/>
+          <p:cNvCxnSpPr>
+            <a:stCxn id="430" idx="2"/>
+            <a:endCxn id="367" idx="0"/>
+          </p:cNvCxnSpPr>
+          <p:nvPr/>
+        </p:nvCxnSpPr>
+        <p:spPr>
+          <a:xfrm>
+            <a:off x="4533900" y="4038600"/>
+            <a:ext cx="800100" cy="457200"/>
+          </a:xfrm>
+          <a:prstGeom prst="straightConnector1">
+            <a:avLst/>
+          </a:prstGeom>
+          <a:ln w="12700">
+            <a:solidFill>
+              <a:schemeClr val="tx1"/>
+            </a:solidFill>
+            <a:headEnd type="oval"/>
+            <a:tailEnd type="none"/>
+          </a:ln>
+        </p:spPr>
+        <p:style>
+          <a:lnRef idx="1">
+            <a:schemeClr val="accent1"/>
+          </a:lnRef>
+          <a:fillRef idx="0">
+            <a:schemeClr val="accent1"/>
+          </a:fillRef>
+          <a:effectRef idx="0">
+            <a:schemeClr val="accent1"/>
+          </a:effectRef>
+          <a:fontRef idx="minor">
+            <a:schemeClr val="tx1"/>
+          </a:fontRef>
+        </p:style>
+      </p:cxnSp>
+      <p:sp>
+        <p:nvSpPr>
+          <p:cNvPr id="444" name="TextBox 443"/>
+          <p:cNvSpPr txBox="1"/>
+          <p:nvPr/>
+        </p:nvSpPr>
+        <p:spPr>
+          <a:xfrm>
+            <a:off x="457200" y="2968823"/>
+            <a:ext cx="3581400" cy="307777"/>
+          </a:xfrm>
+          <a:prstGeom prst="rect">
+            <a:avLst/>
+          </a:prstGeom>
+          <a:noFill/>
+        </p:spPr>
+        <p:txBody>
+          <a:bodyPr wrap="square" rtlCol="0">
+            <a:spAutoFit/>
+          </a:bodyPr>
+          <a:lstStyle/>
+          <a:p>
+            <a:r>
+              <a:rPr lang="en-US" altLang="zh-CN" sz="1400" dirty="0">
+                <a:latin typeface="Arial" pitchFamily="34" charset="0"/>
+                <a:cs typeface="Arial" pitchFamily="34" charset="0"/>
+              </a:rPr>
+              <a:t>(</a:t>
+            </a:r>
+            <a:r>
+              <a:rPr lang="en-US" altLang="zh-CN" sz="1400" dirty="0" err="1">
+                <a:latin typeface="Arial" pitchFamily="34" charset="0"/>
+                <a:cs typeface="Arial" pitchFamily="34" charset="0"/>
+              </a:rPr>
+              <a:t>mm.abs</a:t>
+            </a:r>
+            <a:r>
+              <a:rPr lang="en-US" altLang="zh-CN" sz="1400" dirty="0">
+                <a:latin typeface="Arial" pitchFamily="34" charset="0"/>
+                <a:cs typeface="Arial" pitchFamily="34" charset="0"/>
+              </a:rPr>
+              <a:t>, </a:t>
+            </a:r>
+            <a:r>
+              <a:rPr lang="en-US" altLang="zh-CN" sz="1400" dirty="0" err="1">
+                <a:latin typeface="Arial" pitchFamily="34" charset="0"/>
+                <a:cs typeface="Arial" pitchFamily="34" charset="0"/>
+              </a:rPr>
+              <a:t>procp</a:t>
+            </a:r>
+            <a:r>
+              <a:rPr lang="en-US" altLang="zh-CN" sz="1400" dirty="0">
+                <a:latin typeface="Arial" pitchFamily="34" charset="0"/>
+                <a:cs typeface="Arial" pitchFamily="34" charset="0"/>
+              </a:rPr>
+              <a:t>,</a:t>
+            </a:r>
+            <a:r>
+              <a:rPr lang="zh-CN" altLang="en-US" sz="1400" dirty="0">
+                <a:latin typeface="Arial" pitchFamily="34" charset="0"/>
+                <a:cs typeface="Arial" pitchFamily="34" charset="0"/>
+              </a:rPr>
+              <a:t> </a:t>
+            </a:r>
+            <a:r>
+              <a:rPr lang="en-US" altLang="zh-CN" sz="1400" dirty="0" err="1">
+                <a:latin typeface="Arial" pitchFamily="34" charset="0"/>
+                <a:cs typeface="Arial" pitchFamily="34" charset="0"/>
+              </a:rPr>
+              <a:t>rdq</a:t>
+            </a:r>
+            <a:r>
+              <a:rPr lang="en-US" altLang="zh-CN" sz="1400" dirty="0">
+                <a:latin typeface="Arial" pitchFamily="34" charset="0"/>
+                <a:cs typeface="Arial" pitchFamily="34" charset="0"/>
+              </a:rPr>
+              <a:t>,</a:t>
+            </a:r>
+            <a:r>
+              <a:rPr lang="zh-CN" altLang="en-US" sz="1400" dirty="0" smtClean="0">
+                <a:latin typeface="Arial" pitchFamily="34" charset="0"/>
+                <a:cs typeface="Arial" pitchFamily="34" charset="0"/>
+              </a:rPr>
+              <a:t> </a:t>
+            </a:r>
+            <a:r>
+              <a:rPr lang="en-US" altLang="zh-CN" sz="1400" dirty="0" err="1" smtClean="0">
+                <a:latin typeface="Arial" pitchFamily="34" charset="0"/>
+                <a:cs typeface="Arial" pitchFamily="34" charset="0"/>
+              </a:rPr>
+              <a:t>pid</a:t>
+            </a:r>
+            <a:r>
+              <a:rPr lang="en-US" altLang="zh-CN" sz="1400" dirty="0" smtClean="0">
+                <a:latin typeface="Arial" pitchFamily="34" charset="0"/>
+                <a:cs typeface="Arial" pitchFamily="34" charset="0"/>
+              </a:rPr>
+              <a:t>, </a:t>
+            </a:r>
+            <a:r>
+              <a:rPr lang="en-US" altLang="zh-CN" sz="1400" dirty="0" err="1" smtClean="0">
+                <a:latin typeface="Arial" pitchFamily="34" charset="0"/>
+                <a:cs typeface="Arial" pitchFamily="34" charset="0"/>
+              </a:rPr>
+              <a:t>e</a:t>
+            </a:r>
+            <a:r>
+              <a:rPr lang="en-US" altLang="zh-CN" sz="1400" dirty="0" err="1" smtClean="0">
+                <a:latin typeface="Arial" pitchFamily="34" charset="0"/>
+                <a:cs typeface="Arial" pitchFamily="34" charset="0"/>
+              </a:rPr>
+              <a:t>pt</a:t>
+            </a:r>
+            <a:r>
+              <a:rPr lang="en-US" altLang="zh-CN" sz="1400" dirty="0" smtClean="0">
+                <a:latin typeface="Arial" pitchFamily="34" charset="0"/>
+                <a:cs typeface="Arial" pitchFamily="34" charset="0"/>
+              </a:rPr>
+              <a:t>, </a:t>
+            </a:r>
+            <a:r>
+              <a:rPr lang="en-US" altLang="zh-CN" sz="1400" dirty="0" err="1" smtClean="0">
+                <a:latin typeface="Arial" pitchFamily="34" charset="0"/>
+                <a:cs typeface="Arial" pitchFamily="34" charset="0"/>
+              </a:rPr>
+              <a:t>vmcs</a:t>
+            </a:r>
+            <a:r>
+              <a:rPr lang="en-US" altLang="zh-CN" sz="1400" dirty="0" smtClean="0">
+                <a:latin typeface="Arial" pitchFamily="34" charset="0"/>
+                <a:cs typeface="Arial" pitchFamily="34" charset="0"/>
+              </a:rPr>
+              <a:t>)   </a:t>
+            </a:r>
+            <a:endParaRPr lang="zh-CN" altLang="en-US" sz="1400" dirty="0">
+              <a:latin typeface="Arial" pitchFamily="34" charset="0"/>
+              <a:cs typeface="Arial" pitchFamily="34" charset="0"/>
+            </a:endParaRPr>
+          </a:p>
+        </p:txBody>
+      </p:sp>
+      <p:grpSp>
+        <p:nvGrpSpPr>
+          <p:cNvPr id="446" name="Group 445"/>
+          <p:cNvGrpSpPr/>
+          <p:nvPr/>
+        </p:nvGrpSpPr>
+        <p:grpSpPr>
+          <a:xfrm>
+            <a:off x="4495800" y="2971800"/>
+            <a:ext cx="4648200" cy="304800"/>
+            <a:chOff x="3441104" y="5867400"/>
+            <a:chExt cx="4648200" cy="228600"/>
+          </a:xfrm>
+        </p:grpSpPr>
+        <p:sp>
+          <p:nvSpPr>
+            <p:cNvPr id="447" name="Rectangle 446"/>
+            <p:cNvSpPr/>
+            <p:nvPr/>
+          </p:nvSpPr>
+          <p:spPr>
+            <a:xfrm>
+              <a:off x="7098704" y="5867400"/>
+              <a:ext cx="990600" cy="228600"/>
+            </a:xfrm>
+            <a:prstGeom prst="rect">
+              <a:avLst/>
+            </a:prstGeom>
+            <a:solidFill>
+              <a:srgbClr val="CCC1DA"/>
+            </a:solidFill>
+            <a:ln w="12700" cmpd="sng"/>
+          </p:spPr>
+          <p:style>
+            <a:lnRef idx="2">
+              <a:schemeClr val="dk1"/>
+            </a:lnRef>
+            <a:fillRef idx="1">
+              <a:schemeClr val="lt1"/>
+            </a:fillRef>
+            <a:effectRef idx="0">
+              <a:schemeClr val="dk1"/>
+            </a:effectRef>
+            <a:fontRef idx="minor">
+              <a:schemeClr val="dk1"/>
+            </a:fontRef>
+          </p:style>
+          <p:txBody>
+            <a:bodyPr rtlCol="0" anchor="ctr"/>
+            <a:lstStyle/>
+            <a:p>
+              <a:pPr algn="ctr">
+                <a:lnSpc>
+                  <a:spcPct val="70000"/>
+                </a:lnSpc>
+              </a:pPr>
+              <a:r>
+                <a:rPr lang="en-US" sz="1400" dirty="0" smtClean="0"/>
+                <a:t>mm/</a:t>
+              </a:r>
+              <a:r>
+                <a:rPr lang="en-US" sz="1400" dirty="0" err="1" smtClean="0"/>
+                <a:t>proc</a:t>
+              </a:r>
+              <a:r>
+                <a:rPr lang="zh-CN" altLang="zh-CN" sz="1400" dirty="0" smtClean="0"/>
+                <a:t>.</a:t>
+              </a:r>
+              <a:r>
+                <a:rPr lang="en-US" altLang="zh-CN" sz="1400" dirty="0" smtClean="0"/>
+                <a:t>prim</a:t>
+              </a:r>
+              <a:endParaRPr lang="en-US" sz="1400" dirty="0"/>
+            </a:p>
+          </p:txBody>
+        </p:sp>
+        <p:sp>
+          <p:nvSpPr>
+            <p:cNvPr id="448" name="Rectangle 447"/>
+            <p:cNvSpPr/>
+            <p:nvPr/>
+          </p:nvSpPr>
+          <p:spPr>
+            <a:xfrm>
+              <a:off x="3441104" y="5867400"/>
+              <a:ext cx="838200" cy="228600"/>
+            </a:xfrm>
+            <a:prstGeom prst="rect">
+              <a:avLst/>
+            </a:prstGeom>
+            <a:solidFill>
+              <a:srgbClr val="D7E4BD"/>
+            </a:solidFill>
+            <a:ln w="12700" cmpd="sng"/>
+          </p:spPr>
+          <p:style>
+            <a:lnRef idx="2">
+              <a:schemeClr val="dk1"/>
+            </a:lnRef>
+            <a:fillRef idx="1">
+              <a:schemeClr val="lt1"/>
+            </a:fillRef>
+            <a:effectRef idx="0">
+              <a:schemeClr val="dk1"/>
+            </a:effectRef>
+            <a:fontRef idx="minor">
+              <a:schemeClr val="dk1"/>
+            </a:fontRef>
+          </p:style>
+          <p:txBody>
+            <a:bodyPr rtlCol="0" anchor="ctr"/>
+            <a:lstStyle/>
+            <a:p>
+              <a:pPr algn="ctr">
+                <a:lnSpc>
+                  <a:spcPct val="70000"/>
+                </a:lnSpc>
+              </a:pPr>
+              <a:r>
+                <a:rPr lang="en-US" sz="1400" dirty="0" err="1" smtClean="0"/>
+                <a:t>vmcsinit</a:t>
+              </a:r>
+              <a:endParaRPr lang="en-US" sz="1400" dirty="0"/>
+            </a:p>
+          </p:txBody>
+        </p:sp>
+      </p:grpSp>
+      <p:sp>
+        <p:nvSpPr>
+          <p:cNvPr id="449" name="Rectangle 448"/>
+          <p:cNvSpPr/>
+          <p:nvPr/>
+        </p:nvSpPr>
+        <p:spPr>
+          <a:xfrm>
+            <a:off x="7162800" y="2971800"/>
+            <a:ext cx="990600" cy="304800"/>
+          </a:xfrm>
+          <a:prstGeom prst="rect">
+            <a:avLst/>
+          </a:prstGeom>
+          <a:solidFill>
+            <a:srgbClr val="FFFFFF"/>
+          </a:solidFill>
+          <a:ln w="12700" cmpd="sng"/>
+        </p:spPr>
+        <p:style>
+          <a:lnRef idx="2">
+            <a:schemeClr val="dk1"/>
+          </a:lnRef>
+          <a:fillRef idx="1">
+            <a:schemeClr val="lt1"/>
+          </a:fillRef>
+          <a:effectRef idx="0">
+            <a:schemeClr val="dk1"/>
+          </a:effectRef>
+          <a:fontRef idx="minor">
+            <a:schemeClr val="dk1"/>
+          </a:fontRef>
+        </p:style>
+        <p:txBody>
+          <a:bodyPr rtlCol="0" anchor="ctr"/>
+          <a:lstStyle/>
+          <a:p>
+            <a:pPr algn="ctr">
+              <a:lnSpc>
+                <a:spcPct val="70000"/>
+              </a:lnSpc>
+            </a:pPr>
+            <a:r>
+              <a:rPr lang="en-US" sz="1400" dirty="0" err="1"/>
+              <a:t>E</a:t>
+            </a:r>
+            <a:r>
+              <a:rPr lang="en-US" sz="1400" dirty="0" err="1" smtClean="0"/>
+              <a:t>PT</a:t>
+            </a:r>
+            <a:r>
+              <a:rPr lang="en-US" altLang="zh-CN" sz="1400" dirty="0" err="1" smtClean="0"/>
+              <a:t>_insrt</a:t>
+            </a:r>
+            <a:endParaRPr lang="en-US" sz="1400" dirty="0"/>
+          </a:p>
+        </p:txBody>
+      </p:sp>
+      <p:sp>
+        <p:nvSpPr>
+          <p:cNvPr id="451" name="Rectangle 450"/>
+          <p:cNvSpPr/>
+          <p:nvPr/>
+        </p:nvSpPr>
+        <p:spPr>
+          <a:xfrm>
+            <a:off x="6248400" y="2971800"/>
+            <a:ext cx="914400" cy="304800"/>
+          </a:xfrm>
+          <a:prstGeom prst="rect">
+            <a:avLst/>
+          </a:prstGeom>
+          <a:solidFill>
+            <a:srgbClr val="FFFFFF"/>
+          </a:solidFill>
+          <a:ln w="12700" cmpd="sng"/>
+        </p:spPr>
+        <p:style>
+          <a:lnRef idx="2">
+            <a:schemeClr val="dk1"/>
+          </a:lnRef>
+          <a:fillRef idx="1">
+            <a:schemeClr val="lt1"/>
+          </a:fillRef>
+          <a:effectRef idx="0">
+            <a:schemeClr val="dk1"/>
+          </a:effectRef>
+          <a:fontRef idx="minor">
+            <a:schemeClr val="dk1"/>
+          </a:fontRef>
+        </p:style>
+        <p:txBody>
+          <a:bodyPr rtlCol="0" anchor="ctr"/>
+          <a:lstStyle/>
+          <a:p>
+            <a:pPr algn="ctr">
+              <a:lnSpc>
+                <a:spcPct val="70000"/>
+              </a:lnSpc>
+            </a:pPr>
+            <a:r>
+              <a:rPr lang="en-US" sz="1200" dirty="0" err="1" smtClean="0"/>
+              <a:t>vmcs_restore</a:t>
+            </a:r>
+            <a:r>
+              <a:rPr lang="en-US" altLang="zh-CN" sz="1200" dirty="0"/>
+              <a:t>/</a:t>
+            </a:r>
+            <a:r>
+              <a:rPr lang="en-US" sz="1200" dirty="0" smtClean="0"/>
+              <a:t>save</a:t>
+            </a:r>
+            <a:endParaRPr lang="en-US" sz="1200" dirty="0"/>
+          </a:p>
+        </p:txBody>
+      </p:sp>
+      <p:sp>
+        <p:nvSpPr>
+          <p:cNvPr id="452" name="Rectangle 451"/>
+          <p:cNvSpPr/>
+          <p:nvPr/>
+        </p:nvSpPr>
+        <p:spPr>
+          <a:xfrm>
+            <a:off x="5334000" y="2971800"/>
+            <a:ext cx="914400" cy="304800"/>
+          </a:xfrm>
+          <a:prstGeom prst="rect">
+            <a:avLst/>
+          </a:prstGeom>
+          <a:solidFill>
+            <a:srgbClr val="FFFFFF"/>
+          </a:solidFill>
+          <a:ln w="12700" cmpd="sng"/>
+        </p:spPr>
+        <p:style>
+          <a:lnRef idx="2">
+            <a:schemeClr val="dk1"/>
+          </a:lnRef>
+          <a:fillRef idx="1">
+            <a:schemeClr val="lt1"/>
+          </a:fillRef>
+          <a:effectRef idx="0">
+            <a:schemeClr val="dk1"/>
+          </a:effectRef>
+          <a:fontRef idx="minor">
+            <a:schemeClr val="dk1"/>
+          </a:fontRef>
+        </p:style>
+        <p:txBody>
+          <a:bodyPr rtlCol="0" anchor="ctr"/>
+          <a:lstStyle/>
+          <a:p>
+            <a:pPr algn="ctr">
+              <a:lnSpc>
+                <a:spcPct val="70000"/>
+              </a:lnSpc>
+            </a:pPr>
+            <a:r>
+              <a:rPr lang="en-US" sz="1200" dirty="0" err="1" smtClean="0"/>
+              <a:t>vmcs</a:t>
+            </a:r>
+            <a:r>
+              <a:rPr lang="en-US" altLang="zh-CN" sz="1200" dirty="0" err="1" smtClean="0"/>
+              <a:t>_read</a:t>
+            </a:r>
+            <a:r>
+              <a:rPr lang="en-US" altLang="zh-CN" sz="1200" dirty="0" smtClean="0"/>
+              <a:t>/write</a:t>
+            </a:r>
+            <a:endParaRPr lang="en-US" sz="1200" dirty="0"/>
+          </a:p>
+        </p:txBody>
+      </p:sp>
+      <p:cxnSp>
+        <p:nvCxnSpPr>
+          <p:cNvPr id="459" name="Straight Arrow Connector 458"/>
+          <p:cNvCxnSpPr>
+            <a:stCxn id="447" idx="2"/>
+            <a:endCxn id="429" idx="0"/>
+          </p:cNvCxnSpPr>
+          <p:nvPr/>
+        </p:nvCxnSpPr>
+        <p:spPr>
+          <a:xfrm>
+            <a:off x="8648700" y="3276600"/>
+            <a:ext cx="0" cy="457200"/>
+          </a:xfrm>
+          <a:prstGeom prst="straightConnector1">
+            <a:avLst/>
+          </a:prstGeom>
+          <a:ln w="12700">
+            <a:solidFill>
+              <a:schemeClr val="tx1"/>
+            </a:solidFill>
+            <a:headEnd type="oval"/>
+            <a:tailEnd type="none"/>
+          </a:ln>
+        </p:spPr>
+        <p:style>
+          <a:lnRef idx="1">
+            <a:schemeClr val="accent1"/>
+          </a:lnRef>
+          <a:fillRef idx="0">
+            <a:schemeClr val="accent1"/>
+          </a:fillRef>
+          <a:effectRef idx="0">
+            <a:schemeClr val="accent1"/>
+          </a:effectRef>
+          <a:fontRef idx="minor">
+            <a:schemeClr val="tx1"/>
+          </a:fontRef>
+        </p:style>
+      </p:cxnSp>
+      <p:cxnSp>
+        <p:nvCxnSpPr>
+          <p:cNvPr id="460" name="Straight Arrow Connector 459"/>
+          <p:cNvCxnSpPr>
+            <a:stCxn id="451" idx="2"/>
+            <a:endCxn id="196" idx="0"/>
+          </p:cNvCxnSpPr>
+          <p:nvPr/>
+        </p:nvCxnSpPr>
+        <p:spPr>
+          <a:xfrm>
+            <a:off x="6705600" y="3276600"/>
+            <a:ext cx="38100" cy="152400"/>
+          </a:xfrm>
+          <a:prstGeom prst="straightConnector1">
+            <a:avLst/>
+          </a:prstGeom>
+          <a:ln w="12700">
+            <a:solidFill>
+              <a:schemeClr val="tx1"/>
+            </a:solidFill>
+            <a:headEnd type="oval"/>
+            <a:tailEnd type="none"/>
+          </a:ln>
+        </p:spPr>
+        <p:style>
+          <a:lnRef idx="1">
+            <a:schemeClr val="accent1"/>
+          </a:lnRef>
+          <a:fillRef idx="0">
+            <a:schemeClr val="accent1"/>
+          </a:fillRef>
+          <a:effectRef idx="0">
+            <a:schemeClr val="accent1"/>
+          </a:effectRef>
+          <a:fontRef idx="minor">
+            <a:schemeClr val="tx1"/>
+          </a:fontRef>
+        </p:style>
+      </p:cxnSp>
+      <p:cxnSp>
+        <p:nvCxnSpPr>
+          <p:cNvPr id="461" name="Straight Arrow Connector 460"/>
+          <p:cNvCxnSpPr>
+            <a:stCxn id="449" idx="2"/>
+            <a:endCxn id="431" idx="0"/>
+          </p:cNvCxnSpPr>
+          <p:nvPr/>
+        </p:nvCxnSpPr>
+        <p:spPr>
+          <a:xfrm flipH="1">
+            <a:off x="7620000" y="3276600"/>
+            <a:ext cx="38100" cy="457200"/>
+          </a:xfrm>
+          <a:prstGeom prst="straightConnector1">
+            <a:avLst/>
+          </a:prstGeom>
+          <a:ln w="12700">
+            <a:solidFill>
+              <a:schemeClr val="tx1"/>
+            </a:solidFill>
+            <a:headEnd type="oval"/>
+            <a:tailEnd type="none"/>
+          </a:ln>
+        </p:spPr>
+        <p:style>
+          <a:lnRef idx="1">
+            <a:schemeClr val="accent1"/>
+          </a:lnRef>
+          <a:fillRef idx="0">
+            <a:schemeClr val="accent1"/>
+          </a:fillRef>
+          <a:effectRef idx="0">
+            <a:schemeClr val="accent1"/>
+          </a:effectRef>
+          <a:fontRef idx="minor">
+            <a:schemeClr val="tx1"/>
+          </a:fontRef>
+        </p:style>
+      </p:cxnSp>
+      <p:cxnSp>
+        <p:nvCxnSpPr>
+          <p:cNvPr id="462" name="Straight Arrow Connector 461"/>
+          <p:cNvCxnSpPr>
+            <a:stCxn id="452" idx="2"/>
+            <a:endCxn id="433" idx="0"/>
+          </p:cNvCxnSpPr>
+          <p:nvPr/>
+        </p:nvCxnSpPr>
+        <p:spPr>
+          <a:xfrm flipH="1">
+            <a:off x="5600700" y="3276600"/>
+            <a:ext cx="190500" cy="457200"/>
+          </a:xfrm>
+          <a:prstGeom prst="straightConnector1">
+            <a:avLst/>
+          </a:prstGeom>
+          <a:ln w="12700">
+            <a:solidFill>
+              <a:schemeClr val="tx1"/>
+            </a:solidFill>
+            <a:headEnd type="oval"/>
+            <a:tailEnd type="none"/>
+          </a:ln>
+        </p:spPr>
+        <p:style>
+          <a:lnRef idx="1">
+            <a:schemeClr val="accent1"/>
+          </a:lnRef>
+          <a:fillRef idx="0">
+            <a:schemeClr val="accent1"/>
+          </a:fillRef>
+          <a:effectRef idx="0">
+            <a:schemeClr val="accent1"/>
+          </a:effectRef>
+          <a:fontRef idx="minor">
+            <a:schemeClr val="tx1"/>
+          </a:fontRef>
+        </p:style>
+      </p:cxnSp>
+      <p:sp>
+        <p:nvSpPr>
+          <p:cNvPr id="463" name="Rectangle 462"/>
+          <p:cNvSpPr/>
+          <p:nvPr/>
+        </p:nvSpPr>
+        <p:spPr>
+          <a:xfrm>
+            <a:off x="4800600" y="3429000"/>
+            <a:ext cx="381000" cy="152400"/>
+          </a:xfrm>
+          <a:prstGeom prst="rect">
+            <a:avLst/>
+          </a:prstGeom>
+          <a:solidFill>
+            <a:schemeClr val="accent5">
+              <a:lumMod val="40000"/>
+              <a:lumOff val="60000"/>
+            </a:schemeClr>
+          </a:solidFill>
+          <a:ln w="12700" cmpd="sng"/>
+        </p:spPr>
+        <p:style>
+          <a:lnRef idx="2">
+            <a:schemeClr val="dk1"/>
+          </a:lnRef>
+          <a:fillRef idx="1">
+            <a:schemeClr val="lt1"/>
+          </a:fillRef>
+          <a:effectRef idx="0">
+            <a:schemeClr val="dk1"/>
+          </a:effectRef>
+          <a:fontRef idx="minor">
+            <a:schemeClr val="dk1"/>
+          </a:fontRef>
+        </p:style>
+        <p:txBody>
+          <a:bodyPr rtlCol="0" anchor="ctr"/>
+          <a:lstStyle/>
+          <a:p>
+            <a:pPr algn="ctr">
+              <a:lnSpc>
+                <a:spcPct val="70000"/>
+              </a:lnSpc>
+            </a:pPr>
+            <a:endParaRPr lang="en-US" sz="1100" dirty="0"/>
+          </a:p>
+        </p:txBody>
+      </p:sp>
+      <p:cxnSp>
+        <p:nvCxnSpPr>
+          <p:cNvPr id="465" name="Straight Arrow Connector 464"/>
+          <p:cNvCxnSpPr>
+            <a:stCxn id="463" idx="2"/>
+            <a:endCxn id="430" idx="0"/>
+          </p:cNvCxnSpPr>
+          <p:nvPr/>
+        </p:nvCxnSpPr>
+        <p:spPr>
+          <a:xfrm flipH="1">
+            <a:off x="4533900" y="3581400"/>
+            <a:ext cx="457200" cy="152400"/>
+          </a:xfrm>
+          <a:prstGeom prst="straightConnector1">
+            <a:avLst/>
+          </a:prstGeom>
+          <a:ln w="12700">
+            <a:headEnd type="none"/>
+            <a:tailEnd type="triangle"/>
+          </a:ln>
+        </p:spPr>
+        <p:style>
+          <a:lnRef idx="1">
+            <a:schemeClr val="dk1"/>
+          </a:lnRef>
+          <a:fillRef idx="0">
+            <a:schemeClr val="dk1"/>
+          </a:fillRef>
+          <a:effectRef idx="0">
+            <a:schemeClr val="dk1"/>
+          </a:effectRef>
+          <a:fontRef idx="minor">
+            <a:schemeClr val="tx1"/>
+          </a:fontRef>
+        </p:style>
+      </p:cxnSp>
+      <p:cxnSp>
+        <p:nvCxnSpPr>
+          <p:cNvPr id="467" name="Straight Arrow Connector 466"/>
+          <p:cNvCxnSpPr>
+            <a:stCxn id="463" idx="2"/>
+            <a:endCxn id="433" idx="0"/>
+          </p:cNvCxnSpPr>
+          <p:nvPr/>
+        </p:nvCxnSpPr>
+        <p:spPr>
+          <a:xfrm>
+            <a:off x="4991100" y="3581400"/>
+            <a:ext cx="609600" cy="152400"/>
+          </a:xfrm>
+          <a:prstGeom prst="straightConnector1">
+            <a:avLst/>
+          </a:prstGeom>
+          <a:ln w="12700">
+            <a:headEnd type="none"/>
+            <a:tailEnd type="triangle"/>
+          </a:ln>
+        </p:spPr>
+        <p:style>
+          <a:lnRef idx="1">
+            <a:schemeClr val="dk1"/>
+          </a:lnRef>
+          <a:fillRef idx="0">
+            <a:schemeClr val="dk1"/>
+          </a:fillRef>
+          <a:effectRef idx="0">
+            <a:schemeClr val="dk1"/>
+          </a:effectRef>
+          <a:fontRef idx="minor">
+            <a:schemeClr val="tx1"/>
+          </a:fontRef>
+        </p:style>
+      </p:cxnSp>
+      <p:cxnSp>
+        <p:nvCxnSpPr>
+          <p:cNvPr id="469" name="Straight Arrow Connector 468"/>
+          <p:cNvCxnSpPr>
+            <a:stCxn id="448" idx="2"/>
+            <a:endCxn id="463" idx="0"/>
+          </p:cNvCxnSpPr>
+          <p:nvPr/>
+        </p:nvCxnSpPr>
+        <p:spPr>
+          <a:xfrm>
+            <a:off x="4914900" y="3276600"/>
+            <a:ext cx="76200" cy="152400"/>
+          </a:xfrm>
+          <a:prstGeom prst="straightConnector1">
+            <a:avLst/>
+          </a:prstGeom>
+          <a:ln w="12700">
+            <a:solidFill>
+              <a:schemeClr val="tx1"/>
+            </a:solidFill>
+            <a:headEnd type="oval"/>
+            <a:tailEnd type="none"/>
+          </a:ln>
+        </p:spPr>
+        <p:style>
+          <a:lnRef idx="1">
+            <a:schemeClr val="accent1"/>
+          </a:lnRef>
+          <a:fillRef idx="0">
+            <a:schemeClr val="accent1"/>
+          </a:fillRef>
+          <a:effectRef idx="0">
+            <a:schemeClr val="accent1"/>
+          </a:effectRef>
+          <a:fontRef idx="minor">
+            <a:schemeClr val="tx1"/>
+          </a:fontRef>
+        </p:style>
+      </p:cxnSp>
+      <p:sp>
+        <p:nvSpPr>
+          <p:cNvPr id="471" name="TextBox 470"/>
+          <p:cNvSpPr txBox="1"/>
+          <p:nvPr/>
+        </p:nvSpPr>
+        <p:spPr>
+          <a:xfrm>
+            <a:off x="457200" y="2209800"/>
+            <a:ext cx="3505200" cy="307777"/>
+          </a:xfrm>
+          <a:prstGeom prst="rect">
+            <a:avLst/>
+          </a:prstGeom>
+          <a:noFill/>
+        </p:spPr>
+        <p:txBody>
+          <a:bodyPr wrap="square" rtlCol="0">
+            <a:spAutoFit/>
+          </a:bodyPr>
+          <a:lstStyle/>
+          <a:p>
+            <a:r>
+              <a:rPr lang="en-US" altLang="zh-CN" sz="1400" dirty="0">
+                <a:latin typeface="Arial" pitchFamily="34" charset="0"/>
+                <a:cs typeface="Arial" pitchFamily="34" charset="0"/>
+              </a:rPr>
+              <a:t>(</a:t>
+            </a:r>
+            <a:r>
+              <a:rPr lang="en-US" altLang="zh-CN" sz="1400" dirty="0" err="1">
+                <a:latin typeface="Arial" pitchFamily="34" charset="0"/>
+                <a:cs typeface="Arial" pitchFamily="34" charset="0"/>
+              </a:rPr>
+              <a:t>mm.abs</a:t>
+            </a:r>
+            <a:r>
+              <a:rPr lang="en-US" altLang="zh-CN" sz="1400" dirty="0">
+                <a:latin typeface="Arial" pitchFamily="34" charset="0"/>
+                <a:cs typeface="Arial" pitchFamily="34" charset="0"/>
+              </a:rPr>
+              <a:t>, </a:t>
+            </a:r>
+            <a:r>
+              <a:rPr lang="en-US" altLang="zh-CN" sz="1400" dirty="0" err="1">
+                <a:latin typeface="Arial" pitchFamily="34" charset="0"/>
+                <a:cs typeface="Arial" pitchFamily="34" charset="0"/>
+              </a:rPr>
+              <a:t>procp</a:t>
+            </a:r>
+            <a:r>
+              <a:rPr lang="en-US" altLang="zh-CN" sz="1400" dirty="0">
+                <a:latin typeface="Arial" pitchFamily="34" charset="0"/>
+                <a:cs typeface="Arial" pitchFamily="34" charset="0"/>
+              </a:rPr>
+              <a:t>,</a:t>
+            </a:r>
+            <a:r>
+              <a:rPr lang="zh-CN" altLang="en-US" sz="1400" dirty="0">
+                <a:latin typeface="Arial" pitchFamily="34" charset="0"/>
+                <a:cs typeface="Arial" pitchFamily="34" charset="0"/>
+              </a:rPr>
+              <a:t> </a:t>
+            </a:r>
+            <a:r>
+              <a:rPr lang="en-US" altLang="zh-CN" sz="1400" dirty="0" err="1">
+                <a:latin typeface="Arial" pitchFamily="34" charset="0"/>
+                <a:cs typeface="Arial" pitchFamily="34" charset="0"/>
+              </a:rPr>
+              <a:t>rdq</a:t>
+            </a:r>
+            <a:r>
+              <a:rPr lang="en-US" altLang="zh-CN" sz="1400" dirty="0">
+                <a:latin typeface="Arial" pitchFamily="34" charset="0"/>
+                <a:cs typeface="Arial" pitchFamily="34" charset="0"/>
+              </a:rPr>
+              <a:t>,</a:t>
+            </a:r>
+            <a:r>
+              <a:rPr lang="zh-CN" altLang="en-US" sz="1400" dirty="0" smtClean="0">
+                <a:latin typeface="Arial" pitchFamily="34" charset="0"/>
+                <a:cs typeface="Arial" pitchFamily="34" charset="0"/>
+              </a:rPr>
+              <a:t> </a:t>
+            </a:r>
+            <a:r>
+              <a:rPr lang="en-US" altLang="zh-CN" sz="1400" dirty="0" err="1" smtClean="0">
+                <a:latin typeface="Arial" pitchFamily="34" charset="0"/>
+                <a:cs typeface="Arial" pitchFamily="34" charset="0"/>
+              </a:rPr>
+              <a:t>pid</a:t>
+            </a:r>
+            <a:r>
+              <a:rPr lang="en-US" altLang="zh-CN" sz="1400" dirty="0" smtClean="0">
+                <a:latin typeface="Arial" pitchFamily="34" charset="0"/>
+                <a:cs typeface="Arial" pitchFamily="34" charset="0"/>
+              </a:rPr>
+              <a:t>, </a:t>
+            </a:r>
+            <a:r>
+              <a:rPr lang="en-US" altLang="zh-CN" sz="1400" dirty="0" err="1">
+                <a:latin typeface="Arial" pitchFamily="34" charset="0"/>
+                <a:cs typeface="Arial" pitchFamily="34" charset="0"/>
+              </a:rPr>
+              <a:t>e</a:t>
+            </a:r>
+            <a:r>
+              <a:rPr lang="en-US" altLang="zh-CN" sz="1400" dirty="0" err="1" smtClean="0">
+                <a:latin typeface="Arial" pitchFamily="34" charset="0"/>
+                <a:cs typeface="Arial" pitchFamily="34" charset="0"/>
+              </a:rPr>
+              <a:t>pt</a:t>
+            </a:r>
+            <a:r>
+              <a:rPr lang="en-US" altLang="zh-CN" sz="1400" dirty="0">
+                <a:latin typeface="Arial" pitchFamily="34" charset="0"/>
+                <a:cs typeface="Arial" pitchFamily="34" charset="0"/>
+              </a:rPr>
+              <a:t>,</a:t>
+            </a:r>
+            <a:r>
+              <a:rPr lang="zh-CN" altLang="en-US" sz="1400" dirty="0">
+                <a:latin typeface="Arial" pitchFamily="34" charset="0"/>
+                <a:cs typeface="Arial" pitchFamily="34" charset="0"/>
+              </a:rPr>
+              <a:t> </a:t>
+            </a:r>
+            <a:r>
+              <a:rPr lang="en-US" altLang="zh-CN" sz="1400" dirty="0" err="1" smtClean="0">
+                <a:latin typeface="Arial" pitchFamily="34" charset="0"/>
+                <a:cs typeface="Arial" pitchFamily="34" charset="0"/>
+              </a:rPr>
+              <a:t>vmcs</a:t>
+            </a:r>
+            <a:r>
+              <a:rPr lang="en-US" altLang="zh-CN" sz="1400" dirty="0" smtClean="0">
+                <a:latin typeface="Arial" pitchFamily="34" charset="0"/>
+                <a:cs typeface="Arial" pitchFamily="34" charset="0"/>
+              </a:rPr>
+              <a:t>, </a:t>
+            </a:r>
+            <a:r>
+              <a:rPr lang="en-US" altLang="zh-CN" sz="1400" dirty="0" err="1" smtClean="0">
+                <a:latin typeface="Arial" pitchFamily="34" charset="0"/>
+                <a:cs typeface="Arial" pitchFamily="34" charset="0"/>
+              </a:rPr>
+              <a:t>vmx</a:t>
+            </a:r>
+            <a:r>
+              <a:rPr lang="en-US" altLang="zh-CN" sz="1400" dirty="0" smtClean="0">
+                <a:latin typeface="Arial" pitchFamily="34" charset="0"/>
+                <a:cs typeface="Arial" pitchFamily="34" charset="0"/>
+              </a:rPr>
+              <a:t>)   </a:t>
+            </a:r>
+            <a:endParaRPr lang="zh-CN" altLang="en-US" sz="1400" dirty="0">
+              <a:latin typeface="Arial" pitchFamily="34" charset="0"/>
+              <a:cs typeface="Arial" pitchFamily="34" charset="0"/>
+            </a:endParaRPr>
+          </a:p>
+        </p:txBody>
+      </p:sp>
+      <p:grpSp>
+        <p:nvGrpSpPr>
+          <p:cNvPr id="472" name="Group 471"/>
+          <p:cNvGrpSpPr/>
+          <p:nvPr/>
+        </p:nvGrpSpPr>
+        <p:grpSpPr>
+          <a:xfrm>
+            <a:off x="4495800" y="2212777"/>
+            <a:ext cx="4648200" cy="304800"/>
+            <a:chOff x="3441104" y="5867400"/>
+            <a:chExt cx="4648200" cy="228600"/>
+          </a:xfrm>
+        </p:grpSpPr>
+        <p:sp>
+          <p:nvSpPr>
+            <p:cNvPr id="473" name="Rectangle 472"/>
+            <p:cNvSpPr/>
+            <p:nvPr/>
+          </p:nvSpPr>
+          <p:spPr>
+            <a:xfrm>
+              <a:off x="7098704" y="5867400"/>
+              <a:ext cx="990600" cy="228600"/>
+            </a:xfrm>
+            <a:prstGeom prst="rect">
+              <a:avLst/>
+            </a:prstGeom>
+            <a:solidFill>
+              <a:srgbClr val="CCC1DA"/>
+            </a:solidFill>
+            <a:ln w="12700" cmpd="sng"/>
+          </p:spPr>
+          <p:style>
+            <a:lnRef idx="2">
+              <a:schemeClr val="dk1"/>
+            </a:lnRef>
+            <a:fillRef idx="1">
+              <a:schemeClr val="lt1"/>
+            </a:fillRef>
+            <a:effectRef idx="0">
+              <a:schemeClr val="dk1"/>
+            </a:effectRef>
+            <a:fontRef idx="minor">
+              <a:schemeClr val="dk1"/>
+            </a:fontRef>
+          </p:style>
+          <p:txBody>
+            <a:bodyPr rtlCol="0" anchor="ctr"/>
+            <a:lstStyle/>
+            <a:p>
+              <a:pPr algn="ctr">
+                <a:lnSpc>
+                  <a:spcPct val="70000"/>
+                </a:lnSpc>
+              </a:pPr>
+              <a:r>
+                <a:rPr lang="en-US" sz="1400" dirty="0" smtClean="0"/>
+                <a:t>mm/</a:t>
+              </a:r>
+              <a:r>
+                <a:rPr lang="en-US" sz="1400" dirty="0" err="1" smtClean="0"/>
+                <a:t>proc</a:t>
+              </a:r>
+              <a:r>
+                <a:rPr lang="zh-CN" altLang="zh-CN" sz="1400" dirty="0" smtClean="0"/>
+                <a:t>.</a:t>
+              </a:r>
+              <a:r>
+                <a:rPr lang="en-US" altLang="zh-CN" sz="1400" dirty="0" smtClean="0"/>
+                <a:t>prim</a:t>
+              </a:r>
+              <a:endParaRPr lang="en-US" sz="1400" dirty="0"/>
+            </a:p>
+          </p:txBody>
+        </p:sp>
+        <p:sp>
+          <p:nvSpPr>
+            <p:cNvPr id="476" name="Rectangle 475"/>
+            <p:cNvSpPr/>
+            <p:nvPr/>
+          </p:nvSpPr>
+          <p:spPr>
+            <a:xfrm>
+              <a:off x="3441104" y="5867400"/>
+              <a:ext cx="838200" cy="228600"/>
+            </a:xfrm>
+            <a:prstGeom prst="rect">
+              <a:avLst/>
+            </a:prstGeom>
+            <a:solidFill>
+              <a:srgbClr val="D7E4BD"/>
+            </a:solidFill>
+            <a:ln w="12700" cmpd="sng"/>
+          </p:spPr>
+          <p:style>
+            <a:lnRef idx="2">
+              <a:schemeClr val="dk1"/>
+            </a:lnRef>
+            <a:fillRef idx="1">
+              <a:schemeClr val="lt1"/>
+            </a:fillRef>
+            <a:effectRef idx="0">
+              <a:schemeClr val="dk1"/>
+            </a:effectRef>
+            <a:fontRef idx="minor">
+              <a:schemeClr val="dk1"/>
+            </a:fontRef>
+          </p:style>
+          <p:txBody>
+            <a:bodyPr rtlCol="0" anchor="ctr"/>
+            <a:lstStyle/>
+            <a:p>
+              <a:pPr algn="ctr">
+                <a:lnSpc>
+                  <a:spcPct val="70000"/>
+                </a:lnSpc>
+              </a:pPr>
+              <a:r>
+                <a:rPr lang="en-US" sz="1400" dirty="0" err="1" smtClean="0"/>
+                <a:t>vmcsinit</a:t>
+              </a:r>
+              <a:endParaRPr lang="en-US" sz="1400" dirty="0"/>
+            </a:p>
+          </p:txBody>
+        </p:sp>
+      </p:grpSp>
+      <p:sp>
+        <p:nvSpPr>
+          <p:cNvPr id="477" name="Rectangle 476"/>
+          <p:cNvSpPr/>
+          <p:nvPr/>
+        </p:nvSpPr>
+        <p:spPr>
+          <a:xfrm>
+            <a:off x="7162800" y="2212777"/>
+            <a:ext cx="990600" cy="304800"/>
+          </a:xfrm>
+          <a:prstGeom prst="rect">
+            <a:avLst/>
+          </a:prstGeom>
+          <a:solidFill>
+            <a:srgbClr val="FFFFFF"/>
+          </a:solidFill>
+          <a:ln w="12700" cmpd="sng"/>
+        </p:spPr>
+        <p:style>
+          <a:lnRef idx="2">
+            <a:schemeClr val="dk1"/>
+          </a:lnRef>
+          <a:fillRef idx="1">
+            <a:schemeClr val="lt1"/>
+          </a:fillRef>
+          <a:effectRef idx="0">
+            <a:schemeClr val="dk1"/>
+          </a:effectRef>
+          <a:fontRef idx="minor">
+            <a:schemeClr val="dk1"/>
+          </a:fontRef>
+        </p:style>
+        <p:txBody>
+          <a:bodyPr rtlCol="0" anchor="ctr"/>
+          <a:lstStyle/>
+          <a:p>
+            <a:pPr algn="ctr">
+              <a:lnSpc>
+                <a:spcPct val="70000"/>
+              </a:lnSpc>
+            </a:pPr>
+            <a:r>
+              <a:rPr lang="en-US" sz="1400" dirty="0" err="1"/>
+              <a:t>E</a:t>
+            </a:r>
+            <a:r>
+              <a:rPr lang="en-US" sz="1400" dirty="0" err="1" smtClean="0"/>
+              <a:t>PT</a:t>
+            </a:r>
+            <a:r>
+              <a:rPr lang="en-US" altLang="zh-CN" sz="1400" dirty="0" err="1" smtClean="0"/>
+              <a:t>_insrt</a:t>
+            </a:r>
+            <a:endParaRPr lang="en-US" sz="1400" dirty="0"/>
+          </a:p>
+        </p:txBody>
+      </p:sp>
+      <p:sp>
+        <p:nvSpPr>
+          <p:cNvPr id="478" name="Rectangle 477"/>
+          <p:cNvSpPr/>
+          <p:nvPr/>
+        </p:nvSpPr>
+        <p:spPr>
+          <a:xfrm>
+            <a:off x="6248400" y="2212777"/>
+            <a:ext cx="914400" cy="304800"/>
+          </a:xfrm>
+          <a:prstGeom prst="rect">
+            <a:avLst/>
+          </a:prstGeom>
+          <a:solidFill>
+            <a:srgbClr val="FFFFFF"/>
+          </a:solidFill>
+          <a:ln w="12700" cmpd="sng"/>
+        </p:spPr>
+        <p:style>
+          <a:lnRef idx="2">
+            <a:schemeClr val="dk1"/>
+          </a:lnRef>
+          <a:fillRef idx="1">
+            <a:schemeClr val="lt1"/>
+          </a:fillRef>
+          <a:effectRef idx="0">
+            <a:schemeClr val="dk1"/>
+          </a:effectRef>
+          <a:fontRef idx="minor">
+            <a:schemeClr val="dk1"/>
+          </a:fontRef>
+        </p:style>
+        <p:txBody>
+          <a:bodyPr rtlCol="0" anchor="ctr"/>
+          <a:lstStyle/>
+          <a:p>
+            <a:pPr algn="ctr">
+              <a:lnSpc>
+                <a:spcPct val="70000"/>
+              </a:lnSpc>
+            </a:pPr>
+            <a:r>
+              <a:rPr lang="en-US" sz="1200" dirty="0" err="1" smtClean="0"/>
+              <a:t>vmcs_restore</a:t>
+            </a:r>
+            <a:r>
+              <a:rPr lang="en-US" altLang="zh-CN" sz="1200" dirty="0"/>
+              <a:t>/</a:t>
+            </a:r>
+            <a:r>
+              <a:rPr lang="en-US" sz="1200" dirty="0" smtClean="0"/>
+              <a:t>save</a:t>
+            </a:r>
+            <a:endParaRPr lang="en-US" sz="1200" dirty="0"/>
+          </a:p>
+        </p:txBody>
+      </p:sp>
+      <p:sp>
+        <p:nvSpPr>
+          <p:cNvPr id="479" name="Rectangle 478"/>
+          <p:cNvSpPr/>
+          <p:nvPr/>
+        </p:nvSpPr>
+        <p:spPr>
+          <a:xfrm>
+            <a:off x="5334000" y="2212777"/>
+            <a:ext cx="914400" cy="304800"/>
+          </a:xfrm>
+          <a:prstGeom prst="rect">
+            <a:avLst/>
+          </a:prstGeom>
+          <a:solidFill>
+            <a:srgbClr val="FFFFFF"/>
+          </a:solidFill>
+          <a:ln w="12700" cmpd="sng"/>
+        </p:spPr>
+        <p:style>
+          <a:lnRef idx="2">
+            <a:schemeClr val="dk1"/>
+          </a:lnRef>
+          <a:fillRef idx="1">
+            <a:schemeClr val="lt1"/>
+          </a:fillRef>
+          <a:effectRef idx="0">
+            <a:schemeClr val="dk1"/>
+          </a:effectRef>
+          <a:fontRef idx="minor">
+            <a:schemeClr val="dk1"/>
+          </a:fontRef>
+        </p:style>
+        <p:txBody>
+          <a:bodyPr rtlCol="0" anchor="ctr"/>
+          <a:lstStyle/>
+          <a:p>
+            <a:pPr algn="ctr">
+              <a:lnSpc>
+                <a:spcPct val="70000"/>
+              </a:lnSpc>
+            </a:pPr>
+            <a:r>
+              <a:rPr lang="en-US" sz="1200" dirty="0" err="1" smtClean="0"/>
+              <a:t>vmx</a:t>
+            </a:r>
+            <a:r>
+              <a:rPr lang="en-US" altLang="zh-CN" sz="1200" dirty="0" err="1" smtClean="0"/>
+              <a:t>_read</a:t>
+            </a:r>
+            <a:r>
+              <a:rPr lang="en-US" altLang="zh-CN" sz="1200" dirty="0" smtClean="0"/>
+              <a:t>/write</a:t>
+            </a:r>
+            <a:endParaRPr lang="en-US" sz="1200" dirty="0"/>
+          </a:p>
+        </p:txBody>
+      </p:sp>
+      <p:cxnSp>
+        <p:nvCxnSpPr>
+          <p:cNvPr id="481" name="Straight Arrow Connector 480"/>
+          <p:cNvCxnSpPr>
+            <a:stCxn id="473" idx="2"/>
+            <a:endCxn id="447" idx="0"/>
+          </p:cNvCxnSpPr>
+          <p:nvPr/>
+        </p:nvCxnSpPr>
+        <p:spPr>
+          <a:xfrm>
+            <a:off x="8648700" y="2517577"/>
+            <a:ext cx="0" cy="454223"/>
+          </a:xfrm>
+          <a:prstGeom prst="straightConnector1">
+            <a:avLst/>
+          </a:prstGeom>
+          <a:ln w="12700">
+            <a:solidFill>
+              <a:schemeClr val="tx1"/>
+            </a:solidFill>
+            <a:headEnd type="oval"/>
+            <a:tailEnd type="none"/>
+          </a:ln>
+        </p:spPr>
+        <p:style>
+          <a:lnRef idx="1">
+            <a:schemeClr val="accent1"/>
+          </a:lnRef>
+          <a:fillRef idx="0">
+            <a:schemeClr val="accent1"/>
+          </a:fillRef>
+          <a:effectRef idx="0">
+            <a:schemeClr val="accent1"/>
+          </a:effectRef>
+          <a:fontRef idx="minor">
+            <a:schemeClr val="tx1"/>
+          </a:fontRef>
+        </p:style>
+      </p:cxnSp>
+      <p:cxnSp>
+        <p:nvCxnSpPr>
+          <p:cNvPr id="483" name="Straight Arrow Connector 482"/>
+          <p:cNvCxnSpPr>
+            <a:stCxn id="478" idx="2"/>
+            <a:endCxn id="451" idx="0"/>
+          </p:cNvCxnSpPr>
+          <p:nvPr/>
+        </p:nvCxnSpPr>
+        <p:spPr>
+          <a:xfrm>
+            <a:off x="6705600" y="2517577"/>
+            <a:ext cx="0" cy="454223"/>
+          </a:xfrm>
+          <a:prstGeom prst="straightConnector1">
+            <a:avLst/>
+          </a:prstGeom>
+          <a:ln w="12700">
+            <a:solidFill>
+              <a:schemeClr val="tx1"/>
+            </a:solidFill>
+            <a:headEnd type="oval"/>
+            <a:tailEnd type="none"/>
+          </a:ln>
+        </p:spPr>
+        <p:style>
+          <a:lnRef idx="1">
+            <a:schemeClr val="accent1"/>
+          </a:lnRef>
+          <a:fillRef idx="0">
+            <a:schemeClr val="accent1"/>
+          </a:fillRef>
+          <a:effectRef idx="0">
+            <a:schemeClr val="accent1"/>
+          </a:effectRef>
+          <a:fontRef idx="minor">
+            <a:schemeClr val="tx1"/>
+          </a:fontRef>
+        </p:style>
+      </p:cxnSp>
+      <p:cxnSp>
+        <p:nvCxnSpPr>
+          <p:cNvPr id="484" name="Straight Arrow Connector 483"/>
+          <p:cNvCxnSpPr>
+            <a:stCxn id="477" idx="2"/>
+            <a:endCxn id="449" idx="0"/>
+          </p:cNvCxnSpPr>
+          <p:nvPr/>
+        </p:nvCxnSpPr>
+        <p:spPr>
+          <a:xfrm>
+            <a:off x="7658100" y="2517577"/>
+            <a:ext cx="0" cy="454223"/>
+          </a:xfrm>
+          <a:prstGeom prst="straightConnector1">
+            <a:avLst/>
+          </a:prstGeom>
+          <a:ln w="12700">
+            <a:solidFill>
+              <a:schemeClr val="tx1"/>
+            </a:solidFill>
+            <a:headEnd type="oval"/>
+            <a:tailEnd type="none"/>
+          </a:ln>
+        </p:spPr>
+        <p:style>
+          <a:lnRef idx="1">
+            <a:schemeClr val="accent1"/>
+          </a:lnRef>
+          <a:fillRef idx="0">
+            <a:schemeClr val="accent1"/>
+          </a:fillRef>
+          <a:effectRef idx="0">
+            <a:schemeClr val="accent1"/>
+          </a:effectRef>
+          <a:fontRef idx="minor">
+            <a:schemeClr val="tx1"/>
+          </a:fontRef>
+        </p:style>
+      </p:cxnSp>
+      <p:cxnSp>
+        <p:nvCxnSpPr>
+          <p:cNvPr id="485" name="Straight Arrow Connector 484"/>
+          <p:cNvCxnSpPr>
+            <a:stCxn id="479" idx="2"/>
+            <a:endCxn id="489" idx="0"/>
+          </p:cNvCxnSpPr>
+          <p:nvPr/>
+        </p:nvCxnSpPr>
+        <p:spPr>
+          <a:xfrm>
+            <a:off x="5791200" y="2517577"/>
+            <a:ext cx="38100" cy="149423"/>
+          </a:xfrm>
+          <a:prstGeom prst="straightConnector1">
+            <a:avLst/>
+          </a:prstGeom>
+          <a:ln w="12700">
+            <a:solidFill>
+              <a:schemeClr val="tx1"/>
+            </a:solidFill>
+            <a:headEnd type="oval"/>
+            <a:tailEnd type="none"/>
+          </a:ln>
+        </p:spPr>
+        <p:style>
+          <a:lnRef idx="1">
+            <a:schemeClr val="accent1"/>
+          </a:lnRef>
+          <a:fillRef idx="0">
+            <a:schemeClr val="accent1"/>
+          </a:fillRef>
+          <a:effectRef idx="0">
+            <a:schemeClr val="accent1"/>
+          </a:effectRef>
+          <a:fontRef idx="minor">
+            <a:schemeClr val="tx1"/>
+          </a:fontRef>
+        </p:style>
+      </p:cxnSp>
+      <p:cxnSp>
+        <p:nvCxnSpPr>
+          <p:cNvPr id="486" name="Straight Arrow Connector 485"/>
+          <p:cNvCxnSpPr>
+            <a:endCxn id="448" idx="0"/>
+          </p:cNvCxnSpPr>
+          <p:nvPr/>
+        </p:nvCxnSpPr>
+        <p:spPr>
+          <a:xfrm>
+            <a:off x="4914900" y="2517577"/>
+            <a:ext cx="0" cy="454223"/>
+          </a:xfrm>
+          <a:prstGeom prst="straightConnector1">
+            <a:avLst/>
+          </a:prstGeom>
+          <a:ln w="12700">
+            <a:solidFill>
+              <a:schemeClr val="tx1"/>
+            </a:solidFill>
+            <a:headEnd type="oval"/>
+            <a:tailEnd type="none"/>
+          </a:ln>
+        </p:spPr>
+        <p:style>
+          <a:lnRef idx="1">
+            <a:schemeClr val="accent1"/>
+          </a:lnRef>
+          <a:fillRef idx="0">
+            <a:schemeClr val="accent1"/>
+          </a:fillRef>
+          <a:effectRef idx="0">
+            <a:schemeClr val="accent1"/>
+          </a:effectRef>
+          <a:fontRef idx="minor">
+            <a:schemeClr val="tx1"/>
+          </a:fontRef>
+        </p:style>
+      </p:cxnSp>
+      <p:sp>
+        <p:nvSpPr>
+          <p:cNvPr id="489" name="Rectangle 488"/>
+          <p:cNvSpPr/>
+          <p:nvPr/>
+        </p:nvSpPr>
+        <p:spPr>
+          <a:xfrm>
+            <a:off x="5638800" y="2667000"/>
+            <a:ext cx="381000" cy="152400"/>
+          </a:xfrm>
+          <a:prstGeom prst="rect">
+            <a:avLst/>
+          </a:prstGeom>
+          <a:solidFill>
+            <a:schemeClr val="accent5">
+              <a:lumMod val="40000"/>
+              <a:lumOff val="60000"/>
+            </a:schemeClr>
+          </a:solidFill>
+          <a:ln w="12700" cmpd="sng"/>
+        </p:spPr>
+        <p:style>
+          <a:lnRef idx="2">
+            <a:schemeClr val="dk1"/>
+          </a:lnRef>
+          <a:fillRef idx="1">
+            <a:schemeClr val="lt1"/>
+          </a:fillRef>
+          <a:effectRef idx="0">
+            <a:schemeClr val="dk1"/>
+          </a:effectRef>
+          <a:fontRef idx="minor">
+            <a:schemeClr val="dk1"/>
+          </a:fontRef>
+        </p:style>
+        <p:txBody>
+          <a:bodyPr rtlCol="0" anchor="ctr"/>
+          <a:lstStyle/>
+          <a:p>
+            <a:pPr algn="ctr">
+              <a:lnSpc>
+                <a:spcPct val="70000"/>
+              </a:lnSpc>
+            </a:pPr>
+            <a:endParaRPr lang="en-US" sz="1100" dirty="0"/>
+          </a:p>
+        </p:txBody>
+      </p:sp>
+      <p:cxnSp>
+        <p:nvCxnSpPr>
+          <p:cNvPr id="494" name="Straight Arrow Connector 493"/>
+          <p:cNvCxnSpPr>
+            <a:stCxn id="489" idx="2"/>
+            <a:endCxn id="452" idx="0"/>
+          </p:cNvCxnSpPr>
+          <p:nvPr/>
+        </p:nvCxnSpPr>
+        <p:spPr>
+          <a:xfrm flipH="1">
+            <a:off x="5791200" y="2819400"/>
+            <a:ext cx="38100" cy="152400"/>
+          </a:xfrm>
+          <a:prstGeom prst="straightConnector1">
+            <a:avLst/>
+          </a:prstGeom>
+          <a:ln w="12700">
+            <a:headEnd type="none"/>
+            <a:tailEnd type="triangle"/>
+          </a:ln>
+        </p:spPr>
+        <p:style>
+          <a:lnRef idx="1">
+            <a:schemeClr val="dk1"/>
+          </a:lnRef>
+          <a:fillRef idx="0">
+            <a:schemeClr val="dk1"/>
+          </a:fillRef>
+          <a:effectRef idx="0">
+            <a:schemeClr val="dk1"/>
+          </a:effectRef>
+          <a:fontRef idx="minor">
+            <a:schemeClr val="tx1"/>
+          </a:fontRef>
+        </p:style>
+      </p:cxnSp>
+      <p:sp>
+        <p:nvSpPr>
+          <p:cNvPr id="512" name="Rectangle 511"/>
+          <p:cNvSpPr/>
+          <p:nvPr/>
+        </p:nvSpPr>
+        <p:spPr>
+          <a:xfrm>
+            <a:off x="5562600" y="1905000"/>
+            <a:ext cx="381000" cy="152400"/>
+          </a:xfrm>
+          <a:prstGeom prst="rect">
+            <a:avLst/>
+          </a:prstGeom>
+          <a:solidFill>
+            <a:schemeClr val="accent5">
+              <a:lumMod val="40000"/>
+              <a:lumOff val="60000"/>
+            </a:schemeClr>
+          </a:solidFill>
+          <a:ln w="12700" cmpd="sng"/>
+        </p:spPr>
+        <p:style>
+          <a:lnRef idx="2">
+            <a:schemeClr val="dk1"/>
+          </a:lnRef>
+          <a:fillRef idx="1">
+            <a:schemeClr val="lt1"/>
+          </a:fillRef>
+          <a:effectRef idx="0">
+            <a:schemeClr val="dk1"/>
+          </a:effectRef>
+          <a:fontRef idx="minor">
+            <a:schemeClr val="dk1"/>
+          </a:fontRef>
+        </p:style>
+        <p:txBody>
+          <a:bodyPr rtlCol="0" anchor="ctr"/>
+          <a:lstStyle/>
+          <a:p>
+            <a:pPr algn="ctr">
+              <a:lnSpc>
+                <a:spcPct val="70000"/>
+              </a:lnSpc>
+            </a:pPr>
+            <a:endParaRPr lang="en-US" sz="1100" dirty="0"/>
+          </a:p>
+        </p:txBody>
+      </p:sp>
+      <p:cxnSp>
+        <p:nvCxnSpPr>
+          <p:cNvPr id="513" name="Straight Arrow Connector 512"/>
+          <p:cNvCxnSpPr>
+            <a:stCxn id="512" idx="2"/>
+            <a:endCxn id="479" idx="0"/>
+          </p:cNvCxnSpPr>
+          <p:nvPr/>
+        </p:nvCxnSpPr>
+        <p:spPr>
+          <a:xfrm>
+            <a:off x="5753100" y="2057400"/>
+            <a:ext cx="38100" cy="155377"/>
+          </a:xfrm>
+          <a:prstGeom prst="straightConnector1">
+            <a:avLst/>
+          </a:prstGeom>
+          <a:ln w="12700">
+            <a:headEnd type="none"/>
+            <a:tailEnd type="triangle"/>
+          </a:ln>
+        </p:spPr>
+        <p:style>
+          <a:lnRef idx="1">
+            <a:schemeClr val="dk1"/>
+          </a:lnRef>
+          <a:fillRef idx="0">
+            <a:schemeClr val="dk1"/>
+          </a:fillRef>
+          <a:effectRef idx="0">
+            <a:schemeClr val="dk1"/>
+          </a:effectRef>
+          <a:fontRef idx="minor">
+            <a:schemeClr val="tx1"/>
+          </a:fontRef>
+        </p:style>
+      </p:cxnSp>
+      <p:sp>
+        <p:nvSpPr>
+          <p:cNvPr id="171" name="Rounded Rectangle 170"/>
+          <p:cNvSpPr/>
+          <p:nvPr/>
+        </p:nvSpPr>
+        <p:spPr>
+          <a:xfrm>
+            <a:off x="457200" y="1143000"/>
+            <a:ext cx="8763000" cy="609600"/>
+          </a:xfrm>
+          <a:prstGeom prst="roundRect">
+            <a:avLst/>
+          </a:prstGeom>
+          <a:solidFill>
+            <a:srgbClr val="F2F2F2"/>
+          </a:solidFill>
+          <a:ln w="19050" cmpd="sng">
+            <a:solidFill>
+              <a:schemeClr val="tx1"/>
+            </a:solidFill>
+          </a:ln>
+        </p:spPr>
+        <p:style>
+          <a:lnRef idx="2">
+            <a:schemeClr val="accent1">
+              <a:shade val="50000"/>
+            </a:schemeClr>
+          </a:lnRef>
+          <a:fillRef idx="1">
+            <a:schemeClr val="accent1"/>
+          </a:fillRef>
+          <a:effectRef idx="0">
+            <a:schemeClr val="accent1"/>
+          </a:effectRef>
+          <a:fontRef idx="minor">
+            <a:schemeClr val="lt1"/>
+          </a:fontRef>
+        </p:style>
+        <p:txBody>
+          <a:bodyPr rtlCol="0" anchor="ctr"/>
+          <a:lstStyle/>
+          <a:p>
+            <a:pPr algn="ctr"/>
+            <a:endParaRPr lang="zh-CN" altLang="en-US"/>
+          </a:p>
+        </p:txBody>
+      </p:sp>
+      <p:sp>
+        <p:nvSpPr>
+          <p:cNvPr id="172" name="TextBox 171"/>
+          <p:cNvSpPr txBox="1"/>
+          <p:nvPr/>
+        </p:nvSpPr>
+        <p:spPr>
+          <a:xfrm>
+            <a:off x="533400" y="1185446"/>
+            <a:ext cx="1905000" cy="338554"/>
+          </a:xfrm>
+          <a:prstGeom prst="rect">
+            <a:avLst/>
+          </a:prstGeom>
+          <a:noFill/>
+        </p:spPr>
+        <p:txBody>
+          <a:bodyPr wrap="square" rtlCol="0">
+            <a:spAutoFit/>
+          </a:bodyPr>
+          <a:lstStyle/>
+          <a:p>
+            <a:r>
+              <a:rPr lang="en-US" altLang="zh-CN" sz="1600" b="1" dirty="0" smtClean="0">
+                <a:latin typeface="Arial" pitchFamily="34" charset="0"/>
+                <a:cs typeface="Arial" pitchFamily="34" charset="0"/>
+              </a:rPr>
+              <a:t>VVMX</a:t>
+            </a:r>
+            <a:r>
+              <a:rPr lang="zh-CN" altLang="en-US" sz="1600" b="1" dirty="0" smtClean="0">
+                <a:latin typeface="Arial" pitchFamily="34" charset="0"/>
+                <a:cs typeface="Arial" pitchFamily="34" charset="0"/>
+              </a:rPr>
+              <a:t> </a:t>
+            </a:r>
+            <a:r>
+              <a:rPr lang="en-US" altLang="zh-CN" sz="1600" b="1" dirty="0" smtClean="0">
+                <a:latin typeface="Arial" pitchFamily="34" charset="0"/>
+                <a:cs typeface="Arial" pitchFamily="34" charset="0"/>
+              </a:rPr>
+              <a:t>Layer</a:t>
+            </a:r>
+            <a:endParaRPr lang="zh-CN" altLang="en-US" sz="1600" b="1" dirty="0">
+              <a:latin typeface="Arial" pitchFamily="34" charset="0"/>
+              <a:cs typeface="Arial" pitchFamily="34" charset="0"/>
+            </a:endParaRPr>
+          </a:p>
+        </p:txBody>
+      </p:sp>
+      <p:sp>
+        <p:nvSpPr>
+          <p:cNvPr id="173" name="TextBox 172"/>
+          <p:cNvSpPr txBox="1"/>
+          <p:nvPr/>
+        </p:nvSpPr>
+        <p:spPr>
+          <a:xfrm>
+            <a:off x="457200" y="1444823"/>
+            <a:ext cx="3581400" cy="307777"/>
+          </a:xfrm>
+          <a:prstGeom prst="rect">
+            <a:avLst/>
+          </a:prstGeom>
+          <a:noFill/>
+        </p:spPr>
+        <p:txBody>
+          <a:bodyPr wrap="square" rtlCol="0">
+            <a:spAutoFit/>
+          </a:bodyPr>
+          <a:lstStyle/>
+          <a:p>
+            <a:r>
+              <a:rPr lang="en-US" altLang="zh-CN" sz="1400" dirty="0">
+                <a:latin typeface="Arial" pitchFamily="34" charset="0"/>
+                <a:cs typeface="Arial" pitchFamily="34" charset="0"/>
+              </a:rPr>
+              <a:t>(</a:t>
+            </a:r>
+            <a:r>
+              <a:rPr lang="en-US" altLang="zh-CN" sz="1400" dirty="0" err="1">
+                <a:latin typeface="Arial" pitchFamily="34" charset="0"/>
+                <a:cs typeface="Arial" pitchFamily="34" charset="0"/>
+              </a:rPr>
+              <a:t>mm.abs</a:t>
+            </a:r>
+            <a:r>
+              <a:rPr lang="en-US" altLang="zh-CN" sz="1400" dirty="0">
+                <a:latin typeface="Arial" pitchFamily="34" charset="0"/>
+                <a:cs typeface="Arial" pitchFamily="34" charset="0"/>
+              </a:rPr>
+              <a:t>, </a:t>
+            </a:r>
+            <a:r>
+              <a:rPr lang="en-US" altLang="zh-CN" sz="1400" dirty="0" err="1">
+                <a:latin typeface="Arial" pitchFamily="34" charset="0"/>
+                <a:cs typeface="Arial" pitchFamily="34" charset="0"/>
+              </a:rPr>
+              <a:t>procp</a:t>
+            </a:r>
+            <a:r>
+              <a:rPr lang="en-US" altLang="zh-CN" sz="1400" dirty="0">
+                <a:latin typeface="Arial" pitchFamily="34" charset="0"/>
+                <a:cs typeface="Arial" pitchFamily="34" charset="0"/>
+              </a:rPr>
+              <a:t>,</a:t>
+            </a:r>
+            <a:r>
+              <a:rPr lang="zh-CN" altLang="en-US" sz="1400" dirty="0">
+                <a:latin typeface="Arial" pitchFamily="34" charset="0"/>
+                <a:cs typeface="Arial" pitchFamily="34" charset="0"/>
+              </a:rPr>
+              <a:t> </a:t>
+            </a:r>
+            <a:r>
+              <a:rPr lang="en-US" altLang="zh-CN" sz="1400" dirty="0" err="1">
+                <a:latin typeface="Arial" pitchFamily="34" charset="0"/>
+                <a:cs typeface="Arial" pitchFamily="34" charset="0"/>
+              </a:rPr>
+              <a:t>rdq</a:t>
+            </a:r>
+            <a:r>
+              <a:rPr lang="en-US" altLang="zh-CN" sz="1400" dirty="0">
+                <a:latin typeface="Arial" pitchFamily="34" charset="0"/>
+                <a:cs typeface="Arial" pitchFamily="34" charset="0"/>
+              </a:rPr>
+              <a:t>,</a:t>
+            </a:r>
+            <a:r>
+              <a:rPr lang="zh-CN" altLang="en-US" sz="1400" dirty="0" smtClean="0">
+                <a:latin typeface="Arial" pitchFamily="34" charset="0"/>
+                <a:cs typeface="Arial" pitchFamily="34" charset="0"/>
+              </a:rPr>
+              <a:t> </a:t>
+            </a:r>
+            <a:r>
+              <a:rPr lang="en-US" altLang="zh-CN" sz="1400" dirty="0" err="1" smtClean="0">
+                <a:latin typeface="Arial" pitchFamily="34" charset="0"/>
+                <a:cs typeface="Arial" pitchFamily="34" charset="0"/>
+              </a:rPr>
+              <a:t>pid</a:t>
+            </a:r>
+            <a:r>
+              <a:rPr lang="en-US" altLang="zh-CN" sz="1400" dirty="0" smtClean="0">
+                <a:latin typeface="Arial" pitchFamily="34" charset="0"/>
+                <a:cs typeface="Arial" pitchFamily="34" charset="0"/>
+              </a:rPr>
+              <a:t>, </a:t>
+            </a:r>
+            <a:r>
+              <a:rPr lang="en-US" altLang="zh-CN" sz="1400" dirty="0" err="1">
+                <a:latin typeface="Arial" pitchFamily="34" charset="0"/>
+                <a:cs typeface="Arial" pitchFamily="34" charset="0"/>
+              </a:rPr>
+              <a:t>e</a:t>
+            </a:r>
+            <a:r>
+              <a:rPr lang="en-US" altLang="zh-CN" sz="1400" dirty="0" err="1" smtClean="0">
+                <a:latin typeface="Arial" pitchFamily="34" charset="0"/>
+                <a:cs typeface="Arial" pitchFamily="34" charset="0"/>
+              </a:rPr>
+              <a:t>pt</a:t>
+            </a:r>
+            <a:r>
+              <a:rPr lang="en-US" altLang="zh-CN" sz="1400" dirty="0">
+                <a:latin typeface="Arial" pitchFamily="34" charset="0"/>
+                <a:cs typeface="Arial" pitchFamily="34" charset="0"/>
+              </a:rPr>
+              <a:t>,</a:t>
+            </a:r>
+            <a:r>
+              <a:rPr lang="zh-CN" altLang="en-US" sz="1400" dirty="0">
+                <a:latin typeface="Arial" pitchFamily="34" charset="0"/>
+                <a:cs typeface="Arial" pitchFamily="34" charset="0"/>
+              </a:rPr>
+              <a:t> </a:t>
+            </a:r>
+            <a:r>
+              <a:rPr lang="en-US" altLang="zh-CN" sz="1400" dirty="0" err="1" smtClean="0">
+                <a:latin typeface="Arial" pitchFamily="34" charset="0"/>
+                <a:cs typeface="Arial" pitchFamily="34" charset="0"/>
+              </a:rPr>
+              <a:t>vmcs</a:t>
+            </a:r>
+            <a:r>
+              <a:rPr lang="en-US" altLang="zh-CN" sz="1400" dirty="0" smtClean="0">
+                <a:latin typeface="Arial" pitchFamily="34" charset="0"/>
+                <a:cs typeface="Arial" pitchFamily="34" charset="0"/>
+              </a:rPr>
+              <a:t>, </a:t>
+            </a:r>
+            <a:r>
+              <a:rPr lang="en-US" altLang="zh-CN" sz="1400" dirty="0" err="1" smtClean="0">
+                <a:latin typeface="Arial" pitchFamily="34" charset="0"/>
+                <a:cs typeface="Arial" pitchFamily="34" charset="0"/>
+              </a:rPr>
+              <a:t>vmx</a:t>
+            </a:r>
+            <a:r>
+              <a:rPr lang="en-US" altLang="zh-CN" sz="1400" dirty="0" smtClean="0">
+                <a:latin typeface="Arial" pitchFamily="34" charset="0"/>
+                <a:cs typeface="Arial" pitchFamily="34" charset="0"/>
+              </a:rPr>
+              <a:t>)   </a:t>
+            </a:r>
+            <a:endParaRPr lang="zh-CN" altLang="en-US" sz="1400" dirty="0">
+              <a:latin typeface="Arial" pitchFamily="34" charset="0"/>
+              <a:cs typeface="Arial" pitchFamily="34" charset="0"/>
+            </a:endParaRPr>
+          </a:p>
+        </p:txBody>
+      </p:sp>
+      <p:grpSp>
+        <p:nvGrpSpPr>
+          <p:cNvPr id="174" name="Group 173"/>
+          <p:cNvGrpSpPr/>
+          <p:nvPr/>
+        </p:nvGrpSpPr>
+        <p:grpSpPr>
+          <a:xfrm>
+            <a:off x="4038600" y="1447800"/>
+            <a:ext cx="5105400" cy="304800"/>
+            <a:chOff x="2983904" y="5867400"/>
+            <a:chExt cx="5105400" cy="228600"/>
+          </a:xfrm>
+        </p:grpSpPr>
+        <p:sp>
+          <p:nvSpPr>
+            <p:cNvPr id="175" name="Rectangle 174"/>
+            <p:cNvSpPr/>
+            <p:nvPr/>
+          </p:nvSpPr>
+          <p:spPr>
+            <a:xfrm>
+              <a:off x="7098704" y="5867400"/>
+              <a:ext cx="990600" cy="228600"/>
+            </a:xfrm>
+            <a:prstGeom prst="rect">
+              <a:avLst/>
+            </a:prstGeom>
+            <a:solidFill>
+              <a:srgbClr val="CCC1DA"/>
+            </a:solidFill>
+            <a:ln w="12700" cmpd="sng"/>
+          </p:spPr>
+          <p:style>
+            <a:lnRef idx="2">
+              <a:schemeClr val="dk1"/>
+            </a:lnRef>
+            <a:fillRef idx="1">
+              <a:schemeClr val="lt1"/>
+            </a:fillRef>
+            <a:effectRef idx="0">
+              <a:schemeClr val="dk1"/>
+            </a:effectRef>
+            <a:fontRef idx="minor">
+              <a:schemeClr val="dk1"/>
+            </a:fontRef>
+          </p:style>
+          <p:txBody>
+            <a:bodyPr rtlCol="0" anchor="ctr"/>
+            <a:lstStyle/>
+            <a:p>
+              <a:pPr algn="ctr">
+                <a:lnSpc>
+                  <a:spcPct val="70000"/>
+                </a:lnSpc>
+              </a:pPr>
+              <a:r>
+                <a:rPr lang="en-US" altLang="zh-CN" sz="1400" dirty="0" smtClean="0"/>
+                <a:t>mm/</a:t>
+              </a:r>
+              <a:r>
+                <a:rPr lang="en-US" altLang="zh-CN" sz="1400" dirty="0" err="1" smtClean="0"/>
+                <a:t>proc</a:t>
+              </a:r>
+              <a:r>
+                <a:rPr lang="zh-CN" altLang="zh-CN" sz="1400" dirty="0" smtClean="0"/>
+                <a:t>.</a:t>
+              </a:r>
+              <a:r>
+                <a:rPr lang="en-US" altLang="zh-CN" sz="1400" dirty="0" smtClean="0"/>
+                <a:t>prim</a:t>
+              </a:r>
+              <a:endParaRPr lang="en-US" sz="1400" dirty="0"/>
+            </a:p>
+          </p:txBody>
+        </p:sp>
+        <p:sp>
+          <p:nvSpPr>
+            <p:cNvPr id="176" name="Rectangle 175"/>
+            <p:cNvSpPr/>
+            <p:nvPr/>
+          </p:nvSpPr>
+          <p:spPr>
+            <a:xfrm>
+              <a:off x="2983904" y="5867400"/>
+              <a:ext cx="838200" cy="228600"/>
+            </a:xfrm>
+            <a:prstGeom prst="rect">
+              <a:avLst/>
+            </a:prstGeom>
+            <a:solidFill>
+              <a:srgbClr val="D7E4BD"/>
+            </a:solidFill>
+            <a:ln w="12700" cmpd="sng"/>
+          </p:spPr>
+          <p:style>
+            <a:lnRef idx="2">
+              <a:schemeClr val="dk1"/>
+            </a:lnRef>
+            <a:fillRef idx="1">
+              <a:schemeClr val="lt1"/>
+            </a:fillRef>
+            <a:effectRef idx="0">
+              <a:schemeClr val="dk1"/>
+            </a:effectRef>
+            <a:fontRef idx="minor">
+              <a:schemeClr val="dk1"/>
+            </a:fontRef>
+          </p:style>
+          <p:txBody>
+            <a:bodyPr rtlCol="0" anchor="ctr"/>
+            <a:lstStyle/>
+            <a:p>
+              <a:pPr algn="ctr">
+                <a:lnSpc>
+                  <a:spcPct val="70000"/>
+                </a:lnSpc>
+              </a:pPr>
+              <a:r>
+                <a:rPr lang="en-US" sz="1400" dirty="0" err="1" smtClean="0"/>
+                <a:t>vmcsinit</a:t>
+              </a:r>
+              <a:endParaRPr lang="en-US" sz="1400" dirty="0"/>
+            </a:p>
+          </p:txBody>
+        </p:sp>
+      </p:grpSp>
+      <p:sp>
+        <p:nvSpPr>
+          <p:cNvPr id="177" name="Rectangle 176"/>
+          <p:cNvSpPr/>
+          <p:nvPr/>
+        </p:nvSpPr>
+        <p:spPr>
+          <a:xfrm>
+            <a:off x="7239000" y="1447800"/>
+            <a:ext cx="914400" cy="304800"/>
+          </a:xfrm>
+          <a:prstGeom prst="rect">
+            <a:avLst/>
+          </a:prstGeom>
+          <a:solidFill>
+            <a:srgbClr val="FFFFFF"/>
+          </a:solidFill>
+          <a:ln w="12700" cmpd="sng"/>
+        </p:spPr>
+        <p:style>
+          <a:lnRef idx="2">
+            <a:schemeClr val="dk1"/>
+          </a:lnRef>
+          <a:fillRef idx="1">
+            <a:schemeClr val="lt1"/>
+          </a:fillRef>
+          <a:effectRef idx="0">
+            <a:schemeClr val="dk1"/>
+          </a:effectRef>
+          <a:fontRef idx="minor">
+            <a:schemeClr val="dk1"/>
+          </a:fontRef>
+        </p:style>
+        <p:txBody>
+          <a:bodyPr rtlCol="0" anchor="ctr"/>
+          <a:lstStyle/>
+          <a:p>
+            <a:pPr algn="ctr">
+              <a:lnSpc>
+                <a:spcPct val="70000"/>
+              </a:lnSpc>
+            </a:pPr>
+            <a:r>
+              <a:rPr lang="en-US" sz="1200" dirty="0"/>
+              <a:t>E</a:t>
+            </a:r>
+            <a:r>
+              <a:rPr lang="en-US" sz="1200" dirty="0" smtClean="0"/>
+              <a:t>PT</a:t>
+            </a:r>
+            <a:r>
+              <a:rPr lang="zh-CN" altLang="zh-CN" sz="1200" dirty="0" smtClean="0"/>
+              <a:t>_</a:t>
+            </a:r>
+            <a:r>
+              <a:rPr lang="en-US" altLang="zh-CN" sz="1200" dirty="0" err="1" smtClean="0"/>
+              <a:t>insrt</a:t>
+            </a:r>
+            <a:endParaRPr lang="en-US" sz="1200" dirty="0"/>
+          </a:p>
+        </p:txBody>
+      </p:sp>
+      <p:sp>
+        <p:nvSpPr>
+          <p:cNvPr id="178" name="Rectangle 177"/>
+          <p:cNvSpPr/>
+          <p:nvPr/>
+        </p:nvSpPr>
+        <p:spPr>
+          <a:xfrm>
+            <a:off x="6400800" y="1447800"/>
+            <a:ext cx="914400" cy="304800"/>
+          </a:xfrm>
+          <a:prstGeom prst="rect">
+            <a:avLst/>
+          </a:prstGeom>
+          <a:solidFill>
+            <a:srgbClr val="FFFFFF"/>
+          </a:solidFill>
+          <a:ln w="12700" cmpd="sng"/>
+        </p:spPr>
+        <p:style>
+          <a:lnRef idx="2">
+            <a:schemeClr val="dk1"/>
+          </a:lnRef>
+          <a:fillRef idx="1">
+            <a:schemeClr val="lt1"/>
+          </a:fillRef>
+          <a:effectRef idx="0">
+            <a:schemeClr val="dk1"/>
+          </a:effectRef>
+          <a:fontRef idx="minor">
+            <a:schemeClr val="dk1"/>
+          </a:fontRef>
+        </p:style>
+        <p:txBody>
+          <a:bodyPr rtlCol="0" anchor="ctr"/>
+          <a:lstStyle/>
+          <a:p>
+            <a:pPr algn="ctr">
+              <a:lnSpc>
+                <a:spcPct val="70000"/>
+              </a:lnSpc>
+            </a:pPr>
+            <a:r>
+              <a:rPr lang="en-US" sz="1200" dirty="0" err="1" smtClean="0"/>
+              <a:t>vm</a:t>
+            </a:r>
+            <a:r>
+              <a:rPr lang="en-US" altLang="zh-CN" sz="1200" dirty="0" err="1" smtClean="0"/>
+              <a:t>_</a:t>
+            </a:r>
+            <a:r>
+              <a:rPr lang="en-US" sz="1200" dirty="0" err="1" smtClean="0"/>
+              <a:t>run</a:t>
+            </a:r>
+            <a:r>
+              <a:rPr lang="en-US" altLang="zh-CN" sz="1200" dirty="0" smtClean="0"/>
+              <a:t>/exit</a:t>
+            </a:r>
+            <a:endParaRPr lang="en-US" sz="1200" dirty="0"/>
+          </a:p>
+        </p:txBody>
+      </p:sp>
+      <p:sp>
+        <p:nvSpPr>
+          <p:cNvPr id="179" name="Rectangle 178"/>
+          <p:cNvSpPr/>
+          <p:nvPr/>
+        </p:nvSpPr>
+        <p:spPr>
+          <a:xfrm>
+            <a:off x="4876800" y="1447800"/>
+            <a:ext cx="1600200" cy="304800"/>
+          </a:xfrm>
+          <a:prstGeom prst="rect">
+            <a:avLst/>
+          </a:prstGeom>
+          <a:solidFill>
+            <a:srgbClr val="FFFFFF"/>
+          </a:solidFill>
+          <a:ln w="12700" cmpd="sng"/>
+        </p:spPr>
+        <p:style>
+          <a:lnRef idx="2">
+            <a:schemeClr val="dk1"/>
+          </a:lnRef>
+          <a:fillRef idx="1">
+            <a:schemeClr val="lt1"/>
+          </a:fillRef>
+          <a:effectRef idx="0">
+            <a:schemeClr val="dk1"/>
+          </a:effectRef>
+          <a:fontRef idx="minor">
+            <a:schemeClr val="dk1"/>
+          </a:fontRef>
+        </p:style>
+        <p:txBody>
+          <a:bodyPr rtlCol="0" anchor="ctr"/>
+          <a:lstStyle/>
+          <a:p>
+            <a:pPr algn="ctr">
+              <a:lnSpc>
+                <a:spcPct val="70000"/>
+              </a:lnSpc>
+            </a:pPr>
+            <a:r>
+              <a:rPr lang="en-US" altLang="zh-CN" sz="1200" dirty="0" err="1" smtClean="0"/>
+              <a:t>vm_check</a:t>
+            </a:r>
+            <a:r>
+              <a:rPr lang="en-US" altLang="zh-CN" sz="1200" dirty="0" smtClean="0"/>
+              <a:t>/exit/sync</a:t>
+            </a:r>
+          </a:p>
+          <a:p>
+            <a:pPr algn="ctr">
+              <a:lnSpc>
+                <a:spcPct val="70000"/>
+              </a:lnSpc>
+            </a:pPr>
+            <a:r>
+              <a:rPr lang="en-US" altLang="zh-CN" sz="1200" dirty="0" smtClean="0"/>
+              <a:t>/inject/set/get</a:t>
+            </a:r>
+            <a:r>
+              <a:rPr lang="zh-CN" altLang="en-US" sz="1200" dirty="0" smtClean="0"/>
+              <a:t> </a:t>
+            </a:r>
+            <a:r>
+              <a:rPr lang="en-US" altLang="zh-CN" sz="1200" dirty="0" smtClean="0"/>
+              <a:t>(16)</a:t>
+            </a:r>
+            <a:endParaRPr lang="en-US" sz="1200" dirty="0"/>
+          </a:p>
+        </p:txBody>
+      </p:sp>
+      <p:sp>
+        <p:nvSpPr>
+          <p:cNvPr id="356" name="Rectangle 355"/>
+          <p:cNvSpPr/>
+          <p:nvPr/>
+        </p:nvSpPr>
+        <p:spPr>
+          <a:xfrm>
+            <a:off x="4343400" y="6477000"/>
+            <a:ext cx="381000" cy="152400"/>
+          </a:xfrm>
+          <a:prstGeom prst="rect">
+            <a:avLst/>
+          </a:prstGeom>
+          <a:solidFill>
+            <a:schemeClr val="accent5">
+              <a:lumMod val="40000"/>
+              <a:lumOff val="60000"/>
+            </a:schemeClr>
+          </a:solidFill>
+          <a:ln w="12700" cmpd="sng"/>
+        </p:spPr>
+        <p:style>
+          <a:lnRef idx="2">
+            <a:schemeClr val="dk1"/>
+          </a:lnRef>
+          <a:fillRef idx="1">
+            <a:schemeClr val="lt1"/>
+          </a:fillRef>
+          <a:effectRef idx="0">
+            <a:schemeClr val="dk1"/>
+          </a:effectRef>
+          <a:fontRef idx="minor">
+            <a:schemeClr val="dk1"/>
+          </a:fontRef>
+        </p:style>
+        <p:txBody>
+          <a:bodyPr rtlCol="0" anchor="ctr"/>
+          <a:lstStyle/>
+          <a:p>
+            <a:pPr algn="ctr">
+              <a:lnSpc>
+                <a:spcPct val="70000"/>
+              </a:lnSpc>
+            </a:pPr>
+            <a:endParaRPr lang="en-US" sz="1100" dirty="0"/>
+          </a:p>
+        </p:txBody>
+      </p:sp>
+      <p:sp>
+        <p:nvSpPr>
+          <p:cNvPr id="357" name="Rectangle 356"/>
+          <p:cNvSpPr/>
+          <p:nvPr/>
+        </p:nvSpPr>
+        <p:spPr>
+          <a:xfrm>
+            <a:off x="4724400" y="6477000"/>
+            <a:ext cx="381000" cy="152400"/>
+          </a:xfrm>
+          <a:prstGeom prst="rect">
+            <a:avLst/>
+          </a:prstGeom>
+          <a:solidFill>
+            <a:schemeClr val="accent5">
+              <a:lumMod val="40000"/>
+              <a:lumOff val="60000"/>
+            </a:schemeClr>
+          </a:solidFill>
+          <a:ln w="12700" cmpd="sng"/>
+        </p:spPr>
+        <p:style>
+          <a:lnRef idx="2">
+            <a:schemeClr val="dk1"/>
+          </a:lnRef>
+          <a:fillRef idx="1">
+            <a:schemeClr val="lt1"/>
+          </a:fillRef>
+          <a:effectRef idx="0">
+            <a:schemeClr val="dk1"/>
+          </a:effectRef>
+          <a:fontRef idx="minor">
+            <a:schemeClr val="dk1"/>
+          </a:fontRef>
+        </p:style>
+        <p:txBody>
+          <a:bodyPr rtlCol="0" anchor="ctr"/>
+          <a:lstStyle/>
+          <a:p>
+            <a:pPr algn="ctr">
+              <a:lnSpc>
+                <a:spcPct val="70000"/>
+              </a:lnSpc>
+            </a:pPr>
+            <a:endParaRPr lang="en-US" sz="1100" dirty="0"/>
+          </a:p>
+        </p:txBody>
+      </p:sp>
+      <p:cxnSp>
+        <p:nvCxnSpPr>
+          <p:cNvPr id="358" name="Straight Arrow Connector 357"/>
+          <p:cNvCxnSpPr>
+            <a:stCxn id="348" idx="2"/>
+          </p:cNvCxnSpPr>
+          <p:nvPr/>
+        </p:nvCxnSpPr>
+        <p:spPr>
+          <a:xfrm>
+            <a:off x="6819900" y="6324600"/>
+            <a:ext cx="2057400" cy="457200"/>
+          </a:xfrm>
+          <a:prstGeom prst="straightConnector1">
+            <a:avLst/>
+          </a:prstGeom>
+          <a:ln w="12700">
+            <a:solidFill>
+              <a:schemeClr val="tx1"/>
+            </a:solidFill>
+            <a:headEnd type="oval"/>
+            <a:tailEnd type="none"/>
+          </a:ln>
+        </p:spPr>
+        <p:style>
+          <a:lnRef idx="1">
+            <a:schemeClr val="accent1"/>
+          </a:lnRef>
+          <a:fillRef idx="0">
+            <a:schemeClr val="accent1"/>
+          </a:fillRef>
+          <a:effectRef idx="0">
+            <a:schemeClr val="accent1"/>
+          </a:effectRef>
+          <a:fontRef idx="minor">
+            <a:schemeClr val="tx1"/>
+          </a:fontRef>
+        </p:style>
+      </p:cxnSp>
+      <p:cxnSp>
+        <p:nvCxnSpPr>
+          <p:cNvPr id="359" name="Straight Arrow Connector 358"/>
+          <p:cNvCxnSpPr>
+            <a:stCxn id="348" idx="2"/>
+            <a:endCxn id="223" idx="0"/>
+          </p:cNvCxnSpPr>
+          <p:nvPr/>
+        </p:nvCxnSpPr>
+        <p:spPr>
+          <a:xfrm>
+            <a:off x="6819900" y="6324600"/>
+            <a:ext cx="342900" cy="460177"/>
+          </a:xfrm>
+          <a:prstGeom prst="straightConnector1">
+            <a:avLst/>
+          </a:prstGeom>
+          <a:ln w="12700">
+            <a:solidFill>
+              <a:schemeClr val="tx1"/>
+            </a:solidFill>
+            <a:headEnd type="oval"/>
+            <a:tailEnd type="none"/>
+          </a:ln>
+        </p:spPr>
+        <p:style>
+          <a:lnRef idx="1">
+            <a:schemeClr val="accent1"/>
+          </a:lnRef>
+          <a:fillRef idx="0">
+            <a:schemeClr val="accent1"/>
+          </a:fillRef>
+          <a:effectRef idx="0">
+            <a:schemeClr val="accent1"/>
+          </a:effectRef>
+          <a:fontRef idx="minor">
+            <a:schemeClr val="tx1"/>
+          </a:fontRef>
+        </p:style>
+      </p:cxnSp>
+      <p:cxnSp>
+        <p:nvCxnSpPr>
+          <p:cNvPr id="360" name="Straight Arrow Connector 359"/>
+          <p:cNvCxnSpPr>
+            <a:stCxn id="348" idx="2"/>
+            <a:endCxn id="221" idx="0"/>
+          </p:cNvCxnSpPr>
+          <p:nvPr/>
+        </p:nvCxnSpPr>
+        <p:spPr>
+          <a:xfrm flipH="1">
+            <a:off x="5791200" y="6324600"/>
+            <a:ext cx="1028700" cy="460177"/>
+          </a:xfrm>
+          <a:prstGeom prst="straightConnector1">
+            <a:avLst/>
+          </a:prstGeom>
+          <a:ln w="12700">
+            <a:solidFill>
+              <a:schemeClr val="tx1"/>
+            </a:solidFill>
+            <a:headEnd type="oval"/>
+            <a:tailEnd type="none"/>
+          </a:ln>
+        </p:spPr>
+        <p:style>
+          <a:lnRef idx="1">
+            <a:schemeClr val="accent1"/>
+          </a:lnRef>
+          <a:fillRef idx="0">
+            <a:schemeClr val="accent1"/>
+          </a:fillRef>
+          <a:effectRef idx="0">
+            <a:schemeClr val="accent1"/>
+          </a:effectRef>
+          <a:fontRef idx="minor">
+            <a:schemeClr val="tx1"/>
+          </a:fontRef>
+        </p:style>
+      </p:cxnSp>
+      <p:cxnSp>
+        <p:nvCxnSpPr>
+          <p:cNvPr id="361" name="Straight Arrow Connector 360"/>
+          <p:cNvCxnSpPr>
+            <a:stCxn id="348" idx="2"/>
+            <a:endCxn id="222" idx="0"/>
+          </p:cNvCxnSpPr>
+          <p:nvPr/>
+        </p:nvCxnSpPr>
+        <p:spPr>
+          <a:xfrm flipH="1">
+            <a:off x="4686300" y="6324600"/>
+            <a:ext cx="2133600" cy="460177"/>
+          </a:xfrm>
+          <a:prstGeom prst="straightConnector1">
+            <a:avLst/>
+          </a:prstGeom>
+          <a:ln w="12700">
+            <a:solidFill>
+              <a:schemeClr val="tx1"/>
+            </a:solidFill>
+            <a:headEnd type="oval"/>
+            <a:tailEnd type="none"/>
+          </a:ln>
+        </p:spPr>
+        <p:style>
+          <a:lnRef idx="1">
+            <a:schemeClr val="accent1"/>
+          </a:lnRef>
+          <a:fillRef idx="0">
+            <a:schemeClr val="accent1"/>
+          </a:fillRef>
+          <a:effectRef idx="0">
+            <a:schemeClr val="accent1"/>
+          </a:effectRef>
+          <a:fontRef idx="minor">
+            <a:schemeClr val="tx1"/>
+          </a:fontRef>
+        </p:style>
+      </p:cxnSp>
+      <p:cxnSp>
+        <p:nvCxnSpPr>
+          <p:cNvPr id="362" name="Straight Arrow Connector 361"/>
+          <p:cNvCxnSpPr>
+            <a:stCxn id="349" idx="2"/>
+          </p:cNvCxnSpPr>
+          <p:nvPr/>
+        </p:nvCxnSpPr>
+        <p:spPr>
+          <a:xfrm flipH="1">
+            <a:off x="3733800" y="6324600"/>
+            <a:ext cx="76200" cy="457200"/>
+          </a:xfrm>
+          <a:prstGeom prst="straightConnector1">
+            <a:avLst/>
+          </a:prstGeom>
+          <a:ln w="12700">
+            <a:solidFill>
+              <a:schemeClr val="tx1"/>
+            </a:solidFill>
+            <a:headEnd type="oval"/>
+            <a:tailEnd type="none"/>
+          </a:ln>
+        </p:spPr>
+        <p:style>
+          <a:lnRef idx="1">
+            <a:schemeClr val="accent1"/>
+          </a:lnRef>
+          <a:fillRef idx="0">
+            <a:schemeClr val="accent1"/>
+          </a:fillRef>
+          <a:effectRef idx="0">
+            <a:schemeClr val="accent1"/>
+          </a:effectRef>
+          <a:fontRef idx="minor">
+            <a:schemeClr val="tx1"/>
+          </a:fontRef>
+        </p:style>
+      </p:cxnSp>
+      <p:cxnSp>
+        <p:nvCxnSpPr>
+          <p:cNvPr id="363" name="Straight Arrow Connector 362"/>
+          <p:cNvCxnSpPr>
+            <a:stCxn id="354" idx="2"/>
+            <a:endCxn id="357" idx="0"/>
+          </p:cNvCxnSpPr>
+          <p:nvPr/>
+        </p:nvCxnSpPr>
+        <p:spPr>
+          <a:xfrm flipH="1">
+            <a:off x="4914900" y="6324600"/>
+            <a:ext cx="914400" cy="152400"/>
+          </a:xfrm>
+          <a:prstGeom prst="straightConnector1">
+            <a:avLst/>
+          </a:prstGeom>
+          <a:ln w="12700">
+            <a:solidFill>
+              <a:schemeClr val="tx1"/>
+            </a:solidFill>
+            <a:headEnd type="oval"/>
+            <a:tailEnd type="none"/>
+          </a:ln>
+        </p:spPr>
+        <p:style>
+          <a:lnRef idx="1">
+            <a:schemeClr val="accent1"/>
+          </a:lnRef>
+          <a:fillRef idx="0">
+            <a:schemeClr val="accent1"/>
+          </a:fillRef>
+          <a:effectRef idx="0">
+            <a:schemeClr val="accent1"/>
+          </a:effectRef>
+          <a:fontRef idx="minor">
+            <a:schemeClr val="tx1"/>
+          </a:fontRef>
+        </p:style>
+      </p:cxnSp>
+      <p:cxnSp>
+        <p:nvCxnSpPr>
+          <p:cNvPr id="364" name="Straight Arrow Connector 363"/>
+          <p:cNvCxnSpPr>
+            <a:stCxn id="355" idx="2"/>
+            <a:endCxn id="356" idx="0"/>
+          </p:cNvCxnSpPr>
+          <p:nvPr/>
+        </p:nvCxnSpPr>
+        <p:spPr>
+          <a:xfrm flipH="1">
+            <a:off x="4533900" y="6324600"/>
+            <a:ext cx="228600" cy="152400"/>
+          </a:xfrm>
+          <a:prstGeom prst="straightConnector1">
+            <a:avLst/>
+          </a:prstGeom>
+          <a:ln w="12700">
+            <a:solidFill>
+              <a:schemeClr val="tx1"/>
+            </a:solidFill>
+            <a:headEnd type="oval"/>
+            <a:tailEnd type="none"/>
+          </a:ln>
+        </p:spPr>
+        <p:style>
+          <a:lnRef idx="1">
+            <a:schemeClr val="accent1"/>
+          </a:lnRef>
+          <a:fillRef idx="0">
+            <a:schemeClr val="accent1"/>
+          </a:fillRef>
+          <a:effectRef idx="0">
+            <a:schemeClr val="accent1"/>
+          </a:effectRef>
+          <a:fontRef idx="minor">
+            <a:schemeClr val="tx1"/>
+          </a:fontRef>
+        </p:style>
+      </p:cxnSp>
+      <p:grpSp>
+        <p:nvGrpSpPr>
+          <p:cNvPr id="211" name="Group 210"/>
+          <p:cNvGrpSpPr/>
+          <p:nvPr/>
+        </p:nvGrpSpPr>
+        <p:grpSpPr>
+          <a:xfrm>
+            <a:off x="3352800" y="6784777"/>
+            <a:ext cx="5791200" cy="304800"/>
+            <a:chOff x="2298104" y="5867400"/>
+            <a:chExt cx="5791200" cy="228600"/>
+          </a:xfrm>
+        </p:grpSpPr>
+        <p:sp>
+          <p:nvSpPr>
+            <p:cNvPr id="212" name="Rectangle 211"/>
+            <p:cNvSpPr/>
+            <p:nvPr/>
+          </p:nvSpPr>
+          <p:spPr>
+            <a:xfrm>
+              <a:off x="6946304" y="5867400"/>
+              <a:ext cx="1143000" cy="228600"/>
+            </a:xfrm>
+            <a:prstGeom prst="rect">
+              <a:avLst/>
+            </a:prstGeom>
+            <a:solidFill>
+              <a:srgbClr val="CCC1DA"/>
+            </a:solidFill>
+            <a:ln w="12700" cmpd="sng"/>
+          </p:spPr>
+          <p:style>
+            <a:lnRef idx="2">
+              <a:schemeClr val="dk1"/>
+            </a:lnRef>
+            <a:fillRef idx="1">
+              <a:schemeClr val="lt1"/>
+            </a:fillRef>
+            <a:effectRef idx="0">
+              <a:schemeClr val="dk1"/>
+            </a:effectRef>
+            <a:fontRef idx="minor">
+              <a:schemeClr val="dk1"/>
+            </a:fontRef>
+          </p:style>
+          <p:txBody>
+            <a:bodyPr rtlCol="0" anchor="ctr"/>
+            <a:lstStyle/>
+            <a:p>
+              <a:pPr algn="ctr">
+                <a:lnSpc>
+                  <a:spcPct val="70000"/>
+                </a:lnSpc>
+              </a:pPr>
+              <a:r>
+                <a:rPr lang="en-US" sz="1400" dirty="0" smtClean="0"/>
+                <a:t>mm/</a:t>
+              </a:r>
+              <a:r>
+                <a:rPr lang="en-US" sz="1400" dirty="0" err="1" smtClean="0"/>
+                <a:t>thread</a:t>
+              </a:r>
+              <a:r>
+                <a:rPr lang="en-US" sz="1400" dirty="0" err="1"/>
+                <a:t>.</a:t>
+              </a:r>
+              <a:r>
+                <a:rPr lang="en-US" altLang="zh-CN" sz="1400" dirty="0" err="1" smtClean="0"/>
+                <a:t>prim</a:t>
+              </a:r>
+              <a:endParaRPr lang="en-US" sz="1400" dirty="0"/>
+            </a:p>
+          </p:txBody>
+        </p:sp>
+        <p:sp>
+          <p:nvSpPr>
+            <p:cNvPr id="217" name="Rectangle 216"/>
+            <p:cNvSpPr/>
+            <p:nvPr/>
+          </p:nvSpPr>
+          <p:spPr>
+            <a:xfrm>
+              <a:off x="2298104" y="5867400"/>
+              <a:ext cx="762000" cy="228600"/>
+            </a:xfrm>
+            <a:prstGeom prst="rect">
+              <a:avLst/>
+            </a:prstGeom>
+            <a:solidFill>
+              <a:srgbClr val="D7E4BD"/>
+            </a:solidFill>
+            <a:ln w="12700" cmpd="sng"/>
+          </p:spPr>
+          <p:style>
+            <a:lnRef idx="2">
+              <a:schemeClr val="dk1"/>
+            </a:lnRef>
+            <a:fillRef idx="1">
+              <a:schemeClr val="lt1"/>
+            </a:fillRef>
+            <a:effectRef idx="0">
+              <a:schemeClr val="dk1"/>
+            </a:effectRef>
+            <a:fontRef idx="minor">
+              <a:schemeClr val="dk1"/>
+            </a:fontRef>
+          </p:style>
+          <p:txBody>
+            <a:bodyPr rtlCol="0" anchor="ctr"/>
+            <a:lstStyle/>
+            <a:p>
+              <a:pPr algn="ctr">
+                <a:lnSpc>
+                  <a:spcPct val="70000"/>
+                </a:lnSpc>
+              </a:pPr>
+              <a:r>
+                <a:rPr lang="en-US" sz="1400" dirty="0" err="1" smtClean="0"/>
+                <a:t>procinit</a:t>
+              </a:r>
+              <a:endParaRPr lang="en-US" sz="1400" dirty="0"/>
+            </a:p>
+          </p:txBody>
+        </p:sp>
+      </p:grpSp>
+      <p:sp>
+        <p:nvSpPr>
+          <p:cNvPr id="218" name="TextBox 217"/>
+          <p:cNvSpPr txBox="1"/>
+          <p:nvPr/>
+        </p:nvSpPr>
+        <p:spPr>
+          <a:xfrm>
+            <a:off x="533400" y="6522423"/>
+            <a:ext cx="2514600" cy="338554"/>
+          </a:xfrm>
+          <a:prstGeom prst="rect">
+            <a:avLst/>
+          </a:prstGeom>
+          <a:noFill/>
+        </p:spPr>
+        <p:txBody>
+          <a:bodyPr wrap="square" rtlCol="0">
+            <a:spAutoFit/>
+          </a:bodyPr>
+          <a:lstStyle/>
+          <a:p>
+            <a:r>
+              <a:rPr lang="en-US" altLang="zh-CN" sz="1600" b="1" dirty="0" err="1" smtClean="0">
+                <a:latin typeface="Arial" pitchFamily="34" charset="0"/>
+                <a:cs typeface="Arial" pitchFamily="34" charset="0"/>
+              </a:rPr>
+              <a:t>PProc</a:t>
+            </a:r>
+            <a:r>
+              <a:rPr lang="en-US" altLang="zh-CN" sz="1600" b="1" dirty="0" smtClean="0">
+                <a:latin typeface="Arial" pitchFamily="34" charset="0"/>
+                <a:cs typeface="Arial" pitchFamily="34" charset="0"/>
+              </a:rPr>
+              <a:t> Layer</a:t>
+            </a:r>
+            <a:endParaRPr lang="zh-CN" altLang="en-US" sz="1600" b="1" dirty="0">
+              <a:latin typeface="Arial" pitchFamily="34" charset="0"/>
+              <a:cs typeface="Arial" pitchFamily="34" charset="0"/>
+            </a:endParaRPr>
+          </a:p>
+        </p:txBody>
+      </p:sp>
+      <p:sp>
+        <p:nvSpPr>
+          <p:cNvPr id="219" name="TextBox 218"/>
+          <p:cNvSpPr txBox="1"/>
+          <p:nvPr/>
+        </p:nvSpPr>
+        <p:spPr>
+          <a:xfrm>
+            <a:off x="457200" y="6784777"/>
+            <a:ext cx="2590800" cy="307777"/>
+          </a:xfrm>
+          <a:prstGeom prst="rect">
+            <a:avLst/>
+          </a:prstGeom>
+          <a:noFill/>
+        </p:spPr>
+        <p:txBody>
+          <a:bodyPr wrap="square" rtlCol="0">
+            <a:spAutoFit/>
+          </a:bodyPr>
+          <a:lstStyle/>
+          <a:p>
+            <a:r>
+              <a:rPr lang="en-US" altLang="zh-CN" sz="1400" dirty="0" smtClean="0">
+                <a:latin typeface="Arial" pitchFamily="34" charset="0"/>
+                <a:cs typeface="Arial" pitchFamily="34" charset="0"/>
+              </a:rPr>
+              <a:t>(</a:t>
+            </a:r>
+            <a:r>
+              <a:rPr lang="en-US" altLang="zh-CN" sz="1400" dirty="0" err="1" smtClean="0">
+                <a:latin typeface="Arial" pitchFamily="34" charset="0"/>
+                <a:cs typeface="Arial" pitchFamily="34" charset="0"/>
+              </a:rPr>
+              <a:t>mm.abs</a:t>
+            </a:r>
+            <a:r>
+              <a:rPr lang="en-US" altLang="zh-CN" sz="1400" dirty="0" smtClean="0">
+                <a:latin typeface="Arial" pitchFamily="34" charset="0"/>
+                <a:cs typeface="Arial" pitchFamily="34" charset="0"/>
+              </a:rPr>
+              <a:t>, </a:t>
+            </a:r>
+            <a:r>
+              <a:rPr lang="en-US" altLang="zh-CN" sz="1400" dirty="0" err="1" smtClean="0">
+                <a:latin typeface="Arial" pitchFamily="34" charset="0"/>
+                <a:cs typeface="Arial" pitchFamily="34" charset="0"/>
+              </a:rPr>
+              <a:t>procp</a:t>
+            </a:r>
+            <a:r>
+              <a:rPr lang="en-US" altLang="zh-CN" sz="1400" dirty="0" smtClean="0">
+                <a:latin typeface="Arial" pitchFamily="34" charset="0"/>
+                <a:cs typeface="Arial" pitchFamily="34" charset="0"/>
+              </a:rPr>
+              <a:t>,</a:t>
+            </a:r>
+            <a:r>
+              <a:rPr lang="zh-CN" altLang="en-US" sz="1400" dirty="0" smtClean="0">
+                <a:latin typeface="Arial" pitchFamily="34" charset="0"/>
+                <a:cs typeface="Arial" pitchFamily="34" charset="0"/>
+              </a:rPr>
+              <a:t> </a:t>
+            </a:r>
+            <a:r>
+              <a:rPr lang="en-US" altLang="zh-CN" sz="1400" dirty="0" err="1" smtClean="0">
+                <a:latin typeface="Arial" pitchFamily="34" charset="0"/>
+                <a:cs typeface="Arial" pitchFamily="34" charset="0"/>
+              </a:rPr>
+              <a:t>rdq</a:t>
+            </a:r>
+            <a:r>
+              <a:rPr lang="en-US" altLang="zh-CN" sz="1400" dirty="0" smtClean="0">
+                <a:latin typeface="Arial" pitchFamily="34" charset="0"/>
+                <a:cs typeface="Arial" pitchFamily="34" charset="0"/>
+              </a:rPr>
+              <a:t>,</a:t>
+            </a:r>
+            <a:r>
+              <a:rPr lang="zh-CN" altLang="en-US" sz="1400" dirty="0" smtClean="0">
+                <a:latin typeface="Arial" pitchFamily="34" charset="0"/>
+                <a:cs typeface="Arial" pitchFamily="34" charset="0"/>
+              </a:rPr>
+              <a:t> </a:t>
+            </a:r>
+            <a:r>
+              <a:rPr lang="en-US" altLang="zh-CN" sz="1400" dirty="0" err="1">
+                <a:latin typeface="Arial" pitchFamily="34" charset="0"/>
+                <a:cs typeface="Arial" pitchFamily="34" charset="0"/>
+              </a:rPr>
+              <a:t>p</a:t>
+            </a:r>
+            <a:r>
+              <a:rPr lang="en-US" altLang="zh-CN" sz="1400" dirty="0" err="1" smtClean="0">
+                <a:latin typeface="Arial" pitchFamily="34" charset="0"/>
+                <a:cs typeface="Arial" pitchFamily="34" charset="0"/>
+              </a:rPr>
+              <a:t>id</a:t>
+            </a:r>
+            <a:r>
+              <a:rPr lang="en-US" altLang="zh-CN" sz="1400" dirty="0" smtClean="0">
+                <a:latin typeface="Arial" pitchFamily="34" charset="0"/>
+                <a:cs typeface="Arial" pitchFamily="34" charset="0"/>
+              </a:rPr>
+              <a:t>)   </a:t>
+            </a:r>
+            <a:endParaRPr lang="zh-CN" altLang="en-US" sz="1400" dirty="0">
+              <a:latin typeface="Arial" pitchFamily="34" charset="0"/>
+              <a:cs typeface="Arial" pitchFamily="34" charset="0"/>
+            </a:endParaRPr>
+          </a:p>
+        </p:txBody>
+      </p:sp>
+      <p:sp>
+        <p:nvSpPr>
+          <p:cNvPr id="221" name="Rectangle 220"/>
+          <p:cNvSpPr/>
+          <p:nvPr/>
+        </p:nvSpPr>
+        <p:spPr>
+          <a:xfrm>
+            <a:off x="5257800" y="6784777"/>
+            <a:ext cx="1066800" cy="304800"/>
+          </a:xfrm>
+          <a:prstGeom prst="rect">
+            <a:avLst/>
+          </a:prstGeom>
+          <a:solidFill>
+            <a:srgbClr val="FFFFFF"/>
+          </a:solidFill>
+          <a:ln w="12700" cmpd="sng"/>
+        </p:spPr>
+        <p:style>
+          <a:lnRef idx="2">
+            <a:schemeClr val="dk1"/>
+          </a:lnRef>
+          <a:fillRef idx="1">
+            <a:schemeClr val="lt1"/>
+          </a:fillRef>
+          <a:effectRef idx="0">
+            <a:schemeClr val="dk1"/>
+          </a:effectRef>
+          <a:fontRef idx="minor">
+            <a:schemeClr val="dk1"/>
+          </a:fontRef>
+        </p:style>
+        <p:txBody>
+          <a:bodyPr rtlCol="0" anchor="ctr"/>
+          <a:lstStyle/>
+          <a:p>
+            <a:pPr algn="ctr">
+              <a:lnSpc>
+                <a:spcPct val="70000"/>
+              </a:lnSpc>
+            </a:pPr>
+            <a:r>
+              <a:rPr lang="en-US" sz="1200" dirty="0" smtClean="0"/>
+              <a:t>send/</a:t>
+            </a:r>
+            <a:r>
+              <a:rPr lang="en-US" sz="1200" dirty="0" err="1" smtClean="0"/>
+              <a:t>recv</a:t>
+            </a:r>
+            <a:r>
+              <a:rPr lang="en-US" sz="1200" dirty="0" smtClean="0"/>
+              <a:t>/</a:t>
+            </a:r>
+            <a:r>
+              <a:rPr lang="en-US" sz="1200" dirty="0" err="1" smtClean="0"/>
+              <a:t>check_chan</a:t>
+            </a:r>
+            <a:endParaRPr lang="en-US" sz="1200" dirty="0"/>
+          </a:p>
+        </p:txBody>
+      </p:sp>
+      <p:sp>
+        <p:nvSpPr>
+          <p:cNvPr id="222" name="Rectangle 221"/>
+          <p:cNvSpPr/>
+          <p:nvPr/>
+        </p:nvSpPr>
+        <p:spPr>
+          <a:xfrm>
+            <a:off x="4114800" y="6784777"/>
+            <a:ext cx="1143000" cy="304800"/>
+          </a:xfrm>
+          <a:prstGeom prst="rect">
+            <a:avLst/>
+          </a:prstGeom>
+          <a:solidFill>
+            <a:srgbClr val="FFFFFF"/>
+          </a:solidFill>
+          <a:ln w="12700" cmpd="sng"/>
+        </p:spPr>
+        <p:style>
+          <a:lnRef idx="2">
+            <a:schemeClr val="dk1"/>
+          </a:lnRef>
+          <a:fillRef idx="1">
+            <a:schemeClr val="lt1"/>
+          </a:fillRef>
+          <a:effectRef idx="0">
+            <a:schemeClr val="dk1"/>
+          </a:effectRef>
+          <a:fontRef idx="minor">
+            <a:schemeClr val="dk1"/>
+          </a:fontRef>
+        </p:style>
+        <p:txBody>
+          <a:bodyPr rtlCol="0" anchor="ctr"/>
+          <a:lstStyle/>
+          <a:p>
+            <a:pPr algn="ctr">
+              <a:lnSpc>
+                <a:spcPct val="70000"/>
+              </a:lnSpc>
+            </a:pPr>
+            <a:r>
+              <a:rPr lang="en-US" sz="1400" dirty="0" smtClean="0"/>
+              <a:t>get/</a:t>
+            </a:r>
+            <a:r>
+              <a:rPr lang="en-US" sz="1400" dirty="0" err="1" smtClean="0"/>
+              <a:t>set_uctx</a:t>
+            </a:r>
+            <a:endParaRPr lang="en-US" sz="1400" dirty="0"/>
+          </a:p>
+        </p:txBody>
+      </p:sp>
+      <p:sp>
+        <p:nvSpPr>
+          <p:cNvPr id="223" name="Rectangle 222"/>
+          <p:cNvSpPr/>
+          <p:nvPr/>
+        </p:nvSpPr>
+        <p:spPr>
+          <a:xfrm>
+            <a:off x="6324600" y="6784777"/>
+            <a:ext cx="1676400" cy="304800"/>
+          </a:xfrm>
+          <a:prstGeom prst="rect">
+            <a:avLst/>
+          </a:prstGeom>
+          <a:solidFill>
+            <a:srgbClr val="FFFFFF"/>
+          </a:solidFill>
+          <a:ln w="12700" cmpd="sng"/>
+        </p:spPr>
+        <p:style>
+          <a:lnRef idx="2">
+            <a:schemeClr val="dk1"/>
+          </a:lnRef>
+          <a:fillRef idx="1">
+            <a:schemeClr val="lt1"/>
+          </a:fillRef>
+          <a:effectRef idx="0">
+            <a:schemeClr val="dk1"/>
+          </a:effectRef>
+          <a:fontRef idx="minor">
+            <a:schemeClr val="dk1"/>
+          </a:fontRef>
+        </p:style>
+        <p:txBody>
+          <a:bodyPr rtlCol="0" anchor="ctr"/>
+          <a:lstStyle/>
+          <a:p>
+            <a:pPr algn="ctr">
+              <a:lnSpc>
+                <a:spcPct val="70000"/>
+              </a:lnSpc>
+            </a:pPr>
+            <a:r>
+              <a:rPr lang="en-US" sz="1400" dirty="0" err="1" smtClean="0"/>
+              <a:t>proc_create</a:t>
+            </a:r>
+            <a:r>
+              <a:rPr lang="en-US" sz="1400" dirty="0" smtClean="0"/>
+              <a:t>/start/ exit</a:t>
+            </a:r>
+            <a:endParaRPr lang="en-US" sz="1400" dirty="0"/>
+          </a:p>
+        </p:txBody>
+      </p:sp>
+      <p:sp>
+        <p:nvSpPr>
+          <p:cNvPr id="180" name="Rectangle 179"/>
+          <p:cNvSpPr/>
+          <p:nvPr/>
+        </p:nvSpPr>
+        <p:spPr>
+          <a:xfrm>
+            <a:off x="381000" y="1066800"/>
+            <a:ext cx="8915400" cy="5334000"/>
+          </a:xfrm>
+          <a:prstGeom prst="rect">
+            <a:avLst/>
+          </a:prstGeom>
+          <a:noFill/>
+          <a:ln>
+            <a:prstDash val="dash"/>
+          </a:ln>
+        </p:spPr>
+        <p:style>
+          <a:lnRef idx="2">
+            <a:schemeClr val="accent2"/>
+          </a:lnRef>
+          <a:fillRef idx="1">
+            <a:schemeClr val="lt1"/>
+          </a:fillRef>
+          <a:effectRef idx="0">
+            <a:schemeClr val="accent2"/>
+          </a:effectRef>
+          <a:fontRef idx="minor">
+            <a:schemeClr val="dk1"/>
+          </a:fontRef>
+        </p:style>
+        <p:txBody>
+          <a:bodyPr rtlCol="0" anchor="ctr"/>
+          <a:lstStyle/>
+          <a:p>
+            <a:pPr algn="ctr"/>
+            <a:endParaRPr lang="en-US"/>
+          </a:p>
+        </p:txBody>
+      </p:sp>
+      <p:sp>
+        <p:nvSpPr>
+          <p:cNvPr id="183" name="Rectangle 182"/>
+          <p:cNvSpPr/>
+          <p:nvPr/>
+        </p:nvSpPr>
+        <p:spPr>
+          <a:xfrm>
+            <a:off x="6172200" y="5257800"/>
+            <a:ext cx="990600" cy="304800"/>
+          </a:xfrm>
+          <a:prstGeom prst="rect">
+            <a:avLst/>
+          </a:prstGeom>
+          <a:solidFill>
+            <a:srgbClr val="FFFFFF"/>
+          </a:solidFill>
+          <a:ln w="12700" cmpd="sng"/>
+        </p:spPr>
+        <p:style>
+          <a:lnRef idx="2">
+            <a:schemeClr val="dk1"/>
+          </a:lnRef>
+          <a:fillRef idx="1">
+            <a:schemeClr val="lt1"/>
+          </a:fillRef>
+          <a:effectRef idx="0">
+            <a:schemeClr val="dk1"/>
+          </a:effectRef>
+          <a:fontRef idx="minor">
+            <a:schemeClr val="dk1"/>
+          </a:fontRef>
+        </p:style>
+        <p:txBody>
+          <a:bodyPr rtlCol="0" anchor="ctr"/>
+          <a:lstStyle/>
+          <a:p>
+            <a:pPr algn="ctr">
+              <a:lnSpc>
+                <a:spcPct val="70000"/>
+              </a:lnSpc>
+            </a:pPr>
+            <a:r>
+              <a:rPr lang="en-US" sz="1400" dirty="0" err="1" smtClean="0"/>
+              <a:t>set</a:t>
+            </a:r>
+            <a:r>
+              <a:rPr lang="en-US" altLang="zh-CN" sz="1400" dirty="0" err="1" smtClean="0"/>
+              <a:t>_EPTE</a:t>
+            </a:r>
+            <a:endParaRPr lang="en-US" sz="1400" dirty="0"/>
+          </a:p>
+        </p:txBody>
+      </p:sp>
+      <p:sp>
+        <p:nvSpPr>
+          <p:cNvPr id="184" name="Rectangle 183"/>
+          <p:cNvSpPr/>
+          <p:nvPr/>
+        </p:nvSpPr>
+        <p:spPr>
+          <a:xfrm>
+            <a:off x="5029200" y="5257800"/>
+            <a:ext cx="1143000" cy="304800"/>
+          </a:xfrm>
+          <a:prstGeom prst="rect">
+            <a:avLst/>
+          </a:prstGeom>
+          <a:solidFill>
+            <a:srgbClr val="FFFFFF"/>
+          </a:solidFill>
+          <a:ln w="12700" cmpd="sng"/>
+        </p:spPr>
+        <p:style>
+          <a:lnRef idx="2">
+            <a:schemeClr val="dk1"/>
+          </a:lnRef>
+          <a:fillRef idx="1">
+            <a:schemeClr val="lt1"/>
+          </a:fillRef>
+          <a:effectRef idx="0">
+            <a:schemeClr val="dk1"/>
+          </a:effectRef>
+          <a:fontRef idx="minor">
+            <a:schemeClr val="dk1"/>
+          </a:fontRef>
+        </p:style>
+        <p:txBody>
+          <a:bodyPr rtlCol="0" anchor="ctr"/>
+          <a:lstStyle/>
+          <a:p>
+            <a:pPr algn="ctr">
+              <a:lnSpc>
+                <a:spcPct val="70000"/>
+              </a:lnSpc>
+            </a:pPr>
+            <a:r>
+              <a:rPr lang="en-US" sz="1400" dirty="0" err="1" smtClean="0"/>
+              <a:t>set</a:t>
+            </a:r>
+            <a:r>
+              <a:rPr lang="en-US" altLang="zh-CN" sz="1400" dirty="0" err="1" smtClean="0"/>
+              <a:t>_EPDE</a:t>
+            </a:r>
+            <a:endParaRPr lang="en-US" sz="1400" dirty="0"/>
+          </a:p>
+        </p:txBody>
+      </p:sp>
+      <p:cxnSp>
+        <p:nvCxnSpPr>
+          <p:cNvPr id="185" name="Straight Arrow Connector 184"/>
+          <p:cNvCxnSpPr>
+            <a:stCxn id="395" idx="2"/>
+            <a:endCxn id="184" idx="0"/>
+          </p:cNvCxnSpPr>
+          <p:nvPr/>
+        </p:nvCxnSpPr>
+        <p:spPr>
+          <a:xfrm flipH="1">
+            <a:off x="5600700" y="5105400"/>
+            <a:ext cx="914400" cy="152400"/>
+          </a:xfrm>
+          <a:prstGeom prst="straightConnector1">
+            <a:avLst/>
+          </a:prstGeom>
+          <a:ln w="12700">
+            <a:headEnd type="none"/>
+            <a:tailEnd type="triangle"/>
+          </a:ln>
+        </p:spPr>
+        <p:style>
+          <a:lnRef idx="1">
+            <a:schemeClr val="dk1"/>
+          </a:lnRef>
+          <a:fillRef idx="0">
+            <a:schemeClr val="dk1"/>
+          </a:fillRef>
+          <a:effectRef idx="0">
+            <a:schemeClr val="dk1"/>
+          </a:effectRef>
+          <a:fontRef idx="minor">
+            <a:schemeClr val="tx1"/>
+          </a:fontRef>
+        </p:style>
+      </p:cxnSp>
+      <p:cxnSp>
+        <p:nvCxnSpPr>
+          <p:cNvPr id="188" name="Straight Arrow Connector 187"/>
+          <p:cNvCxnSpPr>
+            <a:stCxn id="395" idx="2"/>
+            <a:endCxn id="183" idx="0"/>
+          </p:cNvCxnSpPr>
+          <p:nvPr/>
+        </p:nvCxnSpPr>
+        <p:spPr>
+          <a:xfrm>
+            <a:off x="6515100" y="5105400"/>
+            <a:ext cx="152400" cy="152400"/>
+          </a:xfrm>
+          <a:prstGeom prst="straightConnector1">
+            <a:avLst/>
+          </a:prstGeom>
+          <a:ln w="12700">
+            <a:headEnd type="none"/>
+            <a:tailEnd type="triangle"/>
+          </a:ln>
+        </p:spPr>
+        <p:style>
+          <a:lnRef idx="1">
+            <a:schemeClr val="dk1"/>
+          </a:lnRef>
+          <a:fillRef idx="0">
+            <a:schemeClr val="dk1"/>
+          </a:fillRef>
+          <a:effectRef idx="0">
+            <a:schemeClr val="dk1"/>
+          </a:effectRef>
+          <a:fontRef idx="minor">
+            <a:schemeClr val="tx1"/>
+          </a:fontRef>
+        </p:style>
+      </p:cxnSp>
+      <p:sp>
+        <p:nvSpPr>
+          <p:cNvPr id="196" name="Rectangle 195"/>
+          <p:cNvSpPr/>
+          <p:nvPr/>
+        </p:nvSpPr>
+        <p:spPr>
+          <a:xfrm>
+            <a:off x="6553200" y="3429000"/>
+            <a:ext cx="381000" cy="152400"/>
+          </a:xfrm>
+          <a:prstGeom prst="rect">
+            <a:avLst/>
+          </a:prstGeom>
+          <a:solidFill>
+            <a:schemeClr val="accent5">
+              <a:lumMod val="40000"/>
+              <a:lumOff val="60000"/>
+            </a:schemeClr>
+          </a:solidFill>
+          <a:ln w="12700" cmpd="sng"/>
+        </p:spPr>
+        <p:style>
+          <a:lnRef idx="2">
+            <a:schemeClr val="dk1"/>
+          </a:lnRef>
+          <a:fillRef idx="1">
+            <a:schemeClr val="lt1"/>
+          </a:fillRef>
+          <a:effectRef idx="0">
+            <a:schemeClr val="dk1"/>
+          </a:effectRef>
+          <a:fontRef idx="minor">
+            <a:schemeClr val="dk1"/>
+          </a:fontRef>
+        </p:style>
+        <p:txBody>
+          <a:bodyPr rtlCol="0" anchor="ctr"/>
+          <a:lstStyle/>
+          <a:p>
+            <a:pPr algn="ctr">
+              <a:lnSpc>
+                <a:spcPct val="70000"/>
+              </a:lnSpc>
+            </a:pPr>
+            <a:endParaRPr lang="en-US" sz="1100" dirty="0"/>
+          </a:p>
+        </p:txBody>
+      </p:sp>
+      <p:cxnSp>
+        <p:nvCxnSpPr>
+          <p:cNvPr id="198" name="Straight Arrow Connector 197"/>
+          <p:cNvCxnSpPr>
+            <a:stCxn id="196" idx="2"/>
+            <a:endCxn id="433" idx="0"/>
+          </p:cNvCxnSpPr>
+          <p:nvPr/>
+        </p:nvCxnSpPr>
+        <p:spPr>
+          <a:xfrm flipH="1">
+            <a:off x="5600700" y="3581400"/>
+            <a:ext cx="1143000" cy="152400"/>
+          </a:xfrm>
+          <a:prstGeom prst="straightConnector1">
+            <a:avLst/>
+          </a:prstGeom>
+          <a:ln w="12700">
+            <a:headEnd type="none"/>
+            <a:tailEnd type="triangle"/>
+          </a:ln>
+        </p:spPr>
+        <p:style>
+          <a:lnRef idx="1">
+            <a:schemeClr val="dk1"/>
+          </a:lnRef>
+          <a:fillRef idx="0">
+            <a:schemeClr val="dk1"/>
+          </a:fillRef>
+          <a:effectRef idx="0">
+            <a:schemeClr val="dk1"/>
+          </a:effectRef>
+          <a:fontRef idx="minor">
+            <a:schemeClr val="tx1"/>
+          </a:fontRef>
+        </p:style>
+      </p:cxnSp>
+      <p:cxnSp>
+        <p:nvCxnSpPr>
+          <p:cNvPr id="511" name="Straight Arrow Connector 510"/>
+          <p:cNvCxnSpPr>
+            <a:endCxn id="512" idx="0"/>
+          </p:cNvCxnSpPr>
+          <p:nvPr/>
+        </p:nvCxnSpPr>
+        <p:spPr>
+          <a:xfrm>
+            <a:off x="5715000" y="1755577"/>
+            <a:ext cx="38100" cy="149423"/>
+          </a:xfrm>
+          <a:prstGeom prst="straightConnector1">
+            <a:avLst/>
+          </a:prstGeom>
+          <a:ln w="12700">
+            <a:solidFill>
+              <a:schemeClr val="tx1"/>
+            </a:solidFill>
+            <a:headEnd type="oval"/>
+            <a:tailEnd type="none"/>
+          </a:ln>
+        </p:spPr>
+        <p:style>
+          <a:lnRef idx="1">
+            <a:schemeClr val="accent1"/>
+          </a:lnRef>
+          <a:fillRef idx="0">
+            <a:schemeClr val="accent1"/>
+          </a:fillRef>
+          <a:effectRef idx="0">
+            <a:schemeClr val="accent1"/>
+          </a:effectRef>
+          <a:fontRef idx="minor">
+            <a:schemeClr val="tx1"/>
+          </a:fontRef>
+        </p:style>
+      </p:cxnSp>
+      <p:cxnSp>
+        <p:nvCxnSpPr>
+          <p:cNvPr id="514" name="Straight Arrow Connector 513"/>
+          <p:cNvCxnSpPr>
+            <a:stCxn id="499" idx="2"/>
+            <a:endCxn id="473" idx="0"/>
+          </p:cNvCxnSpPr>
+          <p:nvPr/>
+        </p:nvCxnSpPr>
+        <p:spPr>
+          <a:xfrm>
+            <a:off x="8648700" y="1755577"/>
+            <a:ext cx="0" cy="457200"/>
+          </a:xfrm>
+          <a:prstGeom prst="straightConnector1">
+            <a:avLst/>
+          </a:prstGeom>
+          <a:ln w="12700">
+            <a:solidFill>
+              <a:schemeClr val="tx1"/>
+            </a:solidFill>
+            <a:headEnd type="oval"/>
+            <a:tailEnd type="none"/>
+          </a:ln>
+        </p:spPr>
+        <p:style>
+          <a:lnRef idx="1">
+            <a:schemeClr val="accent1"/>
+          </a:lnRef>
+          <a:fillRef idx="0">
+            <a:schemeClr val="accent1"/>
+          </a:fillRef>
+          <a:effectRef idx="0">
+            <a:schemeClr val="accent1"/>
+          </a:effectRef>
+          <a:fontRef idx="minor">
+            <a:schemeClr val="tx1"/>
+          </a:fontRef>
+        </p:style>
+      </p:cxnSp>
+      <p:cxnSp>
+        <p:nvCxnSpPr>
+          <p:cNvPr id="515" name="Straight Arrow Connector 514"/>
+          <p:cNvCxnSpPr>
+            <a:endCxn id="203" idx="0"/>
+          </p:cNvCxnSpPr>
+          <p:nvPr/>
+        </p:nvCxnSpPr>
+        <p:spPr>
+          <a:xfrm flipH="1">
+            <a:off x="6819900" y="1755577"/>
+            <a:ext cx="38100" cy="149423"/>
+          </a:xfrm>
+          <a:prstGeom prst="straightConnector1">
+            <a:avLst/>
+          </a:prstGeom>
+          <a:ln w="12700">
+            <a:solidFill>
+              <a:schemeClr val="tx1"/>
+            </a:solidFill>
+            <a:headEnd type="oval"/>
+            <a:tailEnd type="none"/>
+          </a:ln>
+        </p:spPr>
+        <p:style>
+          <a:lnRef idx="1">
+            <a:schemeClr val="accent1"/>
+          </a:lnRef>
+          <a:fillRef idx="0">
+            <a:schemeClr val="accent1"/>
+          </a:fillRef>
+          <a:effectRef idx="0">
+            <a:schemeClr val="accent1"/>
+          </a:effectRef>
+          <a:fontRef idx="minor">
+            <a:schemeClr val="tx1"/>
+          </a:fontRef>
+        </p:style>
+      </p:cxnSp>
+      <p:cxnSp>
+        <p:nvCxnSpPr>
+          <p:cNvPr id="516" name="Straight Arrow Connector 515"/>
+          <p:cNvCxnSpPr>
+            <a:endCxn id="477" idx="0"/>
+          </p:cNvCxnSpPr>
+          <p:nvPr/>
+        </p:nvCxnSpPr>
+        <p:spPr>
+          <a:xfrm flipH="1">
+            <a:off x="7658100" y="1755577"/>
+            <a:ext cx="76200" cy="457200"/>
+          </a:xfrm>
+          <a:prstGeom prst="straightConnector1">
+            <a:avLst/>
+          </a:prstGeom>
+          <a:ln w="12700">
+            <a:solidFill>
+              <a:schemeClr val="tx1"/>
+            </a:solidFill>
+            <a:headEnd type="oval"/>
+            <a:tailEnd type="none"/>
+          </a:ln>
+        </p:spPr>
+        <p:style>
+          <a:lnRef idx="1">
+            <a:schemeClr val="accent1"/>
+          </a:lnRef>
+          <a:fillRef idx="0">
+            <a:schemeClr val="accent1"/>
+          </a:fillRef>
+          <a:effectRef idx="0">
+            <a:schemeClr val="accent1"/>
+          </a:effectRef>
+          <a:fontRef idx="minor">
+            <a:schemeClr val="tx1"/>
+          </a:fontRef>
+        </p:style>
+      </p:cxnSp>
+      <p:cxnSp>
+        <p:nvCxnSpPr>
+          <p:cNvPr id="517" name="Straight Arrow Connector 516"/>
+          <p:cNvCxnSpPr>
+            <a:stCxn id="501" idx="2"/>
+            <a:endCxn id="476" idx="0"/>
+          </p:cNvCxnSpPr>
+          <p:nvPr/>
+        </p:nvCxnSpPr>
+        <p:spPr>
+          <a:xfrm>
+            <a:off x="4610100" y="1755577"/>
+            <a:ext cx="304800" cy="457200"/>
+          </a:xfrm>
+          <a:prstGeom prst="straightConnector1">
+            <a:avLst/>
+          </a:prstGeom>
+          <a:ln w="12700">
+            <a:solidFill>
+              <a:schemeClr val="tx1"/>
+            </a:solidFill>
+            <a:headEnd type="oval"/>
+            <a:tailEnd type="none"/>
+          </a:ln>
+        </p:spPr>
+        <p:style>
+          <a:lnRef idx="1">
+            <a:schemeClr val="accent1"/>
+          </a:lnRef>
+          <a:fillRef idx="0">
+            <a:schemeClr val="accent1"/>
+          </a:fillRef>
+          <a:effectRef idx="0">
+            <a:schemeClr val="accent1"/>
+          </a:effectRef>
+          <a:fontRef idx="minor">
+            <a:schemeClr val="tx1"/>
+          </a:fontRef>
+        </p:style>
+      </p:cxnSp>
+      <p:sp>
+        <p:nvSpPr>
+          <p:cNvPr id="203" name="Rectangle 202"/>
+          <p:cNvSpPr/>
+          <p:nvPr/>
+        </p:nvSpPr>
+        <p:spPr>
+          <a:xfrm>
+            <a:off x="6629400" y="1905000"/>
+            <a:ext cx="381000" cy="152400"/>
+          </a:xfrm>
+          <a:prstGeom prst="rect">
+            <a:avLst/>
+          </a:prstGeom>
+          <a:solidFill>
+            <a:schemeClr val="accent5">
+              <a:lumMod val="40000"/>
+              <a:lumOff val="60000"/>
+            </a:schemeClr>
+          </a:solidFill>
+          <a:ln w="12700" cmpd="sng"/>
+        </p:spPr>
+        <p:style>
+          <a:lnRef idx="2">
+            <a:schemeClr val="dk1"/>
+          </a:lnRef>
+          <a:fillRef idx="1">
+            <a:schemeClr val="lt1"/>
+          </a:fillRef>
+          <a:effectRef idx="0">
+            <a:schemeClr val="dk1"/>
+          </a:effectRef>
+          <a:fontRef idx="minor">
+            <a:schemeClr val="dk1"/>
+          </a:fontRef>
+        </p:style>
+        <p:txBody>
+          <a:bodyPr rtlCol="0" anchor="ctr"/>
+          <a:lstStyle/>
+          <a:p>
+            <a:pPr algn="ctr">
+              <a:lnSpc>
+                <a:spcPct val="70000"/>
+              </a:lnSpc>
+            </a:pPr>
+            <a:endParaRPr lang="en-US" sz="1100" dirty="0"/>
+          </a:p>
+        </p:txBody>
+      </p:sp>
+      <p:cxnSp>
+        <p:nvCxnSpPr>
+          <p:cNvPr id="205" name="Straight Arrow Connector 204"/>
+          <p:cNvCxnSpPr>
+            <a:stCxn id="203" idx="2"/>
+            <a:endCxn id="478" idx="0"/>
+          </p:cNvCxnSpPr>
+          <p:nvPr/>
+        </p:nvCxnSpPr>
+        <p:spPr>
+          <a:xfrm flipH="1">
+            <a:off x="6705600" y="2057400"/>
+            <a:ext cx="114300" cy="155377"/>
+          </a:xfrm>
+          <a:prstGeom prst="straightConnector1">
+            <a:avLst/>
+          </a:prstGeom>
+          <a:ln w="12700">
+            <a:headEnd type="none"/>
+            <a:tailEnd type="triangle"/>
+          </a:ln>
+        </p:spPr>
+        <p:style>
+          <a:lnRef idx="1">
+            <a:schemeClr val="dk1"/>
+          </a:lnRef>
+          <a:fillRef idx="0">
+            <a:schemeClr val="dk1"/>
+          </a:fillRef>
+          <a:effectRef idx="0">
+            <a:schemeClr val="dk1"/>
+          </a:effectRef>
+          <a:fontRef idx="minor">
+            <a:schemeClr val="tx1"/>
+          </a:fontRef>
+        </p:style>
+      </p:cxnSp>
+      <p:cxnSp>
+        <p:nvCxnSpPr>
+          <p:cNvPr id="209" name="Straight Arrow Connector 208"/>
+          <p:cNvCxnSpPr>
+            <a:stCxn id="203" idx="2"/>
+            <a:endCxn id="479" idx="0"/>
+          </p:cNvCxnSpPr>
+          <p:nvPr/>
+        </p:nvCxnSpPr>
+        <p:spPr>
+          <a:xfrm flipH="1">
+            <a:off x="5791200" y="2057400"/>
+            <a:ext cx="1028700" cy="155377"/>
+          </a:xfrm>
+          <a:prstGeom prst="straightConnector1">
+            <a:avLst/>
+          </a:prstGeom>
+          <a:ln w="12700">
+            <a:headEnd type="none"/>
+            <a:tailEnd type="triangle"/>
+          </a:ln>
+        </p:spPr>
+        <p:style>
+          <a:lnRef idx="1">
+            <a:schemeClr val="dk1"/>
+          </a:lnRef>
+          <a:fillRef idx="0">
+            <a:schemeClr val="dk1"/>
+          </a:fillRef>
+          <a:effectRef idx="0">
+            <a:schemeClr val="dk1"/>
+          </a:effectRef>
+          <a:fontRef idx="minor">
+            <a:schemeClr val="tx1"/>
+          </a:fontRef>
+        </p:style>
+      </p:cxnSp>
+    </p:spTree>
+    <p:extLst>
+      <p:ext uri="{BB962C8B-B14F-4D97-AF65-F5344CB8AC3E}">
+        <p14:creationId xmlns:p14="http://schemas.microsoft.com/office/powerpoint/2010/main" val="1538633750"/>
       </p:ext>
     </p:extLst>
   </p:cSld>
